--- a/Documents/S-Park.pptx
+++ b/Documents/S-Park.pptx
@@ -5,15 +5,14 @@
     <p:sldMasterId id="2147483648" r:id="rId1"/>
   </p:sldMasterIdLst>
   <p:notesMasterIdLst>
-    <p:notesMasterId r:id="rId9"/>
+    <p:notesMasterId r:id="rId8"/>
   </p:notesMasterIdLst>
   <p:sldIdLst>
     <p:sldId id="263" r:id="rId3"/>
-    <p:sldId id="260" r:id="rId4"/>
-    <p:sldId id="262" r:id="rId5"/>
+    <p:sldId id="265" r:id="rId4"/>
+    <p:sldId id="269" r:id="rId5"/>
     <p:sldId id="261" r:id="rId6"/>
-    <p:sldId id="265" r:id="rId7"/>
-    <p:sldId id="266" r:id="rId8"/>
+    <p:sldId id="262" r:id="rId7"/>
   </p:sldIdLst>
   <p:sldSz cx="12192000" cy="6858000"/>
   <p:notesSz cx="6858000" cy="9144000"/>
@@ -3294,11 +3293,22 @@
         </p:spPr>
         <p:txBody>
           <a:bodyPr>
-            <a:normAutofit fontScale="92500" lnSpcReduction="10000"/>
+            <a:normAutofit/>
           </a:bodyPr>
           <a:lstStyle/>
           <a:p>
             <a:pPr marL="0" indent="0" algn="ctr">
+              <a:spcAft>
+                <a:spcPts val="0"/>
+              </a:spcAft>
+              <a:buNone/>
+            </a:pPr>
+            <a:endParaRPr lang="en-IN" sz="1000" dirty="0">
+              <a:effectLst/>
+            </a:endParaRPr>
+          </a:p>
+          <a:p>
+            <a:pPr marL="0" indent="0">
               <a:spcAft>
                 <a:spcPts val="0"/>
               </a:spcAft>
@@ -3330,65 +3340,193 @@
                 </a:effectLst>
                 <a:sym typeface="+mn-ea"/>
               </a:rPr>
-              <a:t>ORGANIZATION NAME</a:t>
+              <a:t>PROBLEM STATEMENT </a:t>
             </a:r>
             <a:r>
               <a:rPr lang="en-IN" sz="2000" b="1" dirty="0">
-                <a:gradFill>
-                  <a:gsLst>
-                    <a:gs pos="0">
-                      <a:schemeClr val="accent5">
-                        <a:lumMod val="50000"/>
-                      </a:schemeClr>
-                    </a:gs>
-                    <a:gs pos="50000">
-                      <a:schemeClr val="accent5"/>
-                    </a:gs>
-                    <a:gs pos="100000">
-                      <a:schemeClr val="accent5">
-                        <a:lumMod val="60000"/>
-                        <a:lumOff val="40000"/>
-                      </a:schemeClr>
-                    </a:gs>
-                  </a:gsLst>
-                  <a:lin ang="5400000"/>
-                </a:gradFill>
-                <a:effectLst>
-                  <a:reflection blurRad="6350" stA="53000" endA="300" endPos="35500" dir="5400000" sy="-90000" algn="bl" rotWithShape="0"/>
-                </a:effectLst>
-                <a:sym typeface="+mn-ea"/>
-              </a:rPr>
-              <a:t> </a:t>
+                <a:sym typeface="+mn-ea"/>
+              </a:rPr>
+              <a:t>: </a:t>
+            </a:r>
+            <a:r>
+              <a:rPr lang="en-IN" sz="2000" dirty="0">
+                <a:sym typeface="+mn-ea"/>
+              </a:rPr>
+              <a:t>Portal for Farmers to sell their produce at a </a:t>
             </a:r>
             <a:r>
               <a:rPr lang="en-IN" sz="2000" b="1" dirty="0">
                 <a:sym typeface="+mn-ea"/>
               </a:rPr>
-              <a:t>: </a:t>
+              <a:t>better rate</a:t>
             </a:r>
             <a:r>
               <a:rPr lang="en-IN" sz="2000" dirty="0">
                 <a:sym typeface="+mn-ea"/>
               </a:rPr>
-              <a:t>CDK Global</a:t>
+              <a:t>. </a:t>
+            </a:r>
+            <a:endParaRPr lang="en-IN" sz="2000" dirty="0">
+              <a:effectLst/>
+            </a:endParaRPr>
+          </a:p>
+          <a:p>
+            <a:pPr marL="800100" indent="-342900">
+              <a:spcAft>
+                <a:spcPts val="0"/>
+              </a:spcAft>
+              <a:buFont typeface="Wingdings" panose="05000000000000000000" charset="0"/>
+              <a:buChar char="q"/>
+            </a:pPr>
+            <a:r>
+              <a:rPr lang="en-IN" sz="2000" dirty="0">
+                <a:sym typeface="+mn-ea"/>
+              </a:rPr>
+              <a:t>System that provides farmers an interface to  </a:t>
+            </a:r>
+            <a:r>
+              <a:rPr lang="en-IN" sz="2000" b="1" dirty="0">
+                <a:sym typeface="+mn-ea"/>
+              </a:rPr>
+              <a:t>sell </a:t>
+            </a:r>
+            <a:r>
+              <a:rPr lang="en-IN" sz="2000" dirty="0">
+                <a:sym typeface="+mn-ea"/>
+              </a:rPr>
+              <a:t>their product, and </a:t>
+            </a:r>
+            <a:r>
+              <a:rPr lang="en-IN" sz="2000" b="1" dirty="0">
+                <a:sym typeface="+mn-ea"/>
+              </a:rPr>
+              <a:t>connect </a:t>
+            </a:r>
+            <a:r>
+              <a:rPr lang="en-IN" sz="2000" dirty="0">
+                <a:sym typeface="+mn-ea"/>
+              </a:rPr>
+              <a:t>with the </a:t>
+            </a:r>
+            <a:r>
+              <a:rPr lang="en-IN" sz="2000" b="1" dirty="0">
+                <a:sym typeface="+mn-ea"/>
+              </a:rPr>
+              <a:t>buyers </a:t>
+            </a:r>
+            <a:r>
+              <a:rPr lang="en-IN" sz="2000" dirty="0">
+                <a:sym typeface="+mn-ea"/>
+              </a:rPr>
+              <a:t>all over India.</a:t>
+            </a:r>
+            <a:endParaRPr lang="en-IN" sz="2000" dirty="0">
+              <a:effectLst/>
+            </a:endParaRPr>
+          </a:p>
+          <a:p>
+            <a:pPr marL="800100" indent="-342900">
+              <a:spcAft>
+                <a:spcPts val="0"/>
+              </a:spcAft>
+              <a:buFont typeface="Wingdings" panose="05000000000000000000" charset="0"/>
+              <a:buChar char="q"/>
+            </a:pPr>
+            <a:r>
+              <a:rPr lang="en-IN" sz="2000" b="1" dirty="0">
+                <a:sym typeface="+mn-ea"/>
+              </a:rPr>
+              <a:t>Simple interface</a:t>
+            </a:r>
+            <a:r>
+              <a:rPr lang="en-IN" sz="2000" dirty="0">
+                <a:sym typeface="+mn-ea"/>
+              </a:rPr>
+              <a:t> that works on smart devices, </a:t>
+            </a:r>
+            <a:r>
+              <a:rPr lang="en-IN" sz="2000" b="1" dirty="0">
+                <a:sym typeface="+mn-ea"/>
+              </a:rPr>
+              <a:t>SMS </a:t>
+            </a:r>
+            <a:r>
+              <a:rPr lang="en-IN" sz="2000" dirty="0">
+                <a:sym typeface="+mn-ea"/>
+              </a:rPr>
+              <a:t>to upload product details and respond via phone and SMS .</a:t>
+            </a:r>
+            <a:endParaRPr lang="en-IN" sz="2000" dirty="0">
+              <a:effectLst/>
+            </a:endParaRPr>
+          </a:p>
+          <a:p>
+            <a:pPr marL="800100" indent="-342900">
+              <a:spcAft>
+                <a:spcPts val="0"/>
+              </a:spcAft>
+              <a:buFont typeface="Wingdings" panose="05000000000000000000" charset="0"/>
+              <a:buChar char="q"/>
+            </a:pPr>
+            <a:r>
+              <a:rPr lang="en-IN" sz="2000" b="1" dirty="0">
+                <a:sym typeface="+mn-ea"/>
+              </a:rPr>
+              <a:t>Interface for anyone to buy the produce/vegetable </a:t>
+            </a:r>
+            <a:r>
+              <a:rPr lang="en-IN" sz="2000" dirty="0">
+                <a:sym typeface="+mn-ea"/>
+              </a:rPr>
+              <a:t>– initially visit the place and buy or have </a:t>
+            </a:r>
+            <a:r>
+              <a:rPr lang="en-IN" sz="2000" b="1" dirty="0">
+                <a:sym typeface="+mn-ea"/>
+              </a:rPr>
+              <a:t>courier service integrated</a:t>
+            </a:r>
+            <a:r>
+              <a:rPr lang="en-IN" sz="2000" dirty="0">
+                <a:sym typeface="+mn-ea"/>
+              </a:rPr>
+              <a:t> to deliver the vegetables so Farmers can get a better price for their produce, no additional cost is spent in marketing and delivery of goods, however they can choose to charge more by </a:t>
+            </a:r>
+            <a:r>
+              <a:rPr lang="en-IN" sz="2000" b="1" dirty="0">
+                <a:sym typeface="+mn-ea"/>
+              </a:rPr>
+              <a:t>delivering the items themselves</a:t>
+            </a:r>
+            <a:r>
+              <a:rPr lang="en-IN" sz="2000" dirty="0">
+                <a:sym typeface="+mn-ea"/>
+              </a:rPr>
+              <a:t>.</a:t>
             </a:r>
             <a:endParaRPr lang="en-IN" dirty="0">
               <a:effectLst/>
             </a:endParaRPr>
           </a:p>
           <a:p>
-            <a:pPr marL="0" indent="0" algn="ctr">
+            <a:pPr indent="0">
               <a:spcAft>
                 <a:spcPts val="0"/>
               </a:spcAft>
               <a:buNone/>
             </a:pPr>
-            <a:endParaRPr lang="en-IN" sz="1000" dirty="0">
-              <a:effectLst/>
+            <a:r>
+              <a:rPr lang="en-IN" sz="2000" dirty="0">
+                <a:sym typeface="+mn-ea"/>
+              </a:rPr>
+              <a:t> </a:t>
+            </a:r>
+            <a:endParaRPr lang="en-IN" sz="2000" dirty="0">
+              <a:sym typeface="+mn-ea"/>
             </a:endParaRPr>
           </a:p>
           <a:p>
-            <a:pPr marL="0" indent="0">
+            <a:pPr marL="0" indent="0" algn="l">
               <a:spcAft>
                 <a:spcPts val="0"/>
               </a:spcAft>
@@ -3420,333 +3558,19 @@
                 </a:effectLst>
                 <a:sym typeface="+mn-ea"/>
               </a:rPr>
-              <a:t>PROBLEM STATEMENT </a:t>
+              <a:t>TEAM LEADER NAME </a:t>
             </a:r>
             <a:r>
               <a:rPr lang="en-IN" sz="2000" b="1" dirty="0">
                 <a:sym typeface="+mn-ea"/>
               </a:rPr>
-              <a:t>: </a:t>
+              <a:t>:</a:t>
             </a:r>
             <a:r>
               <a:rPr lang="en-IN" sz="2000" dirty="0">
                 <a:sym typeface="+mn-ea"/>
               </a:rPr>
-              <a:t>Portal for Farmers to sell their produce at a </a:t>
-            </a:r>
-            <a:r>
-              <a:rPr lang="en-IN" sz="2000" b="1" dirty="0">
-                <a:sym typeface="+mn-ea"/>
-              </a:rPr>
-              <a:t>better rate</a:t>
-            </a:r>
-            <a:r>
-              <a:rPr lang="en-IN" sz="2000" dirty="0">
-                <a:sym typeface="+mn-ea"/>
-              </a:rPr>
-              <a:t>. </a:t>
-            </a:r>
-            <a:endParaRPr lang="en-IN" sz="2000" dirty="0">
-              <a:effectLst/>
-            </a:endParaRPr>
-          </a:p>
-          <a:p>
-            <a:pPr marL="800100" indent="-342900">
-              <a:spcAft>
-                <a:spcPts val="0"/>
-              </a:spcAft>
-              <a:buFont typeface="Wingdings" panose="05000000000000000000" charset="0"/>
-              <a:buChar char="q"/>
-            </a:pPr>
-            <a:r>
-              <a:rPr lang="en-IN" sz="2000" dirty="0">
-                <a:sym typeface="+mn-ea"/>
-              </a:rPr>
-              <a:t>System that provides farmers an interface to  </a:t>
-            </a:r>
-            <a:r>
-              <a:rPr lang="en-IN" sz="2000" b="1" dirty="0">
-                <a:sym typeface="+mn-ea"/>
-              </a:rPr>
-              <a:t>sell </a:t>
-            </a:r>
-            <a:r>
-              <a:rPr lang="en-IN" sz="2000" dirty="0">
-                <a:sym typeface="+mn-ea"/>
-              </a:rPr>
-              <a:t>their product, and </a:t>
-            </a:r>
-            <a:r>
-              <a:rPr lang="en-IN" sz="2000" b="1" dirty="0">
-                <a:sym typeface="+mn-ea"/>
-              </a:rPr>
-              <a:t>connect </a:t>
-            </a:r>
-            <a:r>
-              <a:rPr lang="en-IN" sz="2000" dirty="0">
-                <a:sym typeface="+mn-ea"/>
-              </a:rPr>
-              <a:t>with the </a:t>
-            </a:r>
-            <a:r>
-              <a:rPr lang="en-IN" sz="2000" b="1" dirty="0">
-                <a:sym typeface="+mn-ea"/>
-              </a:rPr>
-              <a:t>buyers </a:t>
-            </a:r>
-            <a:r>
-              <a:rPr lang="en-IN" sz="2000" dirty="0">
-                <a:sym typeface="+mn-ea"/>
-              </a:rPr>
-              <a:t>all over India.</a:t>
-            </a:r>
-            <a:endParaRPr lang="en-IN" sz="2000" dirty="0">
-              <a:effectLst/>
-            </a:endParaRPr>
-          </a:p>
-          <a:p>
-            <a:pPr marL="800100" indent="-342900">
-              <a:spcAft>
-                <a:spcPts val="0"/>
-              </a:spcAft>
-              <a:buFont typeface="Wingdings" panose="05000000000000000000" charset="0"/>
-              <a:buChar char="q"/>
-            </a:pPr>
-            <a:r>
-              <a:rPr lang="en-IN" sz="2000" b="1" dirty="0">
-                <a:sym typeface="+mn-ea"/>
-              </a:rPr>
-              <a:t>Simple interface</a:t>
-            </a:r>
-            <a:r>
-              <a:rPr lang="en-IN" sz="2000" dirty="0">
-                <a:sym typeface="+mn-ea"/>
-              </a:rPr>
-              <a:t> that works on smart devices, </a:t>
-            </a:r>
-            <a:r>
-              <a:rPr lang="en-IN" sz="2000" b="1" dirty="0">
-                <a:sym typeface="+mn-ea"/>
-              </a:rPr>
-              <a:t>SMS </a:t>
-            </a:r>
-            <a:r>
-              <a:rPr lang="en-IN" sz="2000" dirty="0">
-                <a:sym typeface="+mn-ea"/>
-              </a:rPr>
-              <a:t>to upload product details and respond via phone and SMS .</a:t>
-            </a:r>
-            <a:endParaRPr lang="en-IN" sz="2000" dirty="0">
-              <a:effectLst/>
-            </a:endParaRPr>
-          </a:p>
-          <a:p>
-            <a:pPr marL="800100" indent="-342900">
-              <a:spcAft>
-                <a:spcPts val="0"/>
-              </a:spcAft>
-              <a:buFont typeface="Wingdings" panose="05000000000000000000" charset="0"/>
-              <a:buChar char="q"/>
-            </a:pPr>
-            <a:r>
-              <a:rPr lang="en-IN" sz="2000" b="1" dirty="0">
-                <a:sym typeface="+mn-ea"/>
-              </a:rPr>
-              <a:t>Interface for anyone to buy the produce/vegetable </a:t>
-            </a:r>
-            <a:r>
-              <a:rPr lang="en-IN" sz="2000" dirty="0">
-                <a:sym typeface="+mn-ea"/>
-              </a:rPr>
-              <a:t>– initially visit the place and buy or have </a:t>
-            </a:r>
-            <a:r>
-              <a:rPr lang="en-IN" sz="2000" b="1" dirty="0">
-                <a:sym typeface="+mn-ea"/>
-              </a:rPr>
-              <a:t>courier service integrated</a:t>
-            </a:r>
-            <a:r>
-              <a:rPr lang="en-IN" sz="2000" dirty="0">
-                <a:sym typeface="+mn-ea"/>
-              </a:rPr>
-              <a:t> to deliver the vegetables so Farmers can get a better price for their produce, no additional cost is spent in marketing and delivery of goods, however they can choose to charge more by </a:t>
-            </a:r>
-            <a:r>
-              <a:rPr lang="en-IN" sz="2000" b="1" dirty="0">
-                <a:sym typeface="+mn-ea"/>
-              </a:rPr>
-              <a:t>delivering the items themselves</a:t>
-            </a:r>
-            <a:r>
-              <a:rPr lang="en-IN" sz="2000" dirty="0">
-                <a:sym typeface="+mn-ea"/>
-              </a:rPr>
-              <a:t>.</a:t>
-            </a:r>
-            <a:endParaRPr lang="en-IN" dirty="0">
-              <a:effectLst/>
-            </a:endParaRPr>
-          </a:p>
-          <a:p>
-            <a:pPr indent="0">
-              <a:spcAft>
-                <a:spcPts val="0"/>
-              </a:spcAft>
-              <a:buNone/>
-            </a:pPr>
-            <a:endParaRPr lang="en-IN" dirty="0">
-              <a:effectLst/>
-            </a:endParaRPr>
-          </a:p>
-          <a:p>
-            <a:pPr marL="0" indent="0" algn="l">
-              <a:spcAft>
-                <a:spcPts val="0"/>
-              </a:spcAft>
-              <a:buNone/>
-            </a:pPr>
-            <a:r>
-              <a:rPr lang="en-IN" sz="2000" b="1" i="1" u="sng" dirty="0">
-                <a:gradFill>
-                  <a:gsLst>
-                    <a:gs pos="0">
-                      <a:schemeClr val="accent5">
-                        <a:lumMod val="50000"/>
-                      </a:schemeClr>
-                    </a:gs>
-                    <a:gs pos="50000">
-                      <a:schemeClr val="accent5"/>
-                    </a:gs>
-                    <a:gs pos="100000">
-                      <a:schemeClr val="accent5">
-                        <a:lumMod val="60000"/>
-                        <a:lumOff val="40000"/>
-                      </a:schemeClr>
-                    </a:gs>
-                  </a:gsLst>
-                  <a:lin ang="5400000"/>
-                </a:gradFill>
-                <a:effectLst>
-                  <a:reflection blurRad="6350" stA="53000" endA="300" endPos="35500" dir="5400000" sy="-90000" algn="bl" rotWithShape="0"/>
-                </a:effectLst>
-                <a:sym typeface="+mn-ea"/>
-              </a:rPr>
-              <a:t>PROBLEM CODE </a:t>
-            </a:r>
-            <a:r>
-              <a:rPr lang="en-IN" sz="2000" dirty="0">
-                <a:sym typeface="+mn-ea"/>
-              </a:rPr>
-              <a:t>: RA27   </a:t>
-            </a:r>
-            <a:endParaRPr lang="en-IN" sz="2000" dirty="0">
-              <a:sym typeface="+mn-ea"/>
-            </a:endParaRPr>
-          </a:p>
-          <a:p>
-            <a:pPr marL="0" indent="0" algn="l">
-              <a:spcAft>
-                <a:spcPts val="0"/>
-              </a:spcAft>
-              <a:buNone/>
-            </a:pPr>
-            <a:r>
-              <a:rPr lang="en-IN" sz="2000" b="1" i="1" u="sng" dirty="0">
-                <a:gradFill>
-                  <a:gsLst>
-                    <a:gs pos="0">
-                      <a:schemeClr val="accent5">
-                        <a:lumMod val="50000"/>
-                      </a:schemeClr>
-                    </a:gs>
-                    <a:gs pos="50000">
-                      <a:schemeClr val="accent5"/>
-                    </a:gs>
-                    <a:gs pos="100000">
-                      <a:schemeClr val="accent5">
-                        <a:lumMod val="60000"/>
-                        <a:lumOff val="40000"/>
-                      </a:schemeClr>
-                    </a:gs>
-                  </a:gsLst>
-                  <a:lin ang="5400000"/>
-                </a:gradFill>
-                <a:effectLst>
-                  <a:reflection blurRad="6350" stA="53000" endA="300" endPos="35500" dir="5400000" sy="-90000" algn="bl" rotWithShape="0"/>
-                </a:effectLst>
-                <a:sym typeface="+mn-ea"/>
-              </a:rPr>
-              <a:t>TEAM LEADER NAME </a:t>
-            </a:r>
-            <a:r>
-              <a:rPr lang="en-IN" sz="2000" b="1" dirty="0">
-                <a:sym typeface="+mn-ea"/>
-              </a:rPr>
-              <a:t>:</a:t>
-            </a:r>
-            <a:r>
-              <a:rPr lang="en-IN" sz="2000" dirty="0">
-                <a:sym typeface="+mn-ea"/>
-              </a:rPr>
-              <a:t> Abhishek Gupta 	</a:t>
-            </a:r>
-            <a:endParaRPr lang="en-IN" sz="2000" dirty="0">
-              <a:sym typeface="+mn-ea"/>
-            </a:endParaRPr>
-          </a:p>
-          <a:p>
-            <a:pPr marL="0" indent="0" algn="l">
-              <a:spcAft>
-                <a:spcPts val="0"/>
-              </a:spcAft>
-              <a:buNone/>
-            </a:pPr>
-            <a:r>
-              <a:rPr lang="en-IN" sz="2000" b="1" i="1" u="sng" dirty="0">
-                <a:gradFill>
-                  <a:gsLst>
-                    <a:gs pos="0">
-                      <a:schemeClr val="accent5">
-                        <a:lumMod val="50000"/>
-                      </a:schemeClr>
-                    </a:gs>
-                    <a:gs pos="50000">
-                      <a:schemeClr val="accent5"/>
-                    </a:gs>
-                    <a:gs pos="100000">
-                      <a:schemeClr val="accent5">
-                        <a:lumMod val="60000"/>
-                        <a:lumOff val="40000"/>
-                      </a:schemeClr>
-                    </a:gs>
-                  </a:gsLst>
-                  <a:lin ang="5400000"/>
-                </a:gradFill>
-                <a:effectLst>
-                  <a:reflection blurRad="6350" stA="53000" endA="300" endPos="35500" dir="5400000" sy="-90000" algn="bl" rotWithShape="0"/>
-                </a:effectLst>
-                <a:sym typeface="+mn-ea"/>
-              </a:rPr>
-              <a:t>COLLEGE CODE </a:t>
-            </a:r>
-            <a:r>
-              <a:rPr lang="en-IN" sz="2000" b="1" u="sng" dirty="0">
-                <a:sym typeface="+mn-ea"/>
-              </a:rPr>
-              <a:t>:</a:t>
-            </a:r>
-            <a:r>
-              <a:rPr lang="en-IN" sz="2000" b="1" dirty="0">
-                <a:sym typeface="+mn-ea"/>
-              </a:rPr>
-              <a:t> </a:t>
-            </a:r>
-            <a:r>
-              <a:rPr lang="en-IN" sz="2000" dirty="0">
-                <a:sym typeface="+mn-ea"/>
-              </a:rPr>
-              <a:t>#2274        </a:t>
+              <a:t> Abhishek Gupta 	     </a:t>
             </a:r>
             <a:endParaRPr lang="en-IN" sz="2000" dirty="0">
               <a:sym typeface="+mn-ea"/>
@@ -3873,14 +3697,14 @@
       </p:grpSpPr>
       <p:sp>
         <p:nvSpPr>
-          <p:cNvPr id="9" name="Rectangle 8"/>
-          <p:cNvSpPr/>
+          <p:cNvPr id="4" name="TextBox 3"/>
+          <p:cNvSpPr txBox="1"/>
           <p:nvPr/>
         </p:nvSpPr>
         <p:spPr>
           <a:xfrm>
-            <a:off x="5187391" y="0"/>
-            <a:ext cx="845103" cy="461665"/>
+            <a:off x="121285" y="-78740"/>
+            <a:ext cx="7371715" cy="6785610"/>
           </a:xfrm>
           <a:prstGeom prst="rect">
             <a:avLst/>
@@ -3888,440 +3712,679 @@
           <a:noFill/>
         </p:spPr>
         <p:txBody>
-          <a:bodyPr wrap="none" lIns="91440" tIns="45720" rIns="91440" bIns="45720">
+          <a:bodyPr wrap="square" rtlCol="0">
             <a:spAutoFit/>
-            <a:scene3d>
-              <a:camera prst="orthographicFront">
-                <a:rot lat="0" lon="0" rev="0"/>
-              </a:camera>
-              <a:lightRig rig="contrasting" dir="t">
-                <a:rot lat="0" lon="0" rev="4500000"/>
-              </a:lightRig>
-            </a:scene3d>
-            <a:sp3d contourW="6350" prstMaterial="metal">
-              <a:bevelT w="127000" h="31750" prst="relaxedInset"/>
-              <a:contourClr>
-                <a:schemeClr val="accent1">
-                  <a:shade val="75000"/>
-                </a:schemeClr>
-              </a:contourClr>
-            </a:sp3d>
           </a:bodyPr>
           <a:lstStyle/>
           <a:p>
             <a:pPr algn="ctr"/>
-            <a:r>
-              <a:rPr lang="en-US" sz="2400" b="1" cap="all" dirty="0" smtClean="0">
-                <a:ln w="0"/>
+            <a:endParaRPr lang="en-US" b="1" dirty="0" smtClean="0"/>
+          </a:p>
+          <a:p>
+            <a:pPr algn="l"/>
+            <a:r>
+              <a:rPr lang="en-IN" altLang="en-US" sz="2100" b="1" i="1" u="sng" dirty="0" smtClean="0">
+                <a:gradFill>
+                  <a:gsLst>
+                    <a:gs pos="0">
+                      <a:schemeClr val="accent5">
+                        <a:lumMod val="50000"/>
+                      </a:schemeClr>
+                    </a:gs>
+                    <a:gs pos="50000">
+                      <a:schemeClr val="accent5"/>
+                    </a:gs>
+                    <a:gs pos="100000">
+                      <a:schemeClr val="accent5">
+                        <a:lumMod val="60000"/>
+                        <a:lumOff val="40000"/>
+                      </a:schemeClr>
+                    </a:gs>
+                  </a:gsLst>
+                  <a:lin ang="5400000"/>
+                </a:gradFill>
                 <a:effectLst>
-                  <a:reflection blurRad="12700" stA="50000" endPos="50000" dist="5000" dir="5400000" sy="-100000" rotWithShape="0"/>
+                  <a:reflection blurRad="6350" stA="53000" endA="300" endPos="35500" dir="5400000" sy="-90000" algn="bl" rotWithShape="0"/>
                 </a:effectLst>
               </a:rPr>
-              <a:t>GATE</a:t>
-            </a:r>
-            <a:endParaRPr lang="en-US" sz="2400" b="1" cap="all" spc="0" dirty="0">
-              <a:ln w="0"/>
+              <a:t>Solution/Prototype</a:t>
+            </a:r>
+            <a:r>
+              <a:rPr lang="en-IN" altLang="en-US" sz="2100" b="1" i="1" dirty="0" smtClean="0">
+                <a:gradFill>
+                  <a:gsLst>
+                    <a:gs pos="0">
+                      <a:schemeClr val="accent5">
+                        <a:lumMod val="50000"/>
+                      </a:schemeClr>
+                    </a:gs>
+                    <a:gs pos="50000">
+                      <a:schemeClr val="accent5"/>
+                    </a:gs>
+                    <a:gs pos="100000">
+                      <a:schemeClr val="accent5">
+                        <a:lumMod val="60000"/>
+                        <a:lumOff val="40000"/>
+                      </a:schemeClr>
+                    </a:gs>
+                  </a:gsLst>
+                  <a:lin ang="5400000"/>
+                </a:gradFill>
+                <a:effectLst>
+                  <a:reflection blurRad="6350" stA="53000" endA="300" endPos="35500" dir="5400000" sy="-90000" algn="bl" rotWithShape="0"/>
+                </a:effectLst>
+              </a:rPr>
+              <a:t> :- </a:t>
+            </a:r>
+            <a:endParaRPr lang="en-IN" altLang="en-US" sz="2100" b="1" i="1" dirty="0" smtClean="0">
+              <a:gradFill>
+                <a:gsLst>
+                  <a:gs pos="0">
+                    <a:schemeClr val="accent5">
+                      <a:lumMod val="50000"/>
+                    </a:schemeClr>
+                  </a:gs>
+                  <a:gs pos="50000">
+                    <a:schemeClr val="accent5"/>
+                  </a:gs>
+                  <a:gs pos="100000">
+                    <a:schemeClr val="accent5">
+                      <a:lumMod val="60000"/>
+                      <a:lumOff val="40000"/>
+                    </a:schemeClr>
+                  </a:gs>
+                </a:gsLst>
+                <a:lin ang="5400000"/>
+              </a:gradFill>
               <a:effectLst>
-                <a:reflection blurRad="12700" stA="50000" endPos="50000" dist="5000" dir="5400000" sy="-100000" rotWithShape="0"/>
+                <a:reflection blurRad="6350" stA="53000" endA="300" endPos="35500" dir="5400000" sy="-90000" algn="bl" rotWithShape="0"/>
               </a:effectLst>
             </a:endParaRPr>
           </a:p>
-        </p:txBody>
-      </p:sp>
-      <p:sp>
-        <p:nvSpPr>
-          <p:cNvPr id="10" name="Oval 9"/>
-          <p:cNvSpPr/>
-          <p:nvPr/>
-        </p:nvSpPr>
-        <p:spPr>
-          <a:xfrm>
-            <a:off x="-2" y="0"/>
-            <a:ext cx="3080905" cy="1865093"/>
-          </a:xfrm>
-          <a:prstGeom prst="ellipse">
-            <a:avLst/>
-          </a:prstGeom>
-          <a:solidFill>
-            <a:srgbClr val="FFFF66"/>
-          </a:solidFill>
-          <a:scene3d>
-            <a:camera prst="orthographicFront"/>
-            <a:lightRig rig="threePt" dir="t"/>
-          </a:scene3d>
-          <a:sp3d>
-            <a:bevelT w="114300" prst="artDeco"/>
-          </a:sp3d>
-        </p:spPr>
-        <p:style>
-          <a:lnRef idx="2">
-            <a:schemeClr val="accent1">
-              <a:shade val="50000"/>
-            </a:schemeClr>
-          </a:lnRef>
-          <a:fillRef idx="1">
-            <a:schemeClr val="accent1"/>
-          </a:fillRef>
-          <a:effectRef idx="0">
-            <a:schemeClr val="accent1"/>
-          </a:effectRef>
-          <a:fontRef idx="minor">
-            <a:schemeClr val="lt1"/>
-          </a:fontRef>
-        </p:style>
-        <p:txBody>
-          <a:bodyPr rtlCol="0" anchor="ctr"/>
-          <a:lstStyle/>
+          <a:p>
+            <a:pPr algn="l"/>
+            <a:endParaRPr lang="en-US" b="1" dirty="0" smtClean="0"/>
+          </a:p>
           <a:p>
             <a:pPr algn="ctr"/>
             <a:r>
-              <a:rPr lang="en-US" dirty="0" smtClean="0">
+              <a:rPr lang="en-US" b="1" dirty="0" smtClean="0">
+                <a:ln/>
                 <a:solidFill>
                   <a:schemeClr val="tx1"/>
                 </a:solidFill>
-              </a:rPr>
-              <a:t>The automated system will detect the number plate of the vehicle at the entrance and exit(</a:t>
-            </a:r>
-            <a:r>
-              <a:rPr lang="en-US" dirty="0" err="1" smtClean="0">
+                <a:effectLst>
+                  <a:outerShdw blurRad="38100" dist="19050" dir="2700000" algn="tl" rotWithShape="0">
+                    <a:schemeClr val="dk1">
+                      <a:alpha val="40000"/>
+                    </a:schemeClr>
+                  </a:outerShdw>
+                </a:effectLst>
+              </a:rPr>
+              <a:t>D</a:t>
+            </a:r>
+            <a:r>
+              <a:rPr lang="en-IN" altLang="en-US" b="1" dirty="0" smtClean="0">
+                <a:ln/>
                 <a:solidFill>
                   <a:schemeClr val="tx1"/>
                 </a:solidFill>
-              </a:rPr>
-              <a:t>classifiation</a:t>
-            </a:r>
-            <a:r>
-              <a:rPr lang="en-US" dirty="0" smtClean="0">
+                <a:effectLst>
+                  <a:outerShdw blurRad="38100" dist="19050" dir="2700000" algn="tl" rotWithShape="0">
+                    <a:schemeClr val="dk1">
+                      <a:alpha val="40000"/>
+                    </a:schemeClr>
+                  </a:outerShdw>
+                </a:effectLst>
+              </a:rPr>
+              <a:t>ata</a:t>
+            </a:r>
+            <a:r>
+              <a:rPr lang="en-US" b="1" dirty="0" smtClean="0">
+                <a:ln/>
                 <a:solidFill>
                   <a:schemeClr val="tx1"/>
                 </a:solidFill>
+                <a:effectLst>
+                  <a:outerShdw blurRad="38100" dist="19050" dir="2700000" algn="tl" rotWithShape="0">
+                    <a:schemeClr val="dk1">
+                      <a:alpha val="40000"/>
+                    </a:schemeClr>
+                  </a:outerShdw>
+                </a:effectLst>
               </a:rPr>
               <a:t> </a:t>
             </a:r>
             <a:r>
-              <a:rPr lang="en-US" dirty="0" err="1" smtClean="0">
+              <a:rPr lang="en-IN" altLang="en-US" b="1" dirty="0" smtClean="0">
+                <a:ln/>
                 <a:solidFill>
                   <a:schemeClr val="tx1"/>
                 </a:solidFill>
-              </a:rPr>
-              <a:t>algo</a:t>
-            </a:r>
-            <a:r>
-              <a:rPr lang="en-US" dirty="0" smtClean="0">
+                <a:effectLst>
+                  <a:outerShdw blurRad="38100" dist="19050" dir="2700000" algn="tl" rotWithShape="0">
+                    <a:schemeClr val="dk1">
+                      <a:alpha val="40000"/>
+                    </a:schemeClr>
+                  </a:outerShdw>
+                </a:effectLst>
+              </a:rPr>
+              <a:t>Collections</a:t>
+            </a:r>
+            <a:endParaRPr lang="en-IN" altLang="en-US" b="1" dirty="0" smtClean="0">
+              <a:ln/>
+              <a:solidFill>
+                <a:schemeClr val="tx1"/>
+              </a:solidFill>
+              <a:effectLst>
+                <a:outerShdw blurRad="38100" dist="19050" dir="2700000" algn="tl" rotWithShape="0">
+                  <a:schemeClr val="dk1">
+                    <a:alpha val="40000"/>
+                  </a:schemeClr>
+                </a:outerShdw>
+              </a:effectLst>
+            </a:endParaRPr>
+          </a:p>
+          <a:p>
+            <a:pPr algn="ctr"/>
+            <a:endParaRPr lang="en-US" b="1" dirty="0" smtClean="0"/>
+          </a:p>
+          <a:p>
+            <a:pPr marL="285750" indent="-285750">
+              <a:buFont typeface="Wingdings" panose="05000000000000000000" pitchFamily="2" charset="2"/>
+              <a:buChar char="q"/>
+            </a:pPr>
+            <a:r>
+              <a:rPr lang="en-US" dirty="0" smtClean="0"/>
+              <a:t>At </a:t>
+            </a:r>
+            <a:r>
+              <a:rPr lang="en-US" dirty="0"/>
+              <a:t>the gate, the number plate </a:t>
+            </a:r>
+            <a:r>
+              <a:rPr lang="en-IN" altLang="en-US" dirty="0"/>
+              <a:t>, vehicle type (Car , Bike , Truck ) </a:t>
+            </a:r>
+            <a:r>
+              <a:rPr lang="en-US" dirty="0"/>
+              <a:t>and the entry-exit time is saved to the </a:t>
+            </a:r>
+            <a:r>
+              <a:rPr lang="en-IN" altLang="en-US" dirty="0"/>
+              <a:t>cloud using </a:t>
+            </a:r>
+            <a:r>
+              <a:rPr lang="en-IN" altLang="en-US" b="1" dirty="0">
+                <a:sym typeface="+mn-ea"/>
+              </a:rPr>
+              <a:t>KNN algorithm</a:t>
+            </a:r>
+            <a:r>
+              <a:rPr lang="en-IN" altLang="en-US" dirty="0">
+                <a:sym typeface="+mn-ea"/>
+              </a:rPr>
+              <a:t> and </a:t>
+            </a:r>
+            <a:r>
+              <a:rPr lang="en-IN" altLang="en-US" b="1" dirty="0"/>
+              <a:t>Conventional Neural Networks</a:t>
+            </a:r>
+            <a:r>
+              <a:rPr lang="en-IN" altLang="en-US" dirty="0"/>
+              <a:t> </a:t>
+            </a:r>
+            <a:endParaRPr lang="en-US" dirty="0" smtClean="0"/>
+          </a:p>
+          <a:p>
+            <a:pPr marL="285750" indent="-285750">
+              <a:buFont typeface="Wingdings" panose="05000000000000000000" pitchFamily="2" charset="2"/>
+              <a:buChar char="q"/>
+            </a:pPr>
+            <a:r>
+              <a:rPr lang="en-US" dirty="0" smtClean="0"/>
+              <a:t>At </a:t>
+            </a:r>
+            <a:r>
+              <a:rPr lang="en-US" dirty="0"/>
+              <a:t>the parking area</a:t>
+            </a:r>
+            <a:r>
+              <a:rPr lang="en-US" dirty="0" smtClean="0"/>
+              <a:t>, </a:t>
+            </a:r>
+            <a:r>
+              <a:rPr lang="en-US" dirty="0"/>
+              <a:t>which </a:t>
+            </a:r>
+            <a:r>
+              <a:rPr lang="en-IN" altLang="en-US" dirty="0"/>
+              <a:t>vehicle </a:t>
+            </a:r>
+            <a:r>
+              <a:rPr lang="en-US" dirty="0"/>
+              <a:t>(number plate)  is parked in which slot is also saved to the </a:t>
+            </a:r>
+            <a:r>
+              <a:rPr lang="en-IN" altLang="en-US" dirty="0"/>
+              <a:t>cloud</a:t>
+            </a:r>
+            <a:r>
+              <a:rPr lang="en-US" dirty="0"/>
+              <a:t>.</a:t>
+            </a:r>
+            <a:endParaRPr lang="en-US" dirty="0"/>
+          </a:p>
+          <a:p>
+            <a:pPr algn="ctr"/>
+            <a:r>
+              <a:rPr lang="en-US" b="1" dirty="0" smtClean="0">
+                <a:ln/>
                 <a:solidFill>
                   <a:schemeClr val="tx1"/>
                 </a:solidFill>
-              </a:rPr>
-              <a:t>)</a:t>
-            </a:r>
-            <a:endParaRPr lang="en-US" dirty="0">
-              <a:solidFill>
-                <a:schemeClr val="tx1"/>
-              </a:solidFill>
-            </a:endParaRPr>
-          </a:p>
-        </p:txBody>
-      </p:sp>
-      <p:sp>
-        <p:nvSpPr>
-          <p:cNvPr id="11" name="Oval 10"/>
-          <p:cNvSpPr/>
-          <p:nvPr/>
-        </p:nvSpPr>
-        <p:spPr>
-          <a:xfrm>
-            <a:off x="3325091" y="461665"/>
-            <a:ext cx="4300107" cy="1393604"/>
-          </a:xfrm>
-          <a:prstGeom prst="ellipse">
-            <a:avLst/>
-          </a:prstGeom>
-          <a:solidFill>
-            <a:srgbClr val="FFFF66"/>
-          </a:solidFill>
-          <a:scene3d>
-            <a:camera prst="orthographicFront"/>
-            <a:lightRig rig="threePt" dir="t"/>
-          </a:scene3d>
-          <a:sp3d>
-            <a:bevelT w="114300" prst="artDeco"/>
-          </a:sp3d>
-        </p:spPr>
-        <p:style>
-          <a:lnRef idx="2">
-            <a:schemeClr val="accent1">
-              <a:shade val="50000"/>
-            </a:schemeClr>
-          </a:lnRef>
-          <a:fillRef idx="1">
-            <a:schemeClr val="accent1"/>
-          </a:fillRef>
-          <a:effectRef idx="0">
-            <a:schemeClr val="accent1"/>
-          </a:effectRef>
-          <a:fontRef idx="minor">
-            <a:schemeClr val="lt1"/>
-          </a:fontRef>
-        </p:style>
-        <p:txBody>
-          <a:bodyPr rtlCol="0" anchor="ctr"/>
-          <a:lstStyle/>
-          <a:p>
-            <a:pPr algn="ctr"/>
-            <a:r>
-              <a:rPr lang="en-US" dirty="0">
+                <a:effectLst>
+                  <a:outerShdw blurRad="38100" dist="19050" dir="2700000" algn="tl" rotWithShape="0">
+                    <a:schemeClr val="dk1">
+                      <a:alpha val="40000"/>
+                    </a:schemeClr>
+                  </a:outerShdw>
+                </a:effectLst>
+                <a:sym typeface="+mn-ea"/>
+              </a:rPr>
+              <a:t>D</a:t>
+            </a:r>
+            <a:r>
+              <a:rPr lang="en-IN" altLang="en-US" b="1" dirty="0" smtClean="0">
+                <a:ln/>
                 <a:solidFill>
                   <a:schemeClr val="tx1"/>
                 </a:solidFill>
-              </a:rPr>
-              <a:t>The vehicle type (car, truck</a:t>
-            </a:r>
-            <a:r>
-              <a:rPr lang="en-US" dirty="0" smtClean="0">
+                <a:effectLst>
+                  <a:outerShdw blurRad="38100" dist="19050" dir="2700000" algn="tl" rotWithShape="0">
+                    <a:schemeClr val="dk1">
+                      <a:alpha val="40000"/>
+                    </a:schemeClr>
+                  </a:outerShdw>
+                </a:effectLst>
+                <a:sym typeface="+mn-ea"/>
+              </a:rPr>
+              <a:t>ata</a:t>
+            </a:r>
+            <a:r>
+              <a:rPr lang="en-US" b="1" dirty="0" smtClean="0">
+                <a:ln/>
                 <a:solidFill>
                   <a:schemeClr val="tx1"/>
                 </a:solidFill>
-              </a:rPr>
-              <a:t>, two </a:t>
-            </a:r>
-            <a:r>
-              <a:rPr lang="en-US" dirty="0">
+                <a:effectLst>
+                  <a:outerShdw blurRad="38100" dist="19050" dir="2700000" algn="tl" rotWithShape="0">
+                    <a:schemeClr val="dk1">
+                      <a:alpha val="40000"/>
+                    </a:schemeClr>
+                  </a:outerShdw>
+                </a:effectLst>
+                <a:sym typeface="+mn-ea"/>
+              </a:rPr>
+              <a:t> L</a:t>
+            </a:r>
+            <a:r>
+              <a:rPr lang="en-IN" altLang="en-US" b="1" dirty="0" smtClean="0">
+                <a:ln/>
                 <a:solidFill>
                   <a:schemeClr val="tx1"/>
                 </a:solidFill>
-              </a:rPr>
-              <a:t>wheeler) will </a:t>
-            </a:r>
-            <a:r>
-              <a:rPr lang="en-US" dirty="0" smtClean="0">
+                <a:effectLst>
+                  <a:outerShdw blurRad="38100" dist="19050" dir="2700000" algn="tl" rotWithShape="0">
+                    <a:schemeClr val="dk1">
+                      <a:alpha val="40000"/>
+                    </a:schemeClr>
+                  </a:outerShdw>
+                </a:effectLst>
+                <a:sym typeface="+mn-ea"/>
+              </a:rPr>
+              <a:t>ocal</a:t>
+            </a:r>
+            <a:r>
+              <a:rPr lang="en-US" b="1" dirty="0" smtClean="0">
+                <a:ln/>
                 <a:solidFill>
                   <a:schemeClr val="tx1"/>
                 </a:solidFill>
-              </a:rPr>
-              <a:t>be noted because every type will have a different parking area.</a:t>
-            </a:r>
-            <a:endParaRPr lang="en-US" dirty="0">
-              <a:solidFill>
-                <a:schemeClr val="tx1"/>
-              </a:solidFill>
-            </a:endParaRPr>
-          </a:p>
-        </p:txBody>
-      </p:sp>
-      <p:sp>
-        <p:nvSpPr>
-          <p:cNvPr id="14" name="Oval 13"/>
-          <p:cNvSpPr/>
-          <p:nvPr/>
-        </p:nvSpPr>
-        <p:spPr>
-          <a:xfrm>
-            <a:off x="7869384" y="300680"/>
-            <a:ext cx="4322616" cy="1749793"/>
-          </a:xfrm>
-          <a:prstGeom prst="ellipse">
-            <a:avLst/>
-          </a:prstGeom>
-          <a:solidFill>
-            <a:srgbClr val="FFFF66"/>
-          </a:solidFill>
-          <a:scene3d>
-            <a:camera prst="orthographicFront"/>
-            <a:lightRig rig="threePt" dir="t"/>
-          </a:scene3d>
-          <a:sp3d>
-            <a:bevelT w="114300" prst="artDeco"/>
-          </a:sp3d>
-        </p:spPr>
-        <p:style>
-          <a:lnRef idx="2">
-            <a:schemeClr val="accent1">
-              <a:shade val="50000"/>
-            </a:schemeClr>
-          </a:lnRef>
-          <a:fillRef idx="1">
-            <a:schemeClr val="accent1"/>
-          </a:fillRef>
-          <a:effectRef idx="0">
-            <a:schemeClr val="accent1"/>
-          </a:effectRef>
-          <a:fontRef idx="minor">
-            <a:schemeClr val="lt1"/>
-          </a:fontRef>
-        </p:style>
-        <p:txBody>
-          <a:bodyPr rtlCol="0" anchor="ctr"/>
-          <a:lstStyle/>
-          <a:p>
-            <a:pPr algn="ctr"/>
-            <a:r>
-              <a:rPr lang="en-US" dirty="0" smtClean="0">
+                <a:effectLst>
+                  <a:outerShdw blurRad="38100" dist="19050" dir="2700000" algn="tl" rotWithShape="0">
+                    <a:schemeClr val="dk1">
+                      <a:alpha val="40000"/>
+                    </a:schemeClr>
+                  </a:outerShdw>
+                </a:effectLst>
+                <a:sym typeface="+mn-ea"/>
+              </a:rPr>
+              <a:t> S</a:t>
+            </a:r>
+            <a:r>
+              <a:rPr lang="en-IN" altLang="en-US" b="1" dirty="0" smtClean="0">
+                <a:ln/>
                 <a:solidFill>
                   <a:schemeClr val="tx1"/>
                 </a:solidFill>
-              </a:rPr>
-              <a:t>The vacant parking spots in each floor will be made visible on site and on the app after which he can move toward his desired floor.(</a:t>
-            </a:r>
-            <a:endParaRPr lang="en-US" dirty="0">
-              <a:solidFill>
-                <a:schemeClr val="tx1"/>
-              </a:solidFill>
+                <a:effectLst>
+                  <a:outerShdw blurRad="38100" dist="19050" dir="2700000" algn="tl" rotWithShape="0">
+                    <a:schemeClr val="dk1">
+                      <a:alpha val="40000"/>
+                    </a:schemeClr>
+                  </a:outerShdw>
+                </a:effectLst>
+                <a:sym typeface="+mn-ea"/>
+              </a:rPr>
+              <a:t>torage</a:t>
+            </a:r>
+            <a:endParaRPr lang="en-US" b="1" dirty="0" smtClean="0"/>
+          </a:p>
+          <a:p>
+            <a:pPr marL="285750" indent="-285750">
+              <a:buFont typeface="Wingdings" panose="05000000000000000000" pitchFamily="2" charset="2"/>
+              <a:buChar char="q"/>
+            </a:pPr>
+            <a:r>
+              <a:rPr lang="en-US" dirty="0" smtClean="0">
+                <a:sym typeface="+mn-ea"/>
+              </a:rPr>
+              <a:t>The images taken by the camera will be locally stored in the raspberry pi. </a:t>
+            </a:r>
+            <a:endParaRPr lang="en-US" dirty="0" smtClean="0"/>
+          </a:p>
+          <a:p>
+            <a:pPr marL="285750" indent="-285750">
+              <a:buFont typeface="Wingdings" panose="05000000000000000000" pitchFamily="2" charset="2"/>
+              <a:buChar char="q"/>
+            </a:pPr>
+            <a:r>
+              <a:rPr lang="en-US" dirty="0" smtClean="0">
+                <a:sym typeface="+mn-ea"/>
+              </a:rPr>
+              <a:t>Once the data is processed, the raspberry will automatically free the data.</a:t>
+            </a:r>
+            <a:endParaRPr lang="en-US" dirty="0" smtClean="0">
+              <a:sym typeface="+mn-ea"/>
             </a:endParaRPr>
           </a:p>
-        </p:txBody>
-      </p:sp>
-      <p:sp>
-        <p:nvSpPr>
-          <p:cNvPr id="15" name="Oval 14"/>
-          <p:cNvSpPr/>
-          <p:nvPr/>
-        </p:nvSpPr>
-        <p:spPr>
-          <a:xfrm>
-            <a:off x="3693391" y="2212108"/>
-            <a:ext cx="3416300" cy="1112982"/>
-          </a:xfrm>
-          <a:prstGeom prst="ellipse">
-            <a:avLst/>
-          </a:prstGeom>
-          <a:solidFill>
-            <a:srgbClr val="FFFF66"/>
-          </a:solidFill>
-          <a:scene3d>
-            <a:camera prst="orthographicFront"/>
-            <a:lightRig rig="threePt" dir="t"/>
-          </a:scene3d>
-          <a:sp3d>
-            <a:bevelT w="114300" prst="artDeco"/>
-          </a:sp3d>
-        </p:spPr>
-        <p:style>
-          <a:lnRef idx="2">
-            <a:schemeClr val="accent1">
-              <a:shade val="50000"/>
-            </a:schemeClr>
-          </a:lnRef>
-          <a:fillRef idx="1">
-            <a:schemeClr val="accent1"/>
-          </a:fillRef>
-          <a:effectRef idx="0">
-            <a:schemeClr val="accent1"/>
-          </a:effectRef>
-          <a:fontRef idx="minor">
-            <a:schemeClr val="lt1"/>
-          </a:fontRef>
-        </p:style>
-        <p:txBody>
-          <a:bodyPr rtlCol="0" anchor="ctr"/>
-          <a:lstStyle/>
+          <a:p>
+            <a:pPr marL="285750" indent="-285750">
+              <a:buFont typeface="Wingdings" panose="05000000000000000000" pitchFamily="2" charset="2"/>
+              <a:buChar char="q"/>
+            </a:pPr>
+            <a:endParaRPr lang="en-US" dirty="0" smtClean="0">
+              <a:sym typeface="+mn-ea"/>
+            </a:endParaRPr>
+          </a:p>
           <a:p>
             <a:pPr algn="ctr"/>
             <a:r>
-              <a:rPr lang="en-US" dirty="0" smtClean="0">
+              <a:rPr lang="en-IN" altLang="en-US" b="1" dirty="0" smtClean="0">
+                <a:ln/>
                 <a:solidFill>
                   <a:schemeClr val="tx1"/>
                 </a:solidFill>
-              </a:rPr>
-              <a:t>The registered users can get direct entry using their registered RFID.</a:t>
-            </a:r>
-            <a:endParaRPr lang="en-US" dirty="0">
-              <a:solidFill>
-                <a:schemeClr val="tx1"/>
-              </a:solidFill>
+                <a:effectLst>
+                  <a:outerShdw blurRad="38100" dist="19050" dir="2700000" algn="tl" rotWithShape="0">
+                    <a:schemeClr val="dk1">
+                      <a:alpha val="40000"/>
+                    </a:schemeClr>
+                  </a:outerShdw>
+                </a:effectLst>
+                <a:sym typeface="+mn-ea"/>
+              </a:rPr>
+              <a:t>Data </a:t>
+            </a:r>
+            <a:r>
+              <a:rPr lang="en-US" b="1" dirty="0" smtClean="0">
+                <a:ln/>
+                <a:solidFill>
+                  <a:schemeClr val="tx1"/>
+                </a:solidFill>
+                <a:effectLst>
+                  <a:outerShdw blurRad="38100" dist="19050" dir="2700000" algn="tl" rotWithShape="0">
+                    <a:schemeClr val="dk1">
+                      <a:alpha val="40000"/>
+                    </a:schemeClr>
+                  </a:outerShdw>
+                </a:effectLst>
+                <a:sym typeface="+mn-ea"/>
+              </a:rPr>
+              <a:t>P</a:t>
+            </a:r>
+            <a:r>
+              <a:rPr lang="en-IN" altLang="en-US" b="1" dirty="0" smtClean="0">
+                <a:ln/>
+                <a:solidFill>
+                  <a:schemeClr val="tx1"/>
+                </a:solidFill>
+                <a:effectLst>
+                  <a:outerShdw blurRad="38100" dist="19050" dir="2700000" algn="tl" rotWithShape="0">
+                    <a:schemeClr val="dk1">
+                      <a:alpha val="40000"/>
+                    </a:schemeClr>
+                  </a:outerShdw>
+                </a:effectLst>
+                <a:sym typeface="+mn-ea"/>
+              </a:rPr>
+              <a:t>rocessing</a:t>
+            </a:r>
+            <a:endParaRPr lang="en-US" b="1" dirty="0" smtClean="0"/>
+          </a:p>
+          <a:p>
+            <a:pPr marL="285750" indent="-285750">
+              <a:buFont typeface="Wingdings" panose="05000000000000000000" pitchFamily="2" charset="2"/>
+              <a:buChar char="q"/>
+            </a:pPr>
+            <a:r>
+              <a:rPr lang="en-US" dirty="0" smtClean="0">
+                <a:sym typeface="+mn-ea"/>
+              </a:rPr>
+              <a:t>The number plate detection, motion detection, entry-exit time detection will take place. </a:t>
+            </a:r>
+            <a:endParaRPr lang="en-US" dirty="0" smtClean="0"/>
+          </a:p>
+          <a:p>
+            <a:pPr marL="285750" indent="-285750">
+              <a:buFont typeface="Wingdings" panose="05000000000000000000" pitchFamily="2" charset="2"/>
+              <a:buChar char="q"/>
+            </a:pPr>
+            <a:r>
+              <a:rPr lang="en-US" dirty="0" smtClean="0">
+                <a:sym typeface="+mn-ea"/>
+              </a:rPr>
+              <a:t>The output of the processed data will be stored in the cloud. </a:t>
+            </a:r>
+            <a:endParaRPr lang="en-US" dirty="0" smtClean="0">
+              <a:sym typeface="+mn-ea"/>
             </a:endParaRPr>
           </a:p>
-        </p:txBody>
-      </p:sp>
-      <p:sp>
-        <p:nvSpPr>
-          <p:cNvPr id="18" name="Right Arrow 17"/>
-          <p:cNvSpPr/>
-          <p:nvPr/>
-        </p:nvSpPr>
+          <a:p>
+            <a:pPr indent="0" algn="ctr">
+              <a:buFont typeface="Wingdings" panose="05000000000000000000" pitchFamily="2" charset="2"/>
+              <a:buNone/>
+            </a:pPr>
+            <a:endParaRPr lang="en-IN" altLang="en-US" dirty="0" smtClean="0">
+              <a:sym typeface="+mn-ea"/>
+            </a:endParaRPr>
+          </a:p>
+          <a:p>
+            <a:pPr algn="ctr"/>
+            <a:r>
+              <a:rPr lang="en-IN" altLang="en-US" b="1" dirty="0" smtClean="0">
+                <a:ln/>
+                <a:solidFill>
+                  <a:schemeClr val="tx1"/>
+                </a:solidFill>
+                <a:effectLst>
+                  <a:outerShdw blurRad="38100" dist="19050" dir="2700000" algn="tl" rotWithShape="0">
+                    <a:schemeClr val="dk1">
+                      <a:alpha val="40000"/>
+                    </a:schemeClr>
+                  </a:outerShdw>
+                </a:effectLst>
+                <a:sym typeface="+mn-ea"/>
+              </a:rPr>
+              <a:t>Data </a:t>
+            </a:r>
+            <a:r>
+              <a:rPr lang="en-US" b="1" dirty="0" smtClean="0">
+                <a:ln/>
+                <a:solidFill>
+                  <a:schemeClr val="tx1"/>
+                </a:solidFill>
+                <a:effectLst>
+                  <a:outerShdw blurRad="38100" dist="19050" dir="2700000" algn="tl" rotWithShape="0">
+                    <a:schemeClr val="dk1">
+                      <a:alpha val="40000"/>
+                    </a:schemeClr>
+                  </a:outerShdw>
+                </a:effectLst>
+                <a:sym typeface="+mn-ea"/>
+              </a:rPr>
+              <a:t>C</a:t>
+            </a:r>
+            <a:r>
+              <a:rPr lang="en-IN" altLang="en-US" b="1" dirty="0" smtClean="0">
+                <a:ln/>
+                <a:solidFill>
+                  <a:schemeClr val="tx1"/>
+                </a:solidFill>
+                <a:effectLst>
+                  <a:outerShdw blurRad="38100" dist="19050" dir="2700000" algn="tl" rotWithShape="0">
+                    <a:schemeClr val="dk1">
+                      <a:alpha val="40000"/>
+                    </a:schemeClr>
+                  </a:outerShdw>
+                </a:effectLst>
+                <a:sym typeface="+mn-ea"/>
+              </a:rPr>
+              <a:t>loud</a:t>
+            </a:r>
+            <a:r>
+              <a:rPr lang="en-US" b="1" dirty="0" smtClean="0">
+                <a:ln/>
+                <a:solidFill>
+                  <a:schemeClr val="tx1"/>
+                </a:solidFill>
+                <a:effectLst>
+                  <a:outerShdw blurRad="38100" dist="19050" dir="2700000" algn="tl" rotWithShape="0">
+                    <a:schemeClr val="dk1">
+                      <a:alpha val="40000"/>
+                    </a:schemeClr>
+                  </a:outerShdw>
+                </a:effectLst>
+                <a:sym typeface="+mn-ea"/>
+              </a:rPr>
+              <a:t> S</a:t>
+            </a:r>
+            <a:r>
+              <a:rPr lang="en-IN" altLang="en-US" b="1" dirty="0" smtClean="0">
+                <a:ln/>
+                <a:solidFill>
+                  <a:schemeClr val="tx1"/>
+                </a:solidFill>
+                <a:effectLst>
+                  <a:outerShdw blurRad="38100" dist="19050" dir="2700000" algn="tl" rotWithShape="0">
+                    <a:schemeClr val="dk1">
+                      <a:alpha val="40000"/>
+                    </a:schemeClr>
+                  </a:outerShdw>
+                </a:effectLst>
+                <a:sym typeface="+mn-ea"/>
+              </a:rPr>
+              <a:t>torage</a:t>
+            </a:r>
+            <a:endParaRPr lang="en-US" b="1" dirty="0" smtClean="0"/>
+          </a:p>
+          <a:p>
+            <a:pPr marL="285750" indent="-285750">
+              <a:buFont typeface="Wingdings" panose="05000000000000000000" pitchFamily="2" charset="2"/>
+              <a:buChar char="q"/>
+            </a:pPr>
+            <a:r>
+              <a:rPr lang="en-US" dirty="0" smtClean="0">
+                <a:sym typeface="+mn-ea"/>
+              </a:rPr>
+              <a:t>The filtered output will be stored in the cloud. The data required for the android app and the website that has to be shown to the user, will be retrieved from the cloud</a:t>
+            </a:r>
+            <a:endParaRPr lang="en-US" dirty="0" smtClean="0">
+              <a:sym typeface="+mn-ea"/>
+            </a:endParaRPr>
+          </a:p>
+          <a:p>
+            <a:pPr indent="0">
+              <a:buFont typeface="Wingdings" panose="05000000000000000000" pitchFamily="2" charset="2"/>
+              <a:buNone/>
+            </a:pPr>
+            <a:endParaRPr lang="en-US" dirty="0"/>
+          </a:p>
+        </p:txBody>
+      </p:sp>
+      <p:pic>
+        <p:nvPicPr>
+          <p:cNvPr id="10" name="Content Placeholder 9" descr="FlowChart"/>
+          <p:cNvPicPr>
+            <a:picLocks noChangeAspect="1"/>
+          </p:cNvPicPr>
+          <p:nvPr>
+            <p:ph sz="half" idx="1"/>
+          </p:nvPr>
+        </p:nvPicPr>
+        <p:blipFill>
+          <a:blip r:embed="rId1"/>
+          <a:stretch>
+            <a:fillRect/>
+          </a:stretch>
+        </p:blipFill>
         <p:spPr>
           <a:xfrm>
-            <a:off x="7641653" y="1043618"/>
-            <a:ext cx="244186" cy="177659"/>
+            <a:off x="7704455" y="601345"/>
+            <a:ext cx="2159635" cy="5936615"/>
           </a:xfrm>
-          <a:prstGeom prst="rightArrow">
+          <a:prstGeom prst="rect">
             <a:avLst/>
           </a:prstGeom>
         </p:spPr>
-        <p:style>
-          <a:lnRef idx="2">
-            <a:schemeClr val="accent1">
-              <a:shade val="50000"/>
-            </a:schemeClr>
-          </a:lnRef>
-          <a:fillRef idx="1">
-            <a:schemeClr val="accent1"/>
-          </a:fillRef>
-          <a:effectRef idx="0">
-            <a:schemeClr val="accent1"/>
-          </a:effectRef>
-          <a:fontRef idx="minor">
-            <a:schemeClr val="lt1"/>
-          </a:fontRef>
-        </p:style>
-        <p:txBody>
-          <a:bodyPr rtlCol="0" anchor="ctr"/>
-          <a:lstStyle/>
-          <a:p>
-            <a:pPr algn="ctr"/>
-            <a:endParaRPr lang="en-US"/>
-          </a:p>
-        </p:txBody>
-      </p:sp>
-      <p:sp>
-        <p:nvSpPr>
-          <p:cNvPr id="19" name="Right Arrow 18"/>
-          <p:cNvSpPr/>
-          <p:nvPr/>
-        </p:nvSpPr>
+      </p:pic>
+      <p:pic>
+        <p:nvPicPr>
+          <p:cNvPr id="2" name="Content Placeholder 1" descr="SystemFlow"/>
+          <p:cNvPicPr>
+            <a:picLocks noChangeAspect="1"/>
+          </p:cNvPicPr>
+          <p:nvPr>
+            <p:ph sz="half" idx="2"/>
+          </p:nvPr>
+        </p:nvPicPr>
+        <p:blipFill>
+          <a:blip r:embed="rId2"/>
+          <a:stretch>
+            <a:fillRect/>
+          </a:stretch>
+        </p:blipFill>
         <p:spPr>
           <a:xfrm>
-            <a:off x="3080905" y="994057"/>
-            <a:ext cx="244186" cy="177659"/>
+            <a:off x="9964420" y="713740"/>
+            <a:ext cx="1739900" cy="5728970"/>
           </a:xfrm>
-          <a:prstGeom prst="rightArrow">
+          <a:prstGeom prst="rect">
             <a:avLst/>
           </a:prstGeom>
         </p:spPr>
-        <p:style>
-          <a:lnRef idx="2">
-            <a:schemeClr val="accent1">
-              <a:shade val="50000"/>
-            </a:schemeClr>
-          </a:lnRef>
-          <a:fillRef idx="1">
-            <a:schemeClr val="accent1"/>
-          </a:fillRef>
-          <a:effectRef idx="0">
-            <a:schemeClr val="accent1"/>
-          </a:effectRef>
-          <a:fontRef idx="minor">
-            <a:schemeClr val="lt1"/>
-          </a:fontRef>
-        </p:style>
-        <p:txBody>
-          <a:bodyPr rtlCol="0" anchor="ctr"/>
-          <a:lstStyle/>
-          <a:p>
-            <a:pPr algn="ctr"/>
-            <a:endParaRPr lang="en-US"/>
-          </a:p>
-        </p:txBody>
-      </p:sp>
-      <p:sp>
-        <p:nvSpPr>
-          <p:cNvPr id="25" name="Rectangle 24"/>
-          <p:cNvSpPr/>
+      </p:pic>
+      <p:sp>
+        <p:nvSpPr>
+          <p:cNvPr id="5" name="Text Box 4"/>
+          <p:cNvSpPr txBox="1"/>
           <p:nvPr/>
         </p:nvSpPr>
         <p:spPr>
           <a:xfrm>
-            <a:off x="4808166" y="3583399"/>
-            <a:ext cx="1333955" cy="461665"/>
+            <a:off x="7818120" y="300355"/>
+            <a:ext cx="1904365" cy="383540"/>
           </a:xfrm>
           <a:prstGeom prst="rect">
             <a:avLst/>
@@ -4329,263 +4392,1420 @@
           <a:noFill/>
         </p:spPr>
         <p:txBody>
-          <a:bodyPr wrap="none" lIns="91440" tIns="45720" rIns="91440" bIns="45720">
+          <a:bodyPr wrap="square" rtlCol="0">
             <a:spAutoFit/>
-            <a:scene3d>
-              <a:camera prst="orthographicFront">
-                <a:rot lat="0" lon="0" rev="0"/>
-              </a:camera>
-              <a:lightRig rig="contrasting" dir="t">
-                <a:rot lat="0" lon="0" rev="4500000"/>
-              </a:lightRig>
-            </a:scene3d>
-            <a:sp3d contourW="6350" prstMaterial="metal">
-              <a:bevelT w="127000" h="31750" prst="relaxedInset"/>
-              <a:contourClr>
-                <a:schemeClr val="accent1">
-                  <a:shade val="75000"/>
-                </a:schemeClr>
-              </a:contourClr>
-            </a:sp3d>
+          </a:bodyPr>
+          <a:p>
+            <a:pPr algn="ctr"/>
+            <a:r>
+              <a:rPr lang="en-IN" altLang="en-US" sz="1900" b="1" i="1" u="sng">
+                <a:ln/>
+                <a:gradFill>
+                  <a:gsLst>
+                    <a:gs pos="0">
+                      <a:schemeClr val="accent5">
+                        <a:lumMod val="50000"/>
+                      </a:schemeClr>
+                    </a:gs>
+                    <a:gs pos="50000">
+                      <a:schemeClr val="accent5"/>
+                    </a:gs>
+                    <a:gs pos="100000">
+                      <a:schemeClr val="accent5">
+                        <a:lumMod val="60000"/>
+                        <a:lumOff val="40000"/>
+                      </a:schemeClr>
+                    </a:gs>
+                  </a:gsLst>
+                  <a:lin ang="5400000"/>
+                </a:gradFill>
+                <a:effectLst>
+                  <a:reflection blurRad="6350" stA="53000" endA="300" endPos="35500" dir="5400000" sy="-90000" algn="bl" rotWithShape="0"/>
+                </a:effectLst>
+              </a:rPr>
+              <a:t>Prototye Flow</a:t>
+            </a:r>
+            <a:endParaRPr lang="en-IN" altLang="en-US" sz="1900" b="1" i="1" u="sng">
+              <a:ln/>
+              <a:gradFill>
+                <a:gsLst>
+                  <a:gs pos="0">
+                    <a:schemeClr val="accent5">
+                      <a:lumMod val="50000"/>
+                    </a:schemeClr>
+                  </a:gs>
+                  <a:gs pos="50000">
+                    <a:schemeClr val="accent5"/>
+                  </a:gs>
+                  <a:gs pos="100000">
+                    <a:schemeClr val="accent5">
+                      <a:lumMod val="60000"/>
+                      <a:lumOff val="40000"/>
+                    </a:schemeClr>
+                  </a:gs>
+                </a:gsLst>
+                <a:lin ang="5400000"/>
+              </a:gradFill>
+              <a:effectLst>
+                <a:reflection blurRad="6350" stA="53000" endA="300" endPos="35500" dir="5400000" sy="-90000" algn="bl" rotWithShape="0"/>
+              </a:effectLst>
+            </a:endParaRPr>
+          </a:p>
+        </p:txBody>
+      </p:sp>
+      <p:sp>
+        <p:nvSpPr>
+          <p:cNvPr id="6" name="Text Box 5"/>
+          <p:cNvSpPr txBox="1"/>
+          <p:nvPr/>
+        </p:nvSpPr>
+        <p:spPr>
+          <a:xfrm>
+            <a:off x="9964420" y="300355"/>
+            <a:ext cx="1904365" cy="383540"/>
+          </a:xfrm>
+          <a:prstGeom prst="rect">
+            <a:avLst/>
+          </a:prstGeom>
+          <a:noFill/>
+        </p:spPr>
+        <p:txBody>
+          <a:bodyPr wrap="square" rtlCol="0">
+            <a:spAutoFit/>
+          </a:bodyPr>
+          <a:p>
+            <a:pPr algn="ctr"/>
+            <a:r>
+              <a:rPr lang="en-IN" altLang="en-US" sz="1900" b="1" i="1" u="sng">
+                <a:gradFill>
+                  <a:gsLst>
+                    <a:gs pos="0">
+                      <a:schemeClr val="accent5">
+                        <a:lumMod val="50000"/>
+                      </a:schemeClr>
+                    </a:gs>
+                    <a:gs pos="50000">
+                      <a:schemeClr val="accent5"/>
+                    </a:gs>
+                    <a:gs pos="100000">
+                      <a:schemeClr val="accent5">
+                        <a:lumMod val="60000"/>
+                        <a:lumOff val="40000"/>
+                      </a:schemeClr>
+                    </a:gs>
+                  </a:gsLst>
+                  <a:lin ang="5400000"/>
+                </a:gradFill>
+                <a:effectLst>
+                  <a:reflection blurRad="6350" stA="53000" endA="300" endPos="35500" dir="5400000" sy="-90000" algn="bl" rotWithShape="0"/>
+                </a:effectLst>
+              </a:rPr>
+              <a:t>System Flow</a:t>
+            </a:r>
+            <a:endParaRPr lang="en-IN" altLang="en-US" sz="1900" b="1" i="1" u="sng">
+              <a:gradFill>
+                <a:gsLst>
+                  <a:gs pos="0">
+                    <a:schemeClr val="accent5">
+                      <a:lumMod val="50000"/>
+                    </a:schemeClr>
+                  </a:gs>
+                  <a:gs pos="50000">
+                    <a:schemeClr val="accent5"/>
+                  </a:gs>
+                  <a:gs pos="100000">
+                    <a:schemeClr val="accent5">
+                      <a:lumMod val="60000"/>
+                      <a:lumOff val="40000"/>
+                    </a:schemeClr>
+                  </a:gs>
+                </a:gsLst>
+                <a:lin ang="5400000"/>
+              </a:gradFill>
+              <a:effectLst>
+                <a:reflection blurRad="6350" stA="53000" endA="300" endPos="35500" dir="5400000" sy="-90000" algn="bl" rotWithShape="0"/>
+              </a:effectLst>
+            </a:endParaRPr>
+          </a:p>
+        </p:txBody>
+      </p:sp>
+    </p:spTree>
+  </p:cSld>
+  <p:clrMapOvr>
+    <a:masterClrMapping/>
+  </p:clrMapOvr>
+</p:sld>
+</file>
+
+<file path=ppt/slides/slide3.xml><?xml version="1.0" encoding="utf-8"?>
+<p:sld xmlns:a="http://schemas.openxmlformats.org/drawingml/2006/main" xmlns:r="http://schemas.openxmlformats.org/officeDocument/2006/relationships" xmlns:p="http://schemas.openxmlformats.org/presentationml/2006/main">
+  <p:cSld>
+    <p:spTree>
+      <p:nvGrpSpPr>
+        <p:cNvPr id="1" name=""/>
+        <p:cNvGrpSpPr/>
+        <p:nvPr/>
+      </p:nvGrpSpPr>
+      <p:grpSpPr/>
+      <p:sp>
+        <p:nvSpPr>
+          <p:cNvPr id="6" name="Text Box 5"/>
+          <p:cNvSpPr txBox="1"/>
+          <p:nvPr/>
+        </p:nvSpPr>
+        <p:spPr>
+          <a:xfrm>
+            <a:off x="593725" y="99060"/>
+            <a:ext cx="6568440" cy="6739255"/>
+          </a:xfrm>
+          <a:prstGeom prst="rect">
+            <a:avLst/>
+          </a:prstGeom>
+          <a:noFill/>
+        </p:spPr>
+        <p:txBody>
+          <a:bodyPr wrap="square" rtlCol="0">
+            <a:spAutoFit/>
+          </a:bodyPr>
+          <a:p>
+            <a:pPr algn="ctr"/>
+            <a:r>
+              <a:rPr lang="en-US" b="1" dirty="0" smtClean="0">
+                <a:ln/>
+                <a:solidFill>
+                  <a:schemeClr val="tx1"/>
+                </a:solidFill>
+                <a:effectLst>
+                  <a:outerShdw blurRad="38100" dist="19050" dir="2700000" algn="tl" rotWithShape="0">
+                    <a:schemeClr val="dk1">
+                      <a:alpha val="40000"/>
+                    </a:schemeClr>
+                  </a:outerShdw>
+                </a:effectLst>
+                <a:sym typeface="+mn-ea"/>
+              </a:rPr>
+              <a:t>D</a:t>
+            </a:r>
+            <a:r>
+              <a:rPr lang="en-IN" altLang="en-US" b="1" dirty="0" smtClean="0">
+                <a:ln/>
+                <a:solidFill>
+                  <a:schemeClr val="tx1"/>
+                </a:solidFill>
+                <a:effectLst>
+                  <a:outerShdw blurRad="38100" dist="19050" dir="2700000" algn="tl" rotWithShape="0">
+                    <a:schemeClr val="dk1">
+                      <a:alpha val="40000"/>
+                    </a:schemeClr>
+                  </a:outerShdw>
+                </a:effectLst>
+                <a:sym typeface="+mn-ea"/>
+              </a:rPr>
+              <a:t>ata</a:t>
+            </a:r>
+            <a:r>
+              <a:rPr lang="en-US" b="1" dirty="0" smtClean="0">
+                <a:ln/>
+                <a:solidFill>
+                  <a:schemeClr val="tx1"/>
+                </a:solidFill>
+                <a:effectLst>
+                  <a:outerShdw blurRad="38100" dist="19050" dir="2700000" algn="tl" rotWithShape="0">
+                    <a:schemeClr val="dk1">
+                      <a:alpha val="40000"/>
+                    </a:schemeClr>
+                  </a:outerShdw>
+                </a:effectLst>
+                <a:sym typeface="+mn-ea"/>
+              </a:rPr>
+              <a:t> V</a:t>
+            </a:r>
+            <a:r>
+              <a:rPr lang="en-IN" altLang="en-US" b="1" dirty="0" smtClean="0">
+                <a:ln/>
+                <a:solidFill>
+                  <a:schemeClr val="tx1"/>
+                </a:solidFill>
+                <a:effectLst>
+                  <a:outerShdw blurRad="38100" dist="19050" dir="2700000" algn="tl" rotWithShape="0">
+                    <a:schemeClr val="dk1">
+                      <a:alpha val="40000"/>
+                    </a:schemeClr>
+                  </a:outerShdw>
+                </a:effectLst>
+                <a:sym typeface="+mn-ea"/>
+              </a:rPr>
+              <a:t>isualizations</a:t>
+            </a:r>
+            <a:r>
+              <a:rPr lang="en-US" b="1" dirty="0" smtClean="0">
+                <a:ln/>
+                <a:solidFill>
+                  <a:schemeClr val="tx1"/>
+                </a:solidFill>
+                <a:effectLst>
+                  <a:outerShdw blurRad="38100" dist="19050" dir="2700000" algn="tl" rotWithShape="0">
+                    <a:schemeClr val="dk1">
+                      <a:alpha val="40000"/>
+                    </a:schemeClr>
+                  </a:outerShdw>
+                </a:effectLst>
+                <a:sym typeface="+mn-ea"/>
+              </a:rPr>
+              <a:t> </a:t>
+            </a:r>
+            <a:r>
+              <a:rPr lang="en-IN" altLang="en-US" b="1" dirty="0" smtClean="0">
+                <a:ln/>
+                <a:solidFill>
+                  <a:schemeClr val="tx1"/>
+                </a:solidFill>
+                <a:effectLst>
+                  <a:outerShdw blurRad="38100" dist="19050" dir="2700000" algn="tl" rotWithShape="0">
+                    <a:schemeClr val="dk1">
+                      <a:alpha val="40000"/>
+                    </a:schemeClr>
+                  </a:outerShdw>
+                </a:effectLst>
+                <a:sym typeface="+mn-ea"/>
+              </a:rPr>
+              <a:t>(Android app)</a:t>
+            </a:r>
+            <a:endParaRPr lang="en-IN" altLang="en-US" b="1" dirty="0" smtClean="0">
+              <a:sym typeface="+mn-ea"/>
+            </a:endParaRPr>
+          </a:p>
+          <a:p>
+            <a:pPr algn="ctr"/>
+            <a:endParaRPr lang="en-US" dirty="0" smtClean="0">
+              <a:sym typeface="+mn-ea"/>
+            </a:endParaRPr>
+          </a:p>
+          <a:p>
+            <a:pPr marL="285750" indent="-285750">
+              <a:buFont typeface="Wingdings" panose="05000000000000000000" pitchFamily="2" charset="2"/>
+              <a:buChar char="q"/>
+            </a:pPr>
+            <a:r>
+              <a:rPr lang="en-US" dirty="0" smtClean="0">
+                <a:sym typeface="+mn-ea"/>
+              </a:rPr>
+              <a:t>The </a:t>
+            </a:r>
+            <a:r>
+              <a:rPr lang="en-IN" altLang="en-US" b="1" dirty="0" smtClean="0">
+                <a:sym typeface="+mn-ea"/>
+              </a:rPr>
+              <a:t>current </a:t>
+            </a:r>
+            <a:r>
+              <a:rPr lang="en-US" b="1" dirty="0" smtClean="0">
+                <a:sym typeface="+mn-ea"/>
+              </a:rPr>
+              <a:t>vacant parking spots</a:t>
+            </a:r>
+            <a:r>
+              <a:rPr lang="en-US" dirty="0" smtClean="0">
+                <a:sym typeface="+mn-ea"/>
+              </a:rPr>
+              <a:t> in each floor will be made visible on site and on the app after which he can move toward his desired floor </a:t>
+            </a:r>
+            <a:r>
+              <a:rPr lang="en-IN" altLang="en-US" dirty="0" smtClean="0">
+                <a:sym typeface="+mn-ea"/>
+              </a:rPr>
+              <a:t>and parking slot</a:t>
+            </a:r>
+            <a:endParaRPr lang="en-US" dirty="0" smtClean="0">
+              <a:sym typeface="+mn-ea"/>
+            </a:endParaRPr>
+          </a:p>
+          <a:p>
+            <a:pPr marL="285750" indent="-285750">
+              <a:buFont typeface="Wingdings" panose="05000000000000000000" pitchFamily="2" charset="2"/>
+              <a:buChar char="q"/>
+            </a:pPr>
+            <a:r>
+              <a:rPr lang="en-IN" altLang="en-US" dirty="0" smtClean="0">
+                <a:sym typeface="+mn-ea"/>
+              </a:rPr>
+              <a:t>The user will, </a:t>
+            </a:r>
+            <a:r>
+              <a:rPr lang="en-IN" altLang="en-US" b="1" dirty="0" smtClean="0">
+                <a:sym typeface="+mn-ea"/>
+              </a:rPr>
+              <a:t>automatically shown shortest path to nearest free space available </a:t>
+            </a:r>
+            <a:r>
+              <a:rPr lang="en-IN" altLang="en-US" dirty="0" smtClean="0">
+                <a:sym typeface="+mn-ea"/>
+              </a:rPr>
+              <a:t>once he clicks on map, he also has the option to choose any </a:t>
+            </a:r>
+            <a:r>
+              <a:rPr lang="en-IN" altLang="en-US" dirty="0" smtClean="0"/>
+              <a:t>free space available on the map</a:t>
+            </a:r>
+            <a:endParaRPr lang="en-IN" altLang="en-US" dirty="0" smtClean="0"/>
+          </a:p>
+          <a:p>
+            <a:pPr marL="285750" indent="-285750">
+              <a:buFont typeface="Wingdings" panose="05000000000000000000" pitchFamily="2" charset="2"/>
+              <a:buChar char="q"/>
+            </a:pPr>
+            <a:endParaRPr lang="en-IN" altLang="en-US" dirty="0" smtClean="0"/>
+          </a:p>
+          <a:p>
+            <a:pPr indent="0" algn="ctr">
+              <a:buFont typeface="Wingdings" panose="05000000000000000000" pitchFamily="2" charset="2"/>
+              <a:buNone/>
+            </a:pPr>
+            <a:r>
+              <a:rPr lang="en-IN" altLang="en-US" b="1" dirty="0" smtClean="0">
+                <a:ln/>
+                <a:solidFill>
+                  <a:schemeClr val="tx1"/>
+                </a:solidFill>
+                <a:effectLst>
+                  <a:outerShdw blurRad="38100" dist="19050" dir="2700000" algn="tl" rotWithShape="0">
+                    <a:schemeClr val="dk1">
+                      <a:alpha val="40000"/>
+                    </a:schemeClr>
+                  </a:outerShdw>
+                </a:effectLst>
+              </a:rPr>
+              <a:t>Additional Features</a:t>
+            </a:r>
+            <a:endParaRPr lang="en-IN" altLang="en-US" b="1" dirty="0" smtClean="0"/>
+          </a:p>
+          <a:p>
+            <a:pPr indent="0" algn="ctr">
+              <a:buFont typeface="Wingdings" panose="05000000000000000000" pitchFamily="2" charset="2"/>
+              <a:buNone/>
+            </a:pPr>
+            <a:endParaRPr lang="en-IN" altLang="en-US" b="1" dirty="0" smtClean="0"/>
+          </a:p>
+          <a:p>
+            <a:pPr marL="342900" indent="-342900" algn="l">
+              <a:buFont typeface="Wingdings" panose="05000000000000000000" charset="0"/>
+              <a:buChar char="q"/>
+            </a:pPr>
+            <a:r>
+              <a:rPr lang="en-US" dirty="0" smtClean="0">
+                <a:sym typeface="+mn-ea"/>
+              </a:rPr>
+              <a:t>The user can pay at the </a:t>
+            </a:r>
+            <a:r>
+              <a:rPr lang="en-US" b="1" dirty="0" smtClean="0">
+                <a:sym typeface="+mn-ea"/>
+              </a:rPr>
+              <a:t>cash counter</a:t>
+            </a:r>
+            <a:r>
+              <a:rPr lang="en-US" dirty="0" smtClean="0">
+                <a:sym typeface="+mn-ea"/>
+              </a:rPr>
+              <a:t> on exit, or use </a:t>
+            </a:r>
+            <a:r>
+              <a:rPr lang="en-US" b="1" dirty="0" smtClean="0">
+                <a:sym typeface="+mn-ea"/>
+              </a:rPr>
+              <a:t>Pay</a:t>
+            </a:r>
+            <a:r>
+              <a:rPr lang="en-IN" altLang="en-US" b="1" dirty="0" smtClean="0">
+                <a:sym typeface="+mn-ea"/>
+              </a:rPr>
+              <a:t>t</a:t>
+            </a:r>
+            <a:r>
+              <a:rPr lang="en-US" b="1" dirty="0" smtClean="0">
+                <a:sym typeface="+mn-ea"/>
+              </a:rPr>
+              <a:t>m</a:t>
+            </a:r>
+            <a:r>
+              <a:rPr lang="en-US" dirty="0" smtClean="0">
+                <a:sym typeface="+mn-ea"/>
+              </a:rPr>
+              <a:t>.</a:t>
+            </a:r>
+            <a:endParaRPr lang="en-US" dirty="0" smtClean="0">
+              <a:sym typeface="+mn-ea"/>
+            </a:endParaRPr>
+          </a:p>
+          <a:p>
+            <a:pPr marL="342900" indent="-342900" algn="l">
+              <a:buFont typeface="Wingdings" panose="05000000000000000000" charset="0"/>
+              <a:buChar char="q"/>
+            </a:pPr>
+            <a:r>
+              <a:rPr lang="en-US" dirty="0" smtClean="0">
+                <a:sym typeface="+mn-ea"/>
+              </a:rPr>
+              <a:t>If </a:t>
+            </a:r>
+            <a:r>
+              <a:rPr lang="en-US" b="1" dirty="0" smtClean="0">
+                <a:sym typeface="+mn-ea"/>
+              </a:rPr>
+              <a:t>he loses track</a:t>
+            </a:r>
+            <a:r>
+              <a:rPr lang="en-US" dirty="0" smtClean="0">
+                <a:sym typeface="+mn-ea"/>
+              </a:rPr>
+              <a:t>, he can opt for the “LOST” option, which will </a:t>
+            </a:r>
+            <a:r>
+              <a:rPr lang="en-US" b="1" dirty="0" smtClean="0">
+                <a:sym typeface="+mn-ea"/>
+              </a:rPr>
+              <a:t>detect his location</a:t>
+            </a:r>
+            <a:r>
+              <a:rPr lang="en-US" dirty="0" smtClean="0">
+                <a:sym typeface="+mn-ea"/>
+              </a:rPr>
+              <a:t> on certain parameters and redirect him.</a:t>
+            </a:r>
+            <a:endParaRPr lang="en-IN" altLang="en-US" dirty="0" smtClean="0">
+              <a:sym typeface="+mn-ea"/>
+            </a:endParaRPr>
+          </a:p>
+          <a:p>
+            <a:pPr marL="342900" indent="-342900" algn="l">
+              <a:buFont typeface="Wingdings" panose="05000000000000000000" charset="0"/>
+              <a:buChar char="q"/>
+            </a:pPr>
+            <a:endParaRPr lang="en-IN" altLang="en-US" dirty="0" smtClean="0">
+              <a:sym typeface="+mn-ea"/>
+            </a:endParaRPr>
+          </a:p>
+          <a:p>
+            <a:pPr indent="0" algn="ctr">
+              <a:buFont typeface="Wingdings" panose="05000000000000000000" pitchFamily="2" charset="2"/>
+              <a:buNone/>
+            </a:pPr>
+            <a:r>
+              <a:rPr lang="en-IN" altLang="en-US" b="1" dirty="0" smtClean="0">
+                <a:ln/>
+                <a:solidFill>
+                  <a:schemeClr val="tx1"/>
+                </a:solidFill>
+                <a:effectLst>
+                  <a:outerShdw blurRad="38100" dist="19050" dir="2700000" algn="tl" rotWithShape="0">
+                    <a:schemeClr val="dk1">
+                      <a:alpha val="40000"/>
+                    </a:schemeClr>
+                  </a:outerShdw>
+                </a:effectLst>
+                <a:sym typeface="+mn-ea"/>
+              </a:rPr>
+              <a:t>Register User Benefits</a:t>
+            </a:r>
+            <a:endParaRPr lang="en-IN" altLang="en-US" b="1" dirty="0" smtClean="0">
+              <a:ln w="9525">
+                <a:solidFill>
+                  <a:schemeClr val="bg1"/>
+                </a:solidFill>
+                <a:prstDash val="solid"/>
+              </a:ln>
+              <a:solidFill>
+                <a:schemeClr val="tx1"/>
+              </a:solidFill>
+              <a:effectLst>
+                <a:outerShdw blurRad="12700" dist="38100" dir="2700000" algn="tl" rotWithShape="0">
+                  <a:schemeClr val="bg1">
+                    <a:lumMod val="50000"/>
+                  </a:schemeClr>
+                </a:outerShdw>
+              </a:effectLst>
+              <a:sym typeface="+mn-ea"/>
+            </a:endParaRPr>
+          </a:p>
+          <a:p>
+            <a:pPr indent="0" algn="ctr">
+              <a:buFont typeface="Wingdings" panose="05000000000000000000" pitchFamily="2" charset="2"/>
+              <a:buNone/>
+            </a:pPr>
+            <a:endParaRPr lang="en-IN" altLang="en-US" b="1" dirty="0" smtClean="0">
+              <a:sym typeface="+mn-ea"/>
+            </a:endParaRPr>
+          </a:p>
+          <a:p>
+            <a:pPr marL="285750" indent="-285750" algn="l">
+              <a:buFont typeface="Wingdings" panose="05000000000000000000" charset="0"/>
+              <a:buChar char="q"/>
+            </a:pPr>
+            <a:r>
+              <a:rPr lang="en-IN" altLang="en-US" dirty="0" smtClean="0">
+                <a:sym typeface="+mn-ea"/>
+              </a:rPr>
+              <a:t>The staff will have</a:t>
+            </a:r>
+            <a:r>
+              <a:rPr lang="en-IN" altLang="en-US" b="1" dirty="0" smtClean="0">
+                <a:sym typeface="+mn-ea"/>
+              </a:rPr>
+              <a:t> fixed parking</a:t>
+            </a:r>
+            <a:r>
+              <a:rPr lang="en-IN" altLang="en-US" dirty="0" smtClean="0">
+                <a:sym typeface="+mn-ea"/>
+              </a:rPr>
+              <a:t> spot</a:t>
+            </a:r>
+            <a:endParaRPr lang="en-IN" altLang="en-US" dirty="0" smtClean="0">
+              <a:sym typeface="+mn-ea"/>
+            </a:endParaRPr>
+          </a:p>
+          <a:p>
+            <a:pPr marL="285750" indent="-285750" algn="l">
+              <a:buFont typeface="Wingdings" panose="05000000000000000000" charset="0"/>
+              <a:buChar char="q"/>
+            </a:pPr>
+            <a:r>
+              <a:rPr lang="en-US" b="1" dirty="0">
+                <a:sym typeface="+mn-ea"/>
+              </a:rPr>
+              <a:t>Monthly payment</a:t>
+            </a:r>
+            <a:r>
+              <a:rPr lang="en-US" dirty="0">
+                <a:sym typeface="+mn-ea"/>
+              </a:rPr>
+              <a:t>. (For the time, the parking slot was used)</a:t>
+            </a:r>
+            <a:endParaRPr lang="en-US" dirty="0">
+              <a:sym typeface="+mn-ea"/>
+            </a:endParaRPr>
+          </a:p>
+          <a:p>
+            <a:pPr marL="285750" indent="-285750" algn="l">
+              <a:buFont typeface="Wingdings" panose="05000000000000000000" charset="0"/>
+              <a:buChar char="q"/>
+            </a:pPr>
+            <a:r>
+              <a:rPr lang="en-US" b="1" dirty="0">
+                <a:sym typeface="+mn-ea"/>
+              </a:rPr>
+              <a:t>Net banking.</a:t>
+            </a:r>
+            <a:r>
+              <a:rPr lang="en-US" dirty="0">
+                <a:sym typeface="+mn-ea"/>
+              </a:rPr>
+              <a:t> (Automatically money deducted).</a:t>
+            </a:r>
+            <a:endParaRPr lang="en-US" dirty="0">
+              <a:sym typeface="+mn-ea"/>
+            </a:endParaRPr>
+          </a:p>
+          <a:p>
+            <a:pPr marL="285750" indent="-285750" algn="l">
+              <a:buFont typeface="Wingdings" panose="05000000000000000000" charset="0"/>
+              <a:buChar char="q"/>
+            </a:pPr>
+            <a:r>
+              <a:rPr lang="en-US" dirty="0">
+                <a:sym typeface="+mn-ea"/>
+              </a:rPr>
+              <a:t>All the </a:t>
+            </a:r>
+            <a:r>
+              <a:rPr lang="en-US" b="1" dirty="0">
+                <a:sym typeface="+mn-ea"/>
+              </a:rPr>
+              <a:t>visit details</a:t>
+            </a:r>
+            <a:r>
+              <a:rPr lang="en-US" dirty="0">
+                <a:sym typeface="+mn-ea"/>
+              </a:rPr>
+              <a:t> (entry and exit time) will be visible to him at all times.</a:t>
+            </a:r>
+            <a:endParaRPr lang="en-US" dirty="0">
+              <a:sym typeface="+mn-ea"/>
+            </a:endParaRPr>
+          </a:p>
+          <a:p>
+            <a:pPr marL="285750" indent="-285750" algn="l">
+              <a:buFont typeface="Wingdings" panose="05000000000000000000" charset="0"/>
+              <a:buChar char="q"/>
+            </a:pPr>
+            <a:r>
+              <a:rPr lang="en-US" dirty="0">
+                <a:sym typeface="+mn-ea"/>
+              </a:rPr>
+              <a:t>If his </a:t>
+            </a:r>
+            <a:r>
+              <a:rPr lang="en-US" b="1" dirty="0">
+                <a:sym typeface="+mn-ea"/>
+              </a:rPr>
+              <a:t>slot gets occupied</a:t>
+            </a:r>
+            <a:r>
+              <a:rPr lang="en-US" dirty="0">
+                <a:sym typeface="+mn-ea"/>
+              </a:rPr>
+              <a:t> by someone else, the </a:t>
+            </a:r>
+            <a:r>
+              <a:rPr lang="en-US" b="1" dirty="0">
+                <a:sym typeface="+mn-ea"/>
+              </a:rPr>
+              <a:t>admin </a:t>
+            </a:r>
+            <a:r>
+              <a:rPr lang="en-US" dirty="0">
+                <a:sym typeface="+mn-ea"/>
+              </a:rPr>
+              <a:t>will be </a:t>
+            </a:r>
+            <a:r>
+              <a:rPr lang="en-US" b="1" dirty="0">
+                <a:sym typeface="+mn-ea"/>
+              </a:rPr>
+              <a:t>notified immediately.</a:t>
+            </a:r>
+            <a:endParaRPr lang="en-US" b="1" dirty="0">
+              <a:sym typeface="+mn-ea"/>
+            </a:endParaRPr>
+          </a:p>
+        </p:txBody>
+      </p:sp>
+      <p:pic>
+        <p:nvPicPr>
+          <p:cNvPr id="7" name="Content Placeholder 6" descr="car-detect og"/>
+          <p:cNvPicPr>
+            <a:picLocks noChangeAspect="1"/>
+          </p:cNvPicPr>
+          <p:nvPr>
+            <p:ph sz="half" idx="1"/>
+          </p:nvPr>
+        </p:nvPicPr>
+        <p:blipFill>
+          <a:blip r:embed="rId1"/>
+          <a:stretch>
+            <a:fillRect/>
+          </a:stretch>
+        </p:blipFill>
+        <p:spPr>
+          <a:xfrm>
+            <a:off x="7492365" y="929005"/>
+            <a:ext cx="4789170" cy="2420620"/>
+          </a:xfrm>
+          <a:prstGeom prst="rect">
+            <a:avLst/>
+          </a:prstGeom>
+        </p:spPr>
+      </p:pic>
+      <p:pic>
+        <p:nvPicPr>
+          <p:cNvPr id="9" name="Content Placeholder 8" descr="D:\IT\Hackathon\S-Park\Documents\Locater Map.jpgLocater Map"/>
+          <p:cNvPicPr>
+            <a:picLocks noChangeAspect="1"/>
+          </p:cNvPicPr>
+          <p:nvPr>
+            <p:ph sz="half" idx="2"/>
+          </p:nvPr>
+        </p:nvPicPr>
+        <p:blipFill>
+          <a:blip r:embed="rId2"/>
+          <a:srcRect t="756" b="345"/>
+          <a:stretch>
+            <a:fillRect/>
+          </a:stretch>
+        </p:blipFill>
+        <p:spPr>
+          <a:xfrm>
+            <a:off x="7492365" y="3964940"/>
+            <a:ext cx="4556760" cy="2599055"/>
+          </a:xfrm>
+          <a:prstGeom prst="rect">
+            <a:avLst/>
+          </a:prstGeom>
+        </p:spPr>
+      </p:pic>
+      <p:sp>
+        <p:nvSpPr>
+          <p:cNvPr id="11" name="Text Box 10"/>
+          <p:cNvSpPr txBox="1"/>
+          <p:nvPr/>
+        </p:nvSpPr>
+        <p:spPr>
+          <a:xfrm>
+            <a:off x="7526020" y="365125"/>
+            <a:ext cx="4403090" cy="398780"/>
+          </a:xfrm>
+          <a:prstGeom prst="rect">
+            <a:avLst/>
+          </a:prstGeom>
+          <a:noFill/>
+        </p:spPr>
+        <p:txBody>
+          <a:bodyPr wrap="square" rtlCol="0">
+            <a:spAutoFit/>
+          </a:bodyPr>
+          <a:p>
+            <a:pPr algn="ctr"/>
+            <a:r>
+              <a:rPr lang="en-IN" altLang="en-US" sz="2000" b="1" i="1" u="sng">
+                <a:ln/>
+                <a:gradFill>
+                  <a:gsLst>
+                    <a:gs pos="0">
+                      <a:schemeClr val="accent5">
+                        <a:lumMod val="50000"/>
+                      </a:schemeClr>
+                    </a:gs>
+                    <a:gs pos="50000">
+                      <a:schemeClr val="accent5"/>
+                    </a:gs>
+                    <a:gs pos="100000">
+                      <a:schemeClr val="accent5">
+                        <a:lumMod val="60000"/>
+                        <a:lumOff val="40000"/>
+                      </a:schemeClr>
+                    </a:gs>
+                  </a:gsLst>
+                  <a:lin ang="5400000"/>
+                </a:gradFill>
+                <a:effectLst>
+                  <a:reflection blurRad="6350" stA="53000" endA="300" endPos="35500" dir="5400000" sy="-90000" algn="bl" rotWithShape="0"/>
+                </a:effectLst>
+              </a:rPr>
+              <a:t>Data Processing</a:t>
+            </a:r>
+            <a:endParaRPr lang="en-IN" altLang="en-US" sz="2000" b="1" i="1" u="sng">
+              <a:ln/>
+              <a:gradFill>
+                <a:gsLst>
+                  <a:gs pos="0">
+                    <a:schemeClr val="accent5">
+                      <a:lumMod val="50000"/>
+                    </a:schemeClr>
+                  </a:gs>
+                  <a:gs pos="50000">
+                    <a:schemeClr val="accent5"/>
+                  </a:gs>
+                  <a:gs pos="100000">
+                    <a:schemeClr val="accent5">
+                      <a:lumMod val="60000"/>
+                      <a:lumOff val="40000"/>
+                    </a:schemeClr>
+                  </a:gs>
+                </a:gsLst>
+                <a:lin ang="5400000"/>
+              </a:gradFill>
+              <a:effectLst>
+                <a:reflection blurRad="6350" stA="53000" endA="300" endPos="35500" dir="5400000" sy="-90000" algn="bl" rotWithShape="0"/>
+              </a:effectLst>
+            </a:endParaRPr>
+          </a:p>
+        </p:txBody>
+      </p:sp>
+      <p:sp>
+        <p:nvSpPr>
+          <p:cNvPr id="12" name="Text Box 11"/>
+          <p:cNvSpPr txBox="1"/>
+          <p:nvPr/>
+        </p:nvSpPr>
+        <p:spPr>
+          <a:xfrm>
+            <a:off x="7526020" y="3473450"/>
+            <a:ext cx="4403090" cy="398780"/>
+          </a:xfrm>
+          <a:prstGeom prst="rect">
+            <a:avLst/>
+          </a:prstGeom>
+          <a:noFill/>
+        </p:spPr>
+        <p:txBody>
+          <a:bodyPr wrap="square" rtlCol="0">
+            <a:spAutoFit/>
+          </a:bodyPr>
+          <a:p>
+            <a:pPr algn="ctr"/>
+            <a:r>
+              <a:rPr lang="en-IN" altLang="en-US" sz="2000" b="1" i="1" u="sng">
+                <a:ln/>
+                <a:gradFill>
+                  <a:gsLst>
+                    <a:gs pos="0">
+                      <a:schemeClr val="accent5">
+                        <a:lumMod val="50000"/>
+                      </a:schemeClr>
+                    </a:gs>
+                    <a:gs pos="50000">
+                      <a:schemeClr val="accent5"/>
+                    </a:gs>
+                    <a:gs pos="100000">
+                      <a:schemeClr val="accent5">
+                        <a:lumMod val="60000"/>
+                        <a:lumOff val="40000"/>
+                      </a:schemeClr>
+                    </a:gs>
+                  </a:gsLst>
+                  <a:lin ang="5400000"/>
+                </a:gradFill>
+                <a:effectLst>
+                  <a:reflection blurRad="6350" stA="53000" endA="300" endPos="35500" dir="5400000" sy="-90000" algn="bl" rotWithShape="0"/>
+                </a:effectLst>
+              </a:rPr>
+              <a:t>Data Visualization</a:t>
+            </a:r>
+            <a:endParaRPr lang="en-IN" altLang="en-US" sz="2000" b="1" i="1" u="sng">
+              <a:ln/>
+              <a:gradFill>
+                <a:gsLst>
+                  <a:gs pos="0">
+                    <a:schemeClr val="accent5">
+                      <a:lumMod val="50000"/>
+                    </a:schemeClr>
+                  </a:gs>
+                  <a:gs pos="50000">
+                    <a:schemeClr val="accent5"/>
+                  </a:gs>
+                  <a:gs pos="100000">
+                    <a:schemeClr val="accent5">
+                      <a:lumMod val="60000"/>
+                      <a:lumOff val="40000"/>
+                    </a:schemeClr>
+                  </a:gs>
+                </a:gsLst>
+                <a:lin ang="5400000"/>
+              </a:gradFill>
+              <a:effectLst>
+                <a:reflection blurRad="6350" stA="53000" endA="300" endPos="35500" dir="5400000" sy="-90000" algn="bl" rotWithShape="0"/>
+              </a:effectLst>
+            </a:endParaRPr>
+          </a:p>
+        </p:txBody>
+      </p:sp>
+    </p:spTree>
+  </p:cSld>
+  <p:clrMapOvr>
+    <a:masterClrMapping/>
+  </p:clrMapOvr>
+</p:sld>
+</file>
+
+<file path=ppt/slides/slide4.xml><?xml version="1.0" encoding="utf-8"?>
+<p:sld xmlns:a="http://schemas.openxmlformats.org/drawingml/2006/main" xmlns:r="http://schemas.openxmlformats.org/officeDocument/2006/relationships" xmlns:p="http://schemas.openxmlformats.org/presentationml/2006/main">
+  <p:cSld>
+    <p:spTree>
+      <p:nvGrpSpPr>
+        <p:cNvPr id="1" name=""/>
+        <p:cNvGrpSpPr/>
+        <p:nvPr/>
+      </p:nvGrpSpPr>
+      <p:grpSpPr>
+        <a:xfrm>
+          <a:off x="0" y="0"/>
+          <a:ext cx="0" cy="0"/>
+          <a:chOff x="0" y="0"/>
+          <a:chExt cx="0" cy="0"/>
+        </a:xfrm>
+      </p:grpSpPr>
+      <p:sp>
+        <p:nvSpPr>
+          <p:cNvPr id="13" name="TextBox 9"/>
+          <p:cNvSpPr txBox="1"/>
+          <p:nvPr/>
+        </p:nvSpPr>
+        <p:spPr>
+          <a:xfrm>
+            <a:off x="120651" y="183792"/>
+            <a:ext cx="6137564" cy="5169535"/>
+          </a:xfrm>
+          <a:prstGeom prst="rect">
+            <a:avLst/>
+          </a:prstGeom>
+          <a:noFill/>
+        </p:spPr>
+        <p:txBody>
+          <a:bodyPr wrap="square" rtlCol="0">
+            <a:spAutoFit/>
           </a:bodyPr>
           <a:lstStyle/>
           <a:p>
             <a:pPr algn="ctr"/>
             <a:r>
-              <a:rPr lang="en-US" sz="2400" b="1" cap="all" spc="0" dirty="0" smtClean="0">
-                <a:ln w="0"/>
+              <a:rPr lang="en-IN" sz="2400" b="1" i="1" u="sng" dirty="0">
+                <a:ln/>
+                <a:gradFill>
+                  <a:gsLst>
+                    <a:gs pos="0">
+                      <a:schemeClr val="accent5">
+                        <a:lumMod val="50000"/>
+                      </a:schemeClr>
+                    </a:gs>
+                    <a:gs pos="50000">
+                      <a:schemeClr val="accent5"/>
+                    </a:gs>
+                    <a:gs pos="100000">
+                      <a:schemeClr val="accent5">
+                        <a:lumMod val="60000"/>
+                        <a:lumOff val="40000"/>
+                      </a:schemeClr>
+                    </a:gs>
+                  </a:gsLst>
+                  <a:lin ang="5400000"/>
+                </a:gradFill>
                 <a:effectLst>
-                  <a:reflection blurRad="12700" stA="50000" endPos="50000" dist="5000" dir="5400000" sy="-100000" rotWithShape="0"/>
+                  <a:reflection blurRad="6350" stA="53000" endA="300" endPos="35500" dir="5400000" sy="-90000" algn="bl" rotWithShape="0"/>
                 </a:effectLst>
-              </a:rPr>
-              <a:t>parking</a:t>
-            </a:r>
-            <a:endParaRPr lang="en-US" sz="2400" b="1" cap="all" spc="0" dirty="0">
-              <a:ln w="0"/>
+                <a:latin typeface="Calibri" panose="020F0502020204030204" pitchFamily="34" charset="0"/>
+                <a:cs typeface="Calibri" panose="020F0502020204030204" pitchFamily="34" charset="0"/>
+                <a:sym typeface="+mn-ea"/>
+              </a:rPr>
+              <a:t>Technology Stack</a:t>
+            </a:r>
+            <a:endParaRPr lang="en-IN" sz="2400" b="1" i="1" u="sng" dirty="0">
+              <a:solidFill>
+                <a:schemeClr val="accent5">
+                  <a:lumMod val="75000"/>
+                </a:schemeClr>
+              </a:solidFill>
+              <a:latin typeface="Calibri" panose="020F0502020204030204" pitchFamily="34" charset="0"/>
+              <a:cs typeface="Calibri" panose="020F0502020204030204" pitchFamily="34" charset="0"/>
+              <a:sym typeface="+mn-ea"/>
+            </a:endParaRPr>
+          </a:p>
+          <a:p>
+            <a:pPr marL="285750" indent="-285750">
+              <a:spcBef>
+                <a:spcPts val="600"/>
+              </a:spcBef>
+              <a:buFont typeface="Arial" panose="020B0604020202020204" pitchFamily="34" charset="0"/>
+              <a:buChar char="•"/>
+            </a:pPr>
+            <a:endParaRPr lang="en-IN" b="1" dirty="0">
+              <a:latin typeface="Calibri" panose="020F0502020204030204" pitchFamily="34" charset="0"/>
+              <a:cs typeface="Calibri" panose="020F0502020204030204" pitchFamily="34" charset="0"/>
+              <a:sym typeface="+mn-ea"/>
+            </a:endParaRPr>
+          </a:p>
+          <a:p>
+            <a:pPr marL="285750" indent="-285750">
+              <a:spcBef>
+                <a:spcPts val="600"/>
+              </a:spcBef>
+              <a:buFont typeface="Arial" panose="020B0604020202020204" pitchFamily="34" charset="0"/>
+              <a:buChar char="•"/>
+            </a:pPr>
+            <a:r>
+              <a:rPr lang="en-IN" b="1" dirty="0">
+                <a:latin typeface="Calibri" panose="020F0502020204030204" pitchFamily="34" charset="0"/>
+                <a:cs typeface="Calibri" panose="020F0502020204030204" pitchFamily="34" charset="0"/>
+                <a:sym typeface="+mn-ea"/>
+              </a:rPr>
+              <a:t>Modern Technology </a:t>
+            </a:r>
+            <a:r>
+              <a:rPr lang="en-IN" dirty="0">
+                <a:latin typeface="Calibri" panose="020F0502020204030204" pitchFamily="34" charset="0"/>
+                <a:cs typeface="Calibri" panose="020F0502020204030204" pitchFamily="34" charset="0"/>
+                <a:sym typeface="+mn-ea"/>
+              </a:rPr>
+              <a:t>:-  Machine learning and Deep learning, 		            Cloud Computing, Visualization</a:t>
+            </a:r>
+            <a:endParaRPr lang="en-IN" dirty="0"/>
+          </a:p>
+          <a:p>
+            <a:pPr marL="285750" indent="-285750">
+              <a:spcBef>
+                <a:spcPts val="600"/>
+              </a:spcBef>
+              <a:buFont typeface="Arial" panose="020B0604020202020204" pitchFamily="34" charset="0"/>
+              <a:buChar char="•"/>
+            </a:pPr>
+            <a:r>
+              <a:rPr lang="en-IN" b="1" dirty="0"/>
+              <a:t>Mobile Development </a:t>
+            </a:r>
+            <a:r>
+              <a:rPr lang="en-IN" dirty="0"/>
+              <a:t>:-Android Studio, Android SDK</a:t>
+            </a:r>
+            <a:endParaRPr lang="en-IN" dirty="0"/>
+          </a:p>
+          <a:p>
+            <a:pPr marL="285750" indent="-285750">
+              <a:spcBef>
+                <a:spcPts val="600"/>
+              </a:spcBef>
+              <a:buFont typeface="Arial" panose="020B0604020202020204" pitchFamily="34" charset="0"/>
+              <a:buChar char="•"/>
+            </a:pPr>
+            <a:r>
+              <a:rPr lang="en-IN" b="1" dirty="0">
+                <a:latin typeface="Calibri" panose="020F0502020204030204" pitchFamily="34" charset="0"/>
+                <a:cs typeface="Calibri" panose="020F0502020204030204" pitchFamily="34" charset="0"/>
+              </a:rPr>
+              <a:t>Backend Development</a:t>
+            </a:r>
+            <a:r>
+              <a:rPr lang="en-IN" dirty="0">
+                <a:latin typeface="Calibri" panose="020F0502020204030204" pitchFamily="34" charset="0"/>
+                <a:cs typeface="Calibri" panose="020F0502020204030204" pitchFamily="34" charset="0"/>
+              </a:rPr>
+              <a:t> :- </a:t>
+            </a:r>
+            <a:r>
+              <a:rPr lang="en-IN" dirty="0" err="1">
+                <a:latin typeface="Calibri" panose="020F0502020204030204" pitchFamily="34" charset="0"/>
+                <a:cs typeface="Calibri" panose="020F0502020204030204" pitchFamily="34" charset="0"/>
+              </a:rPr>
+              <a:t>Firestore</a:t>
+            </a:r>
+            <a:r>
+              <a:rPr lang="en-IN" dirty="0">
+                <a:latin typeface="Calibri" panose="020F0502020204030204" pitchFamily="34" charset="0"/>
+                <a:cs typeface="Calibri" panose="020F0502020204030204" pitchFamily="34" charset="0"/>
+              </a:rPr>
+              <a:t> and Firebase.</a:t>
+            </a:r>
+            <a:endParaRPr lang="en-IN" dirty="0">
+              <a:latin typeface="Calibri" panose="020F0502020204030204" pitchFamily="34" charset="0"/>
+              <a:cs typeface="Calibri" panose="020F0502020204030204" pitchFamily="34" charset="0"/>
+            </a:endParaRPr>
+          </a:p>
+          <a:p>
+            <a:pPr marL="285750" indent="-285750">
+              <a:spcBef>
+                <a:spcPts val="600"/>
+              </a:spcBef>
+              <a:buFont typeface="Arial" panose="020B0604020202020204" pitchFamily="34" charset="0"/>
+              <a:buChar char="•"/>
+            </a:pPr>
+            <a:r>
+              <a:rPr lang="en-IN" b="1" dirty="0">
+                <a:effectLst>
+                  <a:outerShdw blurRad="38100" dist="19050" dir="2700000" algn="tl" rotWithShape="0">
+                    <a:schemeClr val="dk1">
+                      <a:alpha val="40000"/>
+                    </a:schemeClr>
+                  </a:outerShdw>
+                </a:effectLst>
+                <a:sym typeface="+mn-ea"/>
+              </a:rPr>
+              <a:t>Hardware Components </a:t>
+            </a:r>
+            <a:r>
+              <a:rPr lang="en-IN" dirty="0">
+                <a:effectLst>
+                  <a:outerShdw blurRad="38100" dist="19050" dir="2700000" algn="tl" rotWithShape="0">
+                    <a:schemeClr val="dk1">
+                      <a:alpha val="40000"/>
+                    </a:schemeClr>
+                  </a:outerShdw>
+                </a:effectLst>
+                <a:sym typeface="+mn-ea"/>
+              </a:rPr>
+              <a:t>:- </a:t>
+            </a:r>
+            <a:r>
+              <a:rPr lang="en-IN" b="1" dirty="0">
+                <a:effectLst>
+                  <a:outerShdw blurRad="38100" dist="19050" dir="2700000" algn="tl" rotWithShape="0">
+                    <a:schemeClr val="dk1">
+                      <a:alpha val="40000"/>
+                    </a:schemeClr>
+                  </a:outerShdw>
+                </a:effectLst>
+                <a:sym typeface="+mn-ea"/>
+              </a:rPr>
+              <a:t> </a:t>
+            </a:r>
+            <a:r>
+              <a:rPr lang="en-IN" dirty="0">
+                <a:effectLst>
+                  <a:outerShdw blurRad="38100" dist="19050" dir="2700000" algn="tl" rotWithShape="0">
+                    <a:schemeClr val="dk1">
+                      <a:alpha val="40000"/>
+                    </a:schemeClr>
+                  </a:outerShdw>
+                </a:effectLst>
+                <a:sym typeface="+mn-ea"/>
+              </a:rPr>
+              <a:t>Raspberry pi 4, Sensors, 			Servo motors , Cameras , LCD, 				BULB  etc . </a:t>
+            </a:r>
+            <a:endParaRPr lang="en-IN" dirty="0">
               <a:effectLst>
-                <a:reflection blurRad="12700" stA="50000" endPos="50000" dist="5000" dir="5400000" sy="-100000" rotWithShape="0"/>
+                <a:outerShdw blurRad="38100" dist="19050" dir="2700000" algn="tl" rotWithShape="0">
+                  <a:schemeClr val="dk1">
+                    <a:alpha val="40000"/>
+                  </a:schemeClr>
+                </a:outerShdw>
+              </a:effectLst>
+              <a:sym typeface="+mn-ea"/>
+            </a:endParaRPr>
+          </a:p>
+          <a:p>
+            <a:pPr marL="285750" indent="-285750">
+              <a:spcBef>
+                <a:spcPts val="600"/>
+              </a:spcBef>
+              <a:buFont typeface="Arial" panose="020B0604020202020204" pitchFamily="34" charset="0"/>
+              <a:buChar char="•"/>
+            </a:pPr>
+            <a:endParaRPr lang="en-IN" dirty="0">
+              <a:effectLst>
+                <a:outerShdw blurRad="38100" dist="19050" dir="2700000" algn="tl" rotWithShape="0">
+                  <a:schemeClr val="dk1">
+                    <a:alpha val="40000"/>
+                  </a:schemeClr>
+                </a:outerShdw>
+              </a:effectLst>
+              <a:sym typeface="+mn-ea"/>
+            </a:endParaRPr>
+          </a:p>
+          <a:p>
+            <a:pPr algn="ctr"/>
+            <a:r>
+              <a:rPr lang="en-US" sz="2400" b="1" i="1" u="sng" dirty="0">
+                <a:ln/>
+                <a:gradFill>
+                  <a:gsLst>
+                    <a:gs pos="0">
+                      <a:schemeClr val="accent5">
+                        <a:lumMod val="50000"/>
+                      </a:schemeClr>
+                    </a:gs>
+                    <a:gs pos="50000">
+                      <a:schemeClr val="accent5"/>
+                    </a:gs>
+                    <a:gs pos="100000">
+                      <a:schemeClr val="accent5">
+                        <a:lumMod val="60000"/>
+                        <a:lumOff val="40000"/>
+                      </a:schemeClr>
+                    </a:gs>
+                  </a:gsLst>
+                  <a:lin ang="5400000"/>
+                </a:gradFill>
+                <a:effectLst>
+                  <a:reflection blurRad="6350" stA="53000" endA="300" endPos="35500" dir="5400000" sy="-90000" algn="bl" rotWithShape="0"/>
+                </a:effectLst>
+                <a:sym typeface="+mn-ea"/>
+              </a:rPr>
+              <a:t>Dependencies</a:t>
+            </a:r>
+            <a:endParaRPr lang="en-US" b="1" i="1" u="sng" dirty="0">
+              <a:solidFill>
+                <a:schemeClr val="accent5">
+                  <a:lumMod val="75000"/>
+                </a:schemeClr>
+              </a:solidFill>
+            </a:endParaRPr>
+          </a:p>
+          <a:p>
+            <a:pPr marL="285750" indent="-285750">
+              <a:buFont typeface="Wingdings" panose="05000000000000000000" charset="0"/>
+              <a:buChar char="§"/>
+            </a:pPr>
+            <a:endParaRPr lang="en-IN" dirty="0">
+              <a:sym typeface="+mn-ea"/>
+            </a:endParaRPr>
+          </a:p>
+          <a:p>
+            <a:pPr marL="285750" indent="-285750">
+              <a:buFont typeface="Wingdings" panose="05000000000000000000" charset="0"/>
+              <a:buChar char="§"/>
+            </a:pPr>
+            <a:r>
+              <a:rPr lang="en-IN" dirty="0">
+                <a:sym typeface="+mn-ea"/>
+              </a:rPr>
+              <a:t>Requires </a:t>
+            </a:r>
+            <a:r>
+              <a:rPr lang="en-IN" b="1" dirty="0">
+                <a:sym typeface="+mn-ea"/>
+              </a:rPr>
+              <a:t>Android version Jellybean and higher</a:t>
+            </a:r>
+            <a:endParaRPr lang="en-IN" b="1" dirty="0">
+              <a:sym typeface="+mn-ea"/>
+            </a:endParaRPr>
+          </a:p>
+          <a:p>
+            <a:pPr marL="285750" indent="-285750">
+              <a:buFont typeface="Wingdings" panose="05000000000000000000" charset="0"/>
+              <a:buChar char="§"/>
+            </a:pPr>
+            <a:r>
+              <a:rPr lang="en-IN" b="1" dirty="0">
+                <a:sym typeface="+mn-ea"/>
+              </a:rPr>
+              <a:t>Hardware components and their installation and power supply</a:t>
+            </a:r>
+            <a:endParaRPr lang="en-US" dirty="0"/>
+          </a:p>
+          <a:p>
+            <a:endParaRPr lang="en-US" dirty="0"/>
+          </a:p>
+        </p:txBody>
+      </p:sp>
+      <p:pic>
+        <p:nvPicPr>
+          <p:cNvPr id="15" name="Content Placeholder 14" descr="UseCase"/>
+          <p:cNvPicPr>
+            <a:picLocks noChangeAspect="1"/>
+          </p:cNvPicPr>
+          <p:nvPr>
+            <p:ph idx="1"/>
+          </p:nvPr>
+        </p:nvPicPr>
+        <p:blipFill>
+          <a:blip r:embed="rId1"/>
+          <a:stretch>
+            <a:fillRect/>
+          </a:stretch>
+        </p:blipFill>
+        <p:spPr>
+          <a:xfrm>
+            <a:off x="6389370" y="756285"/>
+            <a:ext cx="5092700" cy="5972810"/>
+          </a:xfrm>
+          <a:prstGeom prst="rect">
+            <a:avLst/>
+          </a:prstGeom>
+        </p:spPr>
+      </p:pic>
+      <p:sp>
+        <p:nvSpPr>
+          <p:cNvPr id="17" name="Text Box 16"/>
+          <p:cNvSpPr txBox="1"/>
+          <p:nvPr/>
+        </p:nvSpPr>
+        <p:spPr>
+          <a:xfrm>
+            <a:off x="6780530" y="229235"/>
+            <a:ext cx="4725670" cy="475615"/>
+          </a:xfrm>
+          <a:prstGeom prst="rect">
+            <a:avLst/>
+          </a:prstGeom>
+          <a:noFill/>
+        </p:spPr>
+        <p:txBody>
+          <a:bodyPr wrap="square" rtlCol="0">
+            <a:spAutoFit/>
+          </a:bodyPr>
+          <a:p>
+            <a:pPr algn="ctr"/>
+            <a:r>
+              <a:rPr lang="en-IN" altLang="en-US" sz="2500" b="1" i="1" u="sng">
+                <a:ln/>
+                <a:gradFill>
+                  <a:gsLst>
+                    <a:gs pos="0">
+                      <a:schemeClr val="accent5">
+                        <a:lumMod val="50000"/>
+                      </a:schemeClr>
+                    </a:gs>
+                    <a:gs pos="50000">
+                      <a:schemeClr val="accent5"/>
+                    </a:gs>
+                    <a:gs pos="100000">
+                      <a:schemeClr val="accent5">
+                        <a:lumMod val="60000"/>
+                        <a:lumOff val="40000"/>
+                      </a:schemeClr>
+                    </a:gs>
+                  </a:gsLst>
+                  <a:lin ang="5400000"/>
+                </a:gradFill>
+                <a:effectLst>
+                  <a:reflection blurRad="6350" stA="53000" endA="300" endPos="35500" dir="5400000" sy="-90000" algn="bl" rotWithShape="0"/>
+                </a:effectLst>
+              </a:rPr>
+              <a:t>Use Case</a:t>
+            </a:r>
+            <a:endParaRPr lang="en-IN" altLang="en-US" sz="2500" b="1" i="1" u="sng">
+              <a:ln/>
+              <a:gradFill>
+                <a:gsLst>
+                  <a:gs pos="0">
+                    <a:schemeClr val="accent5">
+                      <a:lumMod val="50000"/>
+                    </a:schemeClr>
+                  </a:gs>
+                  <a:gs pos="50000">
+                    <a:schemeClr val="accent5"/>
+                  </a:gs>
+                  <a:gs pos="100000">
+                    <a:schemeClr val="accent5">
+                      <a:lumMod val="60000"/>
+                      <a:lumOff val="40000"/>
+                    </a:schemeClr>
+                  </a:gs>
+                </a:gsLst>
+                <a:lin ang="5400000"/>
+              </a:gradFill>
+              <a:effectLst>
+                <a:reflection blurRad="6350" stA="53000" endA="300" endPos="35500" dir="5400000" sy="-90000" algn="bl" rotWithShape="0"/>
               </a:effectLst>
             </a:endParaRPr>
           </a:p>
         </p:txBody>
       </p:sp>
-      <p:sp>
-        <p:nvSpPr>
-          <p:cNvPr id="29" name="Pentagon 28"/>
+    </p:spTree>
+  </p:cSld>
+  <p:clrMapOvr>
+    <a:masterClrMapping/>
+  </p:clrMapOvr>
+  <p:timing>
+    <p:tnLst>
+      <p:par>
+        <p:cTn id="1" dur="indefinite" restart="never" nodeType="tmRoot"/>
+      </p:par>
+    </p:tnLst>
+  </p:timing>
+</p:sld>
+</file>
+
+<file path=ppt/slides/slide5.xml><?xml version="1.0" encoding="utf-8"?>
+<p:sld xmlns:a="http://schemas.openxmlformats.org/drawingml/2006/main" xmlns:r="http://schemas.openxmlformats.org/officeDocument/2006/relationships" xmlns:p="http://schemas.openxmlformats.org/presentationml/2006/main">
+  <p:cSld>
+    <p:spTree>
+      <p:nvGrpSpPr>
+        <p:cNvPr id="1" name=""/>
+        <p:cNvGrpSpPr/>
+        <p:nvPr/>
+      </p:nvGrpSpPr>
+      <p:grpSpPr>
+        <a:xfrm>
+          <a:off x="0" y="0"/>
+          <a:ext cx="0" cy="0"/>
+          <a:chOff x="0" y="0"/>
+          <a:chExt cx="0" cy="0"/>
+        </a:xfrm>
+      </p:grpSpPr>
+      <p:sp>
+        <p:nvSpPr>
+          <p:cNvPr id="2" name="Cloud 1"/>
           <p:cNvSpPr/>
           <p:nvPr/>
         </p:nvSpPr>
         <p:spPr>
           <a:xfrm>
-            <a:off x="229751" y="3583399"/>
-            <a:ext cx="3463639" cy="1680865"/>
+            <a:off x="164465" y="716915"/>
+            <a:ext cx="3049270" cy="2775585"/>
           </a:xfrm>
-          <a:prstGeom prst="homePlate">
+          <a:prstGeom prst="cloud">
             <a:avLst/>
           </a:prstGeom>
           <a:solidFill>
-            <a:srgbClr val="99CCFF"/>
-          </a:solidFill>
-          <a:ln>
-            <a:solidFill>
-              <a:schemeClr val="tx1"/>
-            </a:solidFill>
-          </a:ln>
-          <a:scene3d>
-            <a:camera prst="orthographicFront"/>
-            <a:lightRig rig="threePt" dir="t"/>
-          </a:scene3d>
-          <a:sp3d>
-            <a:bevelT w="114300" prst="artDeco"/>
-          </a:sp3d>
-        </p:spPr>
-        <p:style>
-          <a:lnRef idx="2">
-            <a:schemeClr val="accent1">
-              <a:shade val="50000"/>
-            </a:schemeClr>
-          </a:lnRef>
-          <a:fillRef idx="1">
-            <a:schemeClr val="accent1"/>
-          </a:fillRef>
-          <a:effectRef idx="0">
-            <a:schemeClr val="accent1"/>
-          </a:effectRef>
-          <a:fontRef idx="minor">
-            <a:schemeClr val="lt1"/>
-          </a:fontRef>
-        </p:style>
-        <p:txBody>
-          <a:bodyPr rtlCol="0" anchor="ctr"/>
-          <a:lstStyle/>
-          <a:p>
-            <a:pPr algn="ctr"/>
-            <a:r>
-              <a:rPr lang="en-US" dirty="0" smtClean="0">
-                <a:solidFill>
-                  <a:schemeClr val="tx1"/>
-                </a:solidFill>
-              </a:rPr>
-              <a:t>On the desired floor, the layout of the floor will be displayed (app and LCD on site) with the vacant and occupied highlighted.</a:t>
-            </a:r>
-            <a:endParaRPr lang="en-US" dirty="0">
-              <a:solidFill>
-                <a:schemeClr val="tx1"/>
-              </a:solidFill>
-            </a:endParaRPr>
-          </a:p>
-        </p:txBody>
-      </p:sp>
-      <p:sp>
-        <p:nvSpPr>
-          <p:cNvPr id="30" name="Pentagon 29"/>
-          <p:cNvSpPr/>
-          <p:nvPr/>
-        </p:nvSpPr>
-        <p:spPr>
-          <a:xfrm>
-            <a:off x="4069490" y="4045064"/>
-            <a:ext cx="3555707" cy="1680864"/>
-          </a:xfrm>
-          <a:prstGeom prst="homePlate">
-            <a:avLst/>
-          </a:prstGeom>
-          <a:solidFill>
-            <a:srgbClr val="99CCFF"/>
-          </a:solidFill>
-          <a:ln>
-            <a:solidFill>
-              <a:schemeClr val="tx1"/>
-            </a:solidFill>
-          </a:ln>
-          <a:scene3d>
-            <a:camera prst="orthographicFront"/>
-            <a:lightRig rig="threePt" dir="t"/>
-          </a:scene3d>
-          <a:sp3d>
-            <a:bevelT w="114300" prst="artDeco"/>
-          </a:sp3d>
-        </p:spPr>
-        <p:style>
-          <a:lnRef idx="2">
-            <a:schemeClr val="accent1">
-              <a:shade val="50000"/>
-            </a:schemeClr>
-          </a:lnRef>
-          <a:fillRef idx="1">
-            <a:schemeClr val="accent1"/>
-          </a:fillRef>
-          <a:effectRef idx="0">
-            <a:schemeClr val="accent1"/>
-          </a:effectRef>
-          <a:fontRef idx="minor">
-            <a:schemeClr val="lt1"/>
-          </a:fontRef>
-        </p:style>
-        <p:txBody>
-          <a:bodyPr rtlCol="0" anchor="ctr"/>
-          <a:lstStyle/>
-          <a:p>
-            <a:pPr algn="ctr"/>
-            <a:r>
-              <a:rPr lang="en-US" dirty="0" smtClean="0">
-                <a:solidFill>
-                  <a:schemeClr val="tx1"/>
-                </a:solidFill>
-              </a:rPr>
-              <a:t>On the app, if he clicks on any empty spot, he will be shown directions to that spot. </a:t>
-            </a:r>
-            <a:endParaRPr lang="en-US" dirty="0">
-              <a:solidFill>
-                <a:schemeClr val="tx1"/>
-              </a:solidFill>
-            </a:endParaRPr>
-          </a:p>
-        </p:txBody>
-      </p:sp>
-      <p:sp>
-        <p:nvSpPr>
-          <p:cNvPr id="31" name="Pentagon 30"/>
-          <p:cNvSpPr/>
-          <p:nvPr/>
-        </p:nvSpPr>
-        <p:spPr>
-          <a:xfrm>
-            <a:off x="8490240" y="2322286"/>
-            <a:ext cx="3701760" cy="2101545"/>
-          </a:xfrm>
-          <a:prstGeom prst="homePlate">
-            <a:avLst/>
-          </a:prstGeom>
-          <a:solidFill>
-            <a:srgbClr val="99CCFF"/>
-          </a:solidFill>
-          <a:ln>
-            <a:solidFill>
-              <a:schemeClr val="tx1"/>
-            </a:solidFill>
-          </a:ln>
-          <a:scene3d>
-            <a:camera prst="orthographicFront"/>
-            <a:lightRig rig="threePt" dir="t"/>
-          </a:scene3d>
-          <a:sp3d>
-            <a:bevelT w="114300" prst="artDeco"/>
-          </a:sp3d>
-        </p:spPr>
-        <p:style>
-          <a:lnRef idx="2">
-            <a:schemeClr val="accent1">
-              <a:shade val="50000"/>
-            </a:schemeClr>
-          </a:lnRef>
-          <a:fillRef idx="1">
-            <a:schemeClr val="accent1"/>
-          </a:fillRef>
-          <a:effectRef idx="0">
-            <a:schemeClr val="accent1"/>
-          </a:effectRef>
-          <a:fontRef idx="minor">
-            <a:schemeClr val="lt1"/>
-          </a:fontRef>
-        </p:style>
-        <p:txBody>
-          <a:bodyPr rtlCol="0" anchor="ctr"/>
-          <a:lstStyle/>
-          <a:p>
-            <a:pPr algn="ctr"/>
-            <a:r>
-              <a:rPr lang="en-US" dirty="0" smtClean="0">
-                <a:solidFill>
-                  <a:schemeClr val="tx1"/>
-                </a:solidFill>
-              </a:rPr>
-              <a:t>If he loses track, he can opt for the “LOST” option, which will detect his location on certain parameters and redirect him.</a:t>
-            </a:r>
-            <a:endParaRPr lang="en-US" dirty="0" smtClean="0">
-              <a:solidFill>
-                <a:schemeClr val="tx1"/>
-              </a:solidFill>
-            </a:endParaRPr>
-          </a:p>
-        </p:txBody>
-      </p:sp>
-      <p:sp>
-        <p:nvSpPr>
-          <p:cNvPr id="33" name="Rounded Rectangle 32"/>
-          <p:cNvSpPr/>
-          <p:nvPr/>
-        </p:nvSpPr>
-        <p:spPr>
-          <a:xfrm>
-            <a:off x="3265343" y="5971309"/>
-            <a:ext cx="5001491" cy="665018"/>
-          </a:xfrm>
-          <a:prstGeom prst="roundRect">
-            <a:avLst/>
-          </a:prstGeom>
-          <a:solidFill>
-            <a:srgbClr val="99CCFF"/>
+            <a:srgbClr val="AAAFEE"/>
           </a:solidFill>
         </p:spPr>
         <p:style>
@@ -4606,16 +5826,19 @@
         </p:style>
         <p:txBody>
           <a:bodyPr rtlCol="0" anchor="ctr"/>
-          <a:lstStyle/>
           <a:p>
             <a:pPr algn="ctr"/>
             <a:r>
-              <a:rPr lang="en-US" dirty="0" smtClean="0">
+              <a:rPr lang="en-US" dirty="0"/>
+              <a:t> </a:t>
+            </a:r>
+            <a:r>
+              <a:rPr lang="en-US" b="1" dirty="0">
                 <a:solidFill>
                   <a:schemeClr val="tx1"/>
                 </a:solidFill>
               </a:rPr>
-              <a:t>The user can pay at the cash counter on exit, or use PayTm.</a:t>
+              <a:t>BOOKING SYSTEM</a:t>
             </a:r>
             <a:endParaRPr lang="en-US" dirty="0">
               <a:solidFill>
@@ -4623,56 +5846,48 @@
               </a:solidFill>
             </a:endParaRPr>
           </a:p>
-        </p:txBody>
-      </p:sp>
-    </p:spTree>
-  </p:cSld>
-  <p:clrMapOvr>
-    <a:masterClrMapping/>
-  </p:clrMapOvr>
-  <p:timing>
-    <p:tnLst>
-      <p:par>
-        <p:cTn id="1" dur="indefinite" restart="never" nodeType="tmRoot"/>
-      </p:par>
-    </p:tnLst>
-  </p:timing>
-</p:sld>
-</file>
-
-<file path=ppt/slides/slide3.xml><?xml version="1.0" encoding="utf-8"?>
-<p:sld xmlns:a="http://schemas.openxmlformats.org/drawingml/2006/main" xmlns:r="http://schemas.openxmlformats.org/officeDocument/2006/relationships" xmlns:p="http://schemas.openxmlformats.org/presentationml/2006/main">
-  <p:cSld>
-    <p:spTree>
-      <p:nvGrpSpPr>
-        <p:cNvPr id="1" name=""/>
-        <p:cNvGrpSpPr/>
-        <p:nvPr/>
-      </p:nvGrpSpPr>
-      <p:grpSpPr>
-        <a:xfrm>
-          <a:off x="0" y="0"/>
-          <a:ext cx="0" cy="0"/>
-          <a:chOff x="0" y="0"/>
-          <a:chExt cx="0" cy="0"/>
-        </a:xfrm>
-      </p:grpSpPr>
-      <p:sp>
-        <p:nvSpPr>
-          <p:cNvPr id="6" name="Cloud 5"/>
+          <a:p>
+            <a:pPr algn="ctr"/>
+            <a:r>
+              <a:rPr lang="en-US" dirty="0">
+                <a:solidFill>
+                  <a:schemeClr val="tx1"/>
+                </a:solidFill>
+              </a:rPr>
+              <a:t>The user can book his parking slot when he is in queue </a:t>
+            </a:r>
+            <a:r>
+              <a:rPr lang="en-IN" altLang="en-US" dirty="0">
+                <a:solidFill>
+                  <a:schemeClr val="tx1"/>
+                </a:solidFill>
+              </a:rPr>
+              <a:t>and according to his queue number</a:t>
+            </a:r>
+            <a:endParaRPr lang="en-IN" altLang="en-US" dirty="0">
+              <a:solidFill>
+                <a:schemeClr val="tx1"/>
+              </a:solidFill>
+            </a:endParaRPr>
+          </a:p>
+        </p:txBody>
+      </p:sp>
+      <p:sp>
+        <p:nvSpPr>
+          <p:cNvPr id="3" name="Cloud 2"/>
           <p:cNvSpPr/>
           <p:nvPr/>
         </p:nvSpPr>
         <p:spPr>
           <a:xfrm>
-            <a:off x="-1" y="96982"/>
-            <a:ext cx="2460171" cy="2895600"/>
+            <a:off x="4215448" y="3732796"/>
+            <a:ext cx="3089564" cy="2840181"/>
           </a:xfrm>
           <a:prstGeom prst="cloud">
             <a:avLst/>
           </a:prstGeom>
           <a:solidFill>
-            <a:srgbClr val="DA8008"/>
+            <a:srgbClr val="AAAFEE"/>
           </a:solidFill>
         </p:spPr>
         <p:style>
@@ -4693,30 +5908,17 @@
         </p:style>
         <p:txBody>
           <a:bodyPr rtlCol="0" anchor="ctr"/>
-          <a:lstStyle/>
           <a:p>
             <a:pPr algn="ctr"/>
             <a:r>
-              <a:rPr lang="en-US" dirty="0" smtClean="0"/>
-              <a:t> </a:t>
-            </a:r>
-            <a:r>
-              <a:rPr lang="en-US" b="1" dirty="0" smtClean="0">
+              <a:rPr lang="en-US" b="1" dirty="0">
                 <a:solidFill>
                   <a:schemeClr val="tx1"/>
                 </a:solidFill>
               </a:rPr>
-              <a:t>BOOKING SYSTEM.</a:t>
-            </a:r>
-            <a:r>
-              <a:rPr lang="en-US" dirty="0" smtClean="0">
-                <a:solidFill>
-                  <a:schemeClr val="tx1"/>
-                </a:solidFill>
-              </a:rPr>
-              <a:t> </a:t>
-            </a:r>
-            <a:endParaRPr lang="en-US" dirty="0" smtClean="0">
+              <a:t> LIGHTING SYSTEM</a:t>
+            </a:r>
+            <a:endParaRPr lang="en-US" b="1" dirty="0">
               <a:solidFill>
                 <a:schemeClr val="tx1"/>
               </a:solidFill>
@@ -4725,40 +5927,69 @@
           <a:p>
             <a:pPr algn="ctr"/>
             <a:r>
-              <a:rPr lang="en-US" dirty="0" smtClean="0">
+              <a:rPr lang="en-US" dirty="0">
                 <a:solidFill>
                   <a:schemeClr val="tx1"/>
                 </a:solidFill>
               </a:rPr>
-              <a:t>(The user can book his parking slot when he is within 20 meters radius).</a:t>
-            </a:r>
-            <a:endParaRPr lang="en-US" dirty="0" smtClean="0">
+              <a:t>The color of the lights indicate the occupancy of the slot.</a:t>
+            </a:r>
+            <a:endParaRPr lang="en-US" dirty="0">
               <a:solidFill>
                 <a:schemeClr val="tx1"/>
               </a:solidFill>
             </a:endParaRPr>
           </a:p>
-        </p:txBody>
-      </p:sp>
-      <p:sp>
-        <p:nvSpPr>
-          <p:cNvPr id="7" name="Cloud 6"/>
+          <a:p>
+            <a:pPr algn="ctr"/>
+            <a:r>
+              <a:rPr lang="en-US" dirty="0">
+                <a:solidFill>
+                  <a:schemeClr val="tx1"/>
+                </a:solidFill>
+              </a:rPr>
+              <a:t>Red-Occupied.</a:t>
+            </a:r>
+            <a:endParaRPr lang="en-US" dirty="0">
+              <a:solidFill>
+                <a:schemeClr val="tx1"/>
+              </a:solidFill>
+            </a:endParaRPr>
+          </a:p>
+          <a:p>
+            <a:pPr algn="ctr"/>
+            <a:r>
+              <a:rPr lang="en-US" dirty="0">
+                <a:solidFill>
+                  <a:schemeClr val="tx1"/>
+                </a:solidFill>
+              </a:rPr>
+              <a:t>Green-Vacant</a:t>
+            </a:r>
+            <a:endParaRPr lang="en-US" dirty="0">
+              <a:solidFill>
+                <a:schemeClr val="tx1"/>
+              </a:solidFill>
+            </a:endParaRPr>
+          </a:p>
+        </p:txBody>
+      </p:sp>
+      <p:sp>
+        <p:nvSpPr>
+          <p:cNvPr id="4" name="Cloud 3"/>
           <p:cNvSpPr/>
           <p:nvPr/>
         </p:nvSpPr>
         <p:spPr>
           <a:xfrm>
-            <a:off x="3203971" y="4329544"/>
-            <a:ext cx="3089564" cy="2840181"/>
+            <a:off x="7650820" y="3492669"/>
+            <a:ext cx="3545500" cy="2591031"/>
           </a:xfrm>
           <a:prstGeom prst="cloud">
             <a:avLst/>
           </a:prstGeom>
           <a:solidFill>
-            <a:schemeClr val="tx2">
-              <a:lumMod val="40000"/>
-              <a:lumOff val="60000"/>
-            </a:schemeClr>
+            <a:srgbClr val="E46A81"/>
           </a:solidFill>
         </p:spPr>
         <p:style>
@@ -4779,16 +6010,15 @@
         </p:style>
         <p:txBody>
           <a:bodyPr rtlCol="0" anchor="ctr"/>
-          <a:lstStyle/>
           <a:p>
             <a:pPr algn="ctr"/>
             <a:r>
-              <a:rPr lang="en-US" b="1" dirty="0" smtClean="0">
+              <a:rPr lang="en-US" b="1" dirty="0">
                 <a:solidFill>
                   <a:schemeClr val="tx1"/>
                 </a:solidFill>
               </a:rPr>
-              <a:t> LIGHTING SYSTEM.</a:t>
+              <a:t>DIMING LIGHTS </a:t>
             </a:r>
             <a:endParaRPr lang="en-US" b="1" dirty="0">
               <a:solidFill>
@@ -4799,80 +6029,37 @@
           <a:p>
             <a:pPr algn="ctr"/>
             <a:r>
-              <a:rPr lang="en-US" dirty="0" smtClean="0">
+              <a:rPr lang="en-US" dirty="0">
                 <a:solidFill>
                   <a:schemeClr val="tx1"/>
                 </a:solidFill>
               </a:rPr>
-              <a:t>The color of the lights indicate the occupancy of the slot.</a:t>
-            </a:r>
-            <a:endParaRPr lang="en-US" dirty="0" smtClean="0">
+              <a:t>When no vehicles in motion are detected(using radar sensor), the lights will dim which saves energy</a:t>
+            </a:r>
+            <a:endParaRPr lang="en-US" dirty="0">
               <a:solidFill>
                 <a:schemeClr val="tx1"/>
               </a:solidFill>
             </a:endParaRPr>
           </a:p>
-          <a:p>
-            <a:pPr algn="ctr"/>
-            <a:r>
-              <a:rPr lang="en-US" dirty="0" smtClean="0">
-                <a:solidFill>
-                  <a:schemeClr val="tx1"/>
-                </a:solidFill>
-              </a:rPr>
-              <a:t>Red-Occupied.</a:t>
-            </a:r>
-            <a:endParaRPr lang="en-US" dirty="0" smtClean="0">
-              <a:solidFill>
-                <a:schemeClr val="tx1"/>
-              </a:solidFill>
-            </a:endParaRPr>
-          </a:p>
-          <a:p>
-            <a:pPr algn="ctr"/>
-            <a:r>
-              <a:rPr lang="en-US" dirty="0" smtClean="0">
-                <a:solidFill>
-                  <a:schemeClr val="tx1"/>
-                </a:solidFill>
-              </a:rPr>
-              <a:t>Green-Vacant.</a:t>
-            </a:r>
-            <a:endParaRPr lang="en-US" dirty="0" smtClean="0">
-              <a:solidFill>
-                <a:schemeClr val="tx1"/>
-              </a:solidFill>
-            </a:endParaRPr>
-          </a:p>
-          <a:p>
-            <a:pPr algn="ctr"/>
-            <a:endParaRPr lang="en-US" dirty="0" smtClean="0">
-              <a:solidFill>
-                <a:schemeClr val="tx1"/>
-              </a:solidFill>
-            </a:endParaRPr>
-          </a:p>
-        </p:txBody>
-      </p:sp>
-      <p:sp>
-        <p:nvSpPr>
-          <p:cNvPr id="8" name="Cloud 7"/>
+        </p:txBody>
+      </p:sp>
+      <p:sp>
+        <p:nvSpPr>
+          <p:cNvPr id="5" name="Cloud 4"/>
           <p:cNvSpPr/>
           <p:nvPr/>
         </p:nvSpPr>
         <p:spPr>
           <a:xfrm>
-            <a:off x="6366164" y="4294907"/>
-            <a:ext cx="2701636" cy="2895600"/>
+            <a:off x="598452" y="3730927"/>
+            <a:ext cx="3225403" cy="2840181"/>
           </a:xfrm>
           <a:prstGeom prst="cloud">
             <a:avLst/>
           </a:prstGeom>
           <a:solidFill>
-            <a:schemeClr val="tx2">
-              <a:lumMod val="40000"/>
-              <a:lumOff val="60000"/>
-            </a:schemeClr>
+            <a:srgbClr val="E46A81"/>
           </a:solidFill>
         </p:spPr>
         <p:style>
@@ -4893,18 +6080,21 @@
         </p:style>
         <p:txBody>
           <a:bodyPr rtlCol="0" anchor="ctr"/>
-          <a:lstStyle/>
           <a:p>
             <a:pPr algn="ctr"/>
             <a:r>
-              <a:rPr lang="en-US" b="1" dirty="0" smtClean="0">
+              <a:rPr lang="en-US" dirty="0"/>
+              <a:t> </a:t>
+            </a:r>
+            <a:r>
+              <a:rPr lang="en-US" b="1" dirty="0">
                 <a:solidFill>
                   <a:schemeClr val="tx1"/>
                 </a:solidFill>
               </a:rPr>
-              <a:t>DIMING LIGHTS </a:t>
-            </a:r>
-            <a:endParaRPr lang="en-US" b="1" dirty="0" smtClean="0">
+              <a:t>PARKING ALLOCATION</a:t>
+            </a:r>
+            <a:endParaRPr lang="en-US" b="1" dirty="0">
               <a:solidFill>
                 <a:schemeClr val="tx1"/>
               </a:solidFill>
@@ -4913,14 +6103,14 @@
           <a:p>
             <a:pPr algn="ctr"/>
             <a:r>
-              <a:rPr lang="en-US" dirty="0" smtClean="0">
+              <a:rPr lang="en-US" dirty="0">
                 <a:solidFill>
                   <a:schemeClr val="tx1"/>
                 </a:solidFill>
               </a:rPr>
-              <a:t>When no vehicles in motion are detected, the lights will dim which saves energy.</a:t>
-            </a:r>
-            <a:endParaRPr lang="en-US" dirty="0" smtClean="0">
+              <a:t>Every type of vehicle will have its own parking area. Electric cars will have slots with the charging segment</a:t>
+            </a:r>
+            <a:endParaRPr lang="en-US" dirty="0">
               <a:solidFill>
                 <a:schemeClr val="tx1"/>
               </a:solidFill>
@@ -4930,23 +6120,20 @@
       </p:sp>
       <p:sp>
         <p:nvSpPr>
-          <p:cNvPr id="9" name="Cloud 8"/>
+          <p:cNvPr id="13" name="Cloud 12"/>
           <p:cNvSpPr/>
           <p:nvPr/>
         </p:nvSpPr>
         <p:spPr>
           <a:xfrm>
-            <a:off x="-1" y="3422072"/>
-            <a:ext cx="3131127" cy="2895600"/>
+            <a:off x="8865393" y="265234"/>
+            <a:ext cx="3255817" cy="2975806"/>
           </a:xfrm>
           <a:prstGeom prst="cloud">
             <a:avLst/>
           </a:prstGeom>
           <a:solidFill>
-            <a:schemeClr val="tx2">
-              <a:lumMod val="40000"/>
-              <a:lumOff val="60000"/>
-            </a:schemeClr>
+            <a:srgbClr val="AAAFEE"/>
           </a:solidFill>
         </p:spPr>
         <p:style>
@@ -4967,22 +6154,21 @@
         </p:style>
         <p:txBody>
           <a:bodyPr rtlCol="0" anchor="ctr"/>
-          <a:lstStyle/>
           <a:p>
             <a:pPr algn="ctr"/>
             <a:r>
-              <a:rPr lang="en-US" dirty="0" smtClean="0"/>
+              <a:rPr lang="en-US" dirty="0"/>
               <a:t> </a:t>
             </a:r>
             <a:r>
-              <a:rPr lang="en-US" b="1" dirty="0" smtClean="0">
+              <a:rPr lang="en-US" b="1" dirty="0">
                 <a:solidFill>
                   <a:schemeClr val="tx1"/>
                 </a:solidFill>
               </a:rPr>
-              <a:t>PARKING ALLOCATION.</a:t>
-            </a:r>
-            <a:endParaRPr lang="en-US" b="1" dirty="0" smtClean="0">
+              <a:t>EASY ACCESS</a:t>
+            </a:r>
+            <a:endParaRPr lang="en-US" b="1" dirty="0">
               <a:solidFill>
                 <a:schemeClr val="tx1"/>
               </a:solidFill>
@@ -4991,14 +6177,14 @@
           <a:p>
             <a:pPr algn="ctr"/>
             <a:r>
-              <a:rPr lang="en-US" dirty="0" smtClean="0">
+              <a:rPr lang="en-US" dirty="0">
                 <a:solidFill>
                   <a:schemeClr val="tx1"/>
                 </a:solidFill>
               </a:rPr>
-              <a:t>Every type of vehicle will have its own parking area. Electric cars will have slots with the charging segment.</a:t>
-            </a:r>
-            <a:endParaRPr lang="en-US" dirty="0" smtClean="0">
+              <a:t>The user can locate his vehicle by entering the number plate details in the app and they will be provided by the shortest path</a:t>
+            </a:r>
+            <a:endParaRPr lang="en-US" dirty="0">
               <a:solidFill>
                 <a:schemeClr val="tx1"/>
               </a:solidFill>
@@ -5008,23 +6194,20 @@
       </p:sp>
       <p:sp>
         <p:nvSpPr>
-          <p:cNvPr id="10" name="Cloud 9"/>
+          <p:cNvPr id="15" name="Oval 14"/>
           <p:cNvSpPr/>
           <p:nvPr/>
         </p:nvSpPr>
         <p:spPr>
           <a:xfrm>
-            <a:off x="9387443" y="3117273"/>
-            <a:ext cx="2460171" cy="2895600"/>
+            <a:off x="3938559" y="401782"/>
+            <a:ext cx="3643745" cy="1143000"/>
           </a:xfrm>
-          <a:prstGeom prst="cloud">
+          <a:prstGeom prst="ellipse">
             <a:avLst/>
           </a:prstGeom>
           <a:solidFill>
-            <a:schemeClr val="tx2">
-              <a:lumMod val="40000"/>
-              <a:lumOff val="60000"/>
-            </a:schemeClr>
+            <a:srgbClr val="FFC000"/>
           </a:solidFill>
         </p:spPr>
         <p:style>
@@ -5045,34 +6228,17 @@
         </p:style>
         <p:txBody>
           <a:bodyPr rtlCol="0" anchor="ctr"/>
-          <a:lstStyle/>
           <a:p>
             <a:pPr algn="ctr"/>
             <a:r>
-              <a:rPr lang="en-US" b="1" dirty="0" smtClean="0">
+              <a:rPr lang="en-US" sz="2400" b="1" dirty="0">
                 <a:solidFill>
                   <a:schemeClr val="tx1"/>
                 </a:solidFill>
               </a:rPr>
-              <a:t>BEEP SYSTEM.</a:t>
-            </a:r>
-            <a:r>
-              <a:rPr lang="en-US" dirty="0" smtClean="0"/>
-              <a:t> </a:t>
-            </a:r>
-            <a:endParaRPr lang="en-US" dirty="0" smtClean="0"/>
-          </a:p>
-          <a:p>
-            <a:pPr algn="ctr"/>
-            <a:r>
-              <a:rPr lang="en-US" dirty="0" smtClean="0">
-                <a:solidFill>
-                  <a:schemeClr val="tx1"/>
-                </a:solidFill>
-              </a:rPr>
-              <a:t>If the car is  not parked properly (slanted), the beep system will indicate the same.</a:t>
-            </a:r>
-            <a:endParaRPr lang="en-US" dirty="0" smtClean="0">
+              <a:t>SHOWSTOPPERS</a:t>
+            </a:r>
+            <a:endParaRPr lang="en-US" sz="2400" b="1" dirty="0">
               <a:solidFill>
                 <a:schemeClr val="tx1"/>
               </a:solidFill>
@@ -5080,149 +6246,18 @@
           </a:p>
         </p:txBody>
       </p:sp>
-      <p:sp>
-        <p:nvSpPr>
-          <p:cNvPr id="11" name="Cloud 10"/>
-          <p:cNvSpPr/>
-          <p:nvPr/>
-        </p:nvSpPr>
-        <p:spPr>
-          <a:xfrm>
-            <a:off x="8272154" y="-152400"/>
-            <a:ext cx="3255817" cy="3394364"/>
-          </a:xfrm>
-          <a:prstGeom prst="cloud">
-            <a:avLst/>
-          </a:prstGeom>
-          <a:solidFill>
-            <a:schemeClr val="tx2">
-              <a:lumMod val="40000"/>
-              <a:lumOff val="60000"/>
-            </a:schemeClr>
-          </a:solidFill>
-        </p:spPr>
-        <p:style>
-          <a:lnRef idx="2">
-            <a:schemeClr val="accent1">
-              <a:shade val="50000"/>
-            </a:schemeClr>
-          </a:lnRef>
-          <a:fillRef idx="1">
-            <a:schemeClr val="accent1"/>
-          </a:fillRef>
-          <a:effectRef idx="0">
-            <a:schemeClr val="accent1"/>
-          </a:effectRef>
-          <a:fontRef idx="minor">
-            <a:schemeClr val="lt1"/>
-          </a:fontRef>
-        </p:style>
-        <p:txBody>
-          <a:bodyPr rtlCol="0" anchor="ctr"/>
-          <a:lstStyle/>
-          <a:p>
-            <a:pPr algn="ctr"/>
-            <a:r>
-              <a:rPr lang="en-US" dirty="0" smtClean="0"/>
-              <a:t> </a:t>
-            </a:r>
-            <a:r>
-              <a:rPr lang="en-US" b="1" dirty="0" smtClean="0">
-                <a:solidFill>
-                  <a:schemeClr val="tx1"/>
-                </a:solidFill>
-              </a:rPr>
-              <a:t>EASY ACCESS.</a:t>
-            </a:r>
-            <a:endParaRPr lang="en-US" b="1" dirty="0" smtClean="0">
-              <a:solidFill>
-                <a:schemeClr val="tx1"/>
-              </a:solidFill>
-            </a:endParaRPr>
-          </a:p>
-          <a:p>
-            <a:pPr algn="ctr"/>
-            <a:r>
-              <a:rPr lang="en-US" dirty="0" smtClean="0">
-                <a:solidFill>
-                  <a:schemeClr val="tx1"/>
-                </a:solidFill>
-              </a:rPr>
-              <a:t>At the exit, the user has to enter his car number plate(app or on site), and the system will provide the slot number where the car is parked.</a:t>
-            </a:r>
-            <a:endParaRPr lang="en-US" dirty="0" smtClean="0">
-              <a:solidFill>
-                <a:schemeClr val="tx1"/>
-              </a:solidFill>
-            </a:endParaRPr>
-          </a:p>
-        </p:txBody>
-      </p:sp>
-      <p:sp>
-        <p:nvSpPr>
-          <p:cNvPr id="12" name="Oval 11"/>
-          <p:cNvSpPr/>
-          <p:nvPr/>
-        </p:nvSpPr>
-        <p:spPr>
-          <a:xfrm>
-            <a:off x="3546764" y="401782"/>
-            <a:ext cx="3643745" cy="1143000"/>
-          </a:xfrm>
-          <a:prstGeom prst="ellipse">
-            <a:avLst/>
-          </a:prstGeom>
-        </p:spPr>
-        <p:style>
-          <a:lnRef idx="2">
-            <a:schemeClr val="accent1">
-              <a:shade val="50000"/>
-            </a:schemeClr>
-          </a:lnRef>
-          <a:fillRef idx="1">
-            <a:schemeClr val="accent1"/>
-          </a:fillRef>
-          <a:effectRef idx="0">
-            <a:schemeClr val="accent1"/>
-          </a:effectRef>
-          <a:fontRef idx="minor">
-            <a:schemeClr val="lt1"/>
-          </a:fontRef>
-        </p:style>
-        <p:txBody>
-          <a:bodyPr rtlCol="0" anchor="ctr"/>
-          <a:lstStyle/>
-          <a:p>
-            <a:pPr algn="ctr"/>
-            <a:r>
-              <a:rPr lang="en-US" b="1" dirty="0" smtClean="0">
-                <a:solidFill>
-                  <a:schemeClr val="tx1"/>
-                </a:solidFill>
-              </a:rPr>
-              <a:t>SHOWSTOPPERS</a:t>
-            </a:r>
-            <a:endParaRPr lang="en-US" b="1" dirty="0">
-              <a:solidFill>
-                <a:schemeClr val="tx1"/>
-              </a:solidFill>
-            </a:endParaRPr>
-          </a:p>
-        </p:txBody>
-      </p:sp>
       <p:cxnSp>
         <p:nvCxnSpPr>
-          <p:cNvPr id="14" name="Straight Arrow Connector 13"/>
+          <p:cNvPr id="16" name="Straight Arrow Connector 15"/>
           <p:cNvCxnSpPr>
-            <a:stCxn id="12" idx="2"/>
-            <a:endCxn id="6" idx="0"/>
+            <a:stCxn id="15" idx="2"/>
           </p:cNvCxnSpPr>
           <p:nvPr/>
         </p:nvCxnSpPr>
         <p:spPr>
           <a:xfrm flipH="1">
-            <a:off x="2458120" y="973282"/>
-            <a:ext cx="1088644" cy="571500"/>
+            <a:off x="3102610" y="973455"/>
+            <a:ext cx="835660" cy="293370"/>
           </a:xfrm>
           <a:prstGeom prst="straightConnector1">
             <a:avLst/>
@@ -5248,17 +6283,17 @@
       </p:cxnSp>
       <p:cxnSp>
         <p:nvCxnSpPr>
-          <p:cNvPr id="18" name="Straight Arrow Connector 17"/>
+          <p:cNvPr id="17" name="Straight Arrow Connector 16"/>
           <p:cNvCxnSpPr>
-            <a:stCxn id="12" idx="3"/>
-            <a:endCxn id="7" idx="3"/>
+            <a:stCxn id="15" idx="4"/>
+            <a:endCxn id="3" idx="3"/>
           </p:cNvCxnSpPr>
           <p:nvPr/>
         </p:nvCxnSpPr>
         <p:spPr>
           <a:xfrm>
-            <a:off x="4080378" y="1377394"/>
-            <a:ext cx="668375" cy="3114540"/>
+            <a:off x="5759797" y="1544782"/>
+            <a:ext cx="635" cy="2350135"/>
           </a:xfrm>
           <a:prstGeom prst="straightConnector1">
             <a:avLst/>
@@ -5284,17 +6319,17 @@
       </p:cxnSp>
       <p:cxnSp>
         <p:nvCxnSpPr>
-          <p:cNvPr id="20" name="Straight Arrow Connector 19"/>
+          <p:cNvPr id="19" name="Straight Arrow Connector 18"/>
           <p:cNvCxnSpPr>
-            <a:stCxn id="12" idx="5"/>
-            <a:endCxn id="8" idx="3"/>
+            <a:stCxn id="15" idx="5"/>
+            <a:endCxn id="4" idx="3"/>
           </p:cNvCxnSpPr>
           <p:nvPr/>
         </p:nvCxnSpPr>
         <p:spPr>
           <a:xfrm>
-            <a:off x="6656895" y="1377394"/>
-            <a:ext cx="1060087" cy="3083072"/>
+            <a:off x="7048690" y="1377394"/>
+            <a:ext cx="2375535" cy="2263140"/>
           </a:xfrm>
           <a:prstGeom prst="straightConnector1">
             <a:avLst/>
@@ -5320,16 +6355,17 @@
       </p:cxnSp>
       <p:cxnSp>
         <p:nvCxnSpPr>
-          <p:cNvPr id="22" name="Straight Arrow Connector 21"/>
+          <p:cNvPr id="21" name="Straight Arrow Connector 20"/>
           <p:cNvCxnSpPr>
-            <a:stCxn id="12" idx="5"/>
+            <a:stCxn id="15" idx="6"/>
+            <a:endCxn id="13" idx="2"/>
           </p:cNvCxnSpPr>
           <p:nvPr/>
         </p:nvCxnSpPr>
         <p:spPr>
           <a:xfrm>
-            <a:off x="6656895" y="1377394"/>
-            <a:ext cx="3013578" cy="2266351"/>
+            <a:off x="7581669" y="973282"/>
+            <a:ext cx="1293495" cy="779780"/>
           </a:xfrm>
           <a:prstGeom prst="straightConnector1">
             <a:avLst/>
@@ -5355,51 +6391,17 @@
       </p:cxnSp>
       <p:cxnSp>
         <p:nvCxnSpPr>
-          <p:cNvPr id="24" name="Straight Arrow Connector 23"/>
+          <p:cNvPr id="23" name="Straight Arrow Connector 22"/>
           <p:cNvCxnSpPr>
-            <a:stCxn id="12" idx="6"/>
-          </p:cNvCxnSpPr>
-          <p:nvPr/>
-        </p:nvCxnSpPr>
-        <p:spPr>
-          <a:xfrm flipV="1">
-            <a:off x="7190509" y="789709"/>
-            <a:ext cx="1357746" cy="183573"/>
-          </a:xfrm>
-          <a:prstGeom prst="straightConnector1">
-            <a:avLst/>
-          </a:prstGeom>
-          <a:ln>
-            <a:tailEnd type="arrow"/>
-          </a:ln>
-        </p:spPr>
-        <p:style>
-          <a:lnRef idx="1">
-            <a:schemeClr val="accent1"/>
-          </a:lnRef>
-          <a:fillRef idx="0">
-            <a:schemeClr val="accent1"/>
-          </a:fillRef>
-          <a:effectRef idx="0">
-            <a:schemeClr val="accent1"/>
-          </a:effectRef>
-          <a:fontRef idx="minor">
-            <a:schemeClr val="tx1"/>
-          </a:fontRef>
-        </p:style>
-      </p:cxnSp>
-      <p:cxnSp>
-        <p:nvCxnSpPr>
-          <p:cNvPr id="29" name="Straight Arrow Connector 28"/>
-          <p:cNvCxnSpPr>
-            <a:stCxn id="12" idx="3"/>
+            <a:stCxn id="15" idx="3"/>
+            <a:endCxn id="5" idx="3"/>
           </p:cNvCxnSpPr>
           <p:nvPr/>
         </p:nvCxnSpPr>
         <p:spPr>
           <a:xfrm flipH="1">
-            <a:off x="2632364" y="1377394"/>
-            <a:ext cx="1448014" cy="2141661"/>
+            <a:off x="2210938" y="1377394"/>
+            <a:ext cx="2260600" cy="2515870"/>
           </a:xfrm>
           <a:prstGeom prst="straightConnector1">
             <a:avLst/>
@@ -5435,1355 +6437,6 @@
       </p:par>
     </p:tnLst>
   </p:timing>
-</p:sld>
-</file>
-
-<file path=ppt/slides/slide4.xml><?xml version="1.0" encoding="utf-8"?>
-<p:sld xmlns:a="http://schemas.openxmlformats.org/drawingml/2006/main" xmlns:r="http://schemas.openxmlformats.org/officeDocument/2006/relationships" xmlns:p="http://schemas.openxmlformats.org/presentationml/2006/main">
-  <p:cSld>
-    <p:spTree>
-      <p:nvGrpSpPr>
-        <p:cNvPr id="1" name=""/>
-        <p:cNvGrpSpPr/>
-        <p:nvPr/>
-      </p:nvGrpSpPr>
-      <p:grpSpPr>
-        <a:xfrm>
-          <a:off x="0" y="0"/>
-          <a:ext cx="0" cy="0"/>
-          <a:chOff x="0" y="0"/>
-          <a:chExt cx="0" cy="0"/>
-        </a:xfrm>
-      </p:grpSpPr>
-      <p:sp>
-        <p:nvSpPr>
-          <p:cNvPr id="4" name="TextBox 3"/>
-          <p:cNvSpPr txBox="1"/>
-          <p:nvPr/>
-        </p:nvSpPr>
-        <p:spPr>
-          <a:xfrm>
-            <a:off x="0" y="0"/>
-            <a:ext cx="6165273" cy="369332"/>
-          </a:xfrm>
-          <a:prstGeom prst="rect">
-            <a:avLst/>
-          </a:prstGeom>
-          <a:solidFill>
-            <a:schemeClr val="tx1"/>
-          </a:solidFill>
-        </p:spPr>
-        <p:txBody>
-          <a:bodyPr wrap="square" rtlCol="0">
-            <a:spAutoFit/>
-          </a:bodyPr>
-          <a:lstStyle/>
-          <a:p>
-            <a:r>
-              <a:rPr lang="en-US" b="1" dirty="0" smtClean="0">
-                <a:solidFill>
-                  <a:schemeClr val="bg1"/>
-                </a:solidFill>
-              </a:rPr>
-              <a:t>REGISTERED USERS BENEFITS:</a:t>
-            </a:r>
-            <a:endParaRPr lang="en-US" b="1" dirty="0">
-              <a:solidFill>
-                <a:schemeClr val="bg1"/>
-              </a:solidFill>
-            </a:endParaRPr>
-          </a:p>
-        </p:txBody>
-      </p:sp>
-      <p:sp>
-        <p:nvSpPr>
-          <p:cNvPr id="5" name="TextBox 4"/>
-          <p:cNvSpPr txBox="1"/>
-          <p:nvPr/>
-        </p:nvSpPr>
-        <p:spPr>
-          <a:xfrm>
-            <a:off x="0" y="369332"/>
-            <a:ext cx="6137564" cy="3139321"/>
-          </a:xfrm>
-          <a:prstGeom prst="rect">
-            <a:avLst/>
-          </a:prstGeom>
-          <a:noFill/>
-        </p:spPr>
-        <p:txBody>
-          <a:bodyPr wrap="square" rtlCol="0">
-            <a:spAutoFit/>
-          </a:bodyPr>
-          <a:lstStyle/>
-          <a:p>
-            <a:pPr marL="285750" indent="-285750">
-              <a:buFont typeface="Wingdings" panose="05000000000000000000" pitchFamily="2" charset="2"/>
-              <a:buChar char="q"/>
-            </a:pPr>
-            <a:r>
-              <a:rPr lang="en-US" dirty="0" smtClean="0"/>
-              <a:t>Fixed parking spot.</a:t>
-            </a:r>
-            <a:endParaRPr lang="en-US" dirty="0" smtClean="0"/>
-          </a:p>
-          <a:p>
-            <a:pPr marL="285750" indent="-285750">
-              <a:buFont typeface="Wingdings" panose="05000000000000000000" pitchFamily="2" charset="2"/>
-              <a:buChar char="q"/>
-            </a:pPr>
-            <a:endParaRPr lang="en-US" dirty="0" smtClean="0"/>
-          </a:p>
-          <a:p>
-            <a:pPr marL="285750" indent="-285750">
-              <a:buFont typeface="Wingdings" panose="05000000000000000000" pitchFamily="2" charset="2"/>
-              <a:buChar char="q"/>
-            </a:pPr>
-            <a:r>
-              <a:rPr lang="en-US" dirty="0" smtClean="0"/>
-              <a:t>Monthly payment. (For the time, the parking slot was used)</a:t>
-            </a:r>
-            <a:endParaRPr lang="en-US" dirty="0" smtClean="0"/>
-          </a:p>
-          <a:p>
-            <a:pPr marL="285750" indent="-285750">
-              <a:buFont typeface="Wingdings" panose="05000000000000000000" pitchFamily="2" charset="2"/>
-              <a:buChar char="q"/>
-            </a:pPr>
-            <a:endParaRPr lang="en-US" dirty="0" smtClean="0"/>
-          </a:p>
-          <a:p>
-            <a:pPr marL="285750" indent="-285750">
-              <a:buFont typeface="Wingdings" panose="05000000000000000000" pitchFamily="2" charset="2"/>
-              <a:buChar char="q"/>
-            </a:pPr>
-            <a:r>
-              <a:rPr lang="en-US" dirty="0" smtClean="0"/>
-              <a:t>Net banking. (Automatically money deducted).</a:t>
-            </a:r>
-            <a:endParaRPr lang="en-US" dirty="0" smtClean="0"/>
-          </a:p>
-          <a:p>
-            <a:pPr marL="285750" indent="-285750">
-              <a:buFont typeface="Wingdings" panose="05000000000000000000" pitchFamily="2" charset="2"/>
-              <a:buChar char="q"/>
-            </a:pPr>
-            <a:endParaRPr lang="en-US" dirty="0"/>
-          </a:p>
-          <a:p>
-            <a:pPr marL="285750" indent="-285750">
-              <a:buFont typeface="Wingdings" panose="05000000000000000000" pitchFamily="2" charset="2"/>
-              <a:buChar char="q"/>
-            </a:pPr>
-            <a:r>
-              <a:rPr lang="en-US" dirty="0" smtClean="0"/>
-              <a:t>All the visit details (entry and exit time) will be visible to him at all times.</a:t>
-            </a:r>
-            <a:endParaRPr lang="en-US" dirty="0" smtClean="0"/>
-          </a:p>
-          <a:p>
-            <a:pPr marL="285750" indent="-285750">
-              <a:buFont typeface="Wingdings" panose="05000000000000000000" pitchFamily="2" charset="2"/>
-              <a:buChar char="q"/>
-            </a:pPr>
-            <a:endParaRPr lang="en-US" dirty="0"/>
-          </a:p>
-          <a:p>
-            <a:pPr marL="285750" indent="-285750">
-              <a:buFont typeface="Wingdings" panose="05000000000000000000" pitchFamily="2" charset="2"/>
-              <a:buChar char="q"/>
-            </a:pPr>
-            <a:r>
-              <a:rPr lang="en-US" dirty="0" smtClean="0"/>
-              <a:t> If his slot gets occupied by someone else, the admin will be notified immediately.</a:t>
-            </a:r>
-            <a:endParaRPr lang="en-US" dirty="0" smtClean="0"/>
-          </a:p>
-        </p:txBody>
-      </p:sp>
-      <p:sp>
-        <p:nvSpPr>
-          <p:cNvPr id="10" name="TextBox 9"/>
-          <p:cNvSpPr txBox="1"/>
-          <p:nvPr/>
-        </p:nvSpPr>
-        <p:spPr>
-          <a:xfrm>
-            <a:off x="0" y="3508653"/>
-            <a:ext cx="7038109" cy="3139321"/>
-          </a:xfrm>
-          <a:prstGeom prst="rect">
-            <a:avLst/>
-          </a:prstGeom>
-          <a:noFill/>
-        </p:spPr>
-        <p:txBody>
-          <a:bodyPr wrap="square" rtlCol="0">
-            <a:spAutoFit/>
-          </a:bodyPr>
-          <a:lstStyle/>
-          <a:p>
-            <a:pPr algn="ctr"/>
-            <a:r>
-              <a:rPr lang="en-IN" b="1" dirty="0" smtClean="0">
-                <a:latin typeface="Calibri" panose="020F0502020204030204" pitchFamily="34" charset="0"/>
-                <a:cs typeface="Calibri" panose="020F0502020204030204" pitchFamily="34" charset="0"/>
-                <a:sym typeface="+mn-ea"/>
-              </a:rPr>
-              <a:t>Technology Stack</a:t>
-            </a:r>
-            <a:endParaRPr lang="en-IN" b="1" dirty="0" smtClean="0">
-              <a:latin typeface="Calibri" panose="020F0502020204030204" pitchFamily="34" charset="0"/>
-              <a:cs typeface="Calibri" panose="020F0502020204030204" pitchFamily="34" charset="0"/>
-              <a:sym typeface="+mn-ea"/>
-            </a:endParaRPr>
-          </a:p>
-          <a:p>
-            <a:r>
-              <a:rPr lang="en-IN" b="1" dirty="0" smtClean="0">
-                <a:latin typeface="Calibri" panose="020F0502020204030204" pitchFamily="34" charset="0"/>
-                <a:cs typeface="Calibri" panose="020F0502020204030204" pitchFamily="34" charset="0"/>
-                <a:sym typeface="+mn-ea"/>
-              </a:rPr>
-              <a:t>Modern </a:t>
-            </a:r>
-            <a:r>
-              <a:rPr lang="en-IN" b="1" dirty="0">
-                <a:latin typeface="Calibri" panose="020F0502020204030204" pitchFamily="34" charset="0"/>
-                <a:cs typeface="Calibri" panose="020F0502020204030204" pitchFamily="34" charset="0"/>
-                <a:sym typeface="+mn-ea"/>
-              </a:rPr>
-              <a:t>Technology </a:t>
-            </a:r>
-            <a:r>
-              <a:rPr lang="en-IN" dirty="0">
-                <a:latin typeface="Calibri" panose="020F0502020204030204" pitchFamily="34" charset="0"/>
-                <a:cs typeface="Calibri" panose="020F0502020204030204" pitchFamily="34" charset="0"/>
-                <a:sym typeface="+mn-ea"/>
-              </a:rPr>
-              <a:t>:- </a:t>
-            </a:r>
-            <a:r>
-              <a:rPr lang="en-IN" dirty="0" smtClean="0">
-                <a:latin typeface="Calibri" panose="020F0502020204030204" pitchFamily="34" charset="0"/>
-                <a:cs typeface="Calibri" panose="020F0502020204030204" pitchFamily="34" charset="0"/>
-                <a:sym typeface="+mn-ea"/>
-              </a:rPr>
-              <a:t> </a:t>
-            </a:r>
-            <a:r>
-              <a:rPr lang="en-IN" dirty="0">
-                <a:latin typeface="Calibri" panose="020F0502020204030204" pitchFamily="34" charset="0"/>
-                <a:cs typeface="Calibri" panose="020F0502020204030204" pitchFamily="34" charset="0"/>
-                <a:sym typeface="+mn-ea"/>
-              </a:rPr>
-              <a:t>Data </a:t>
-            </a:r>
-            <a:r>
-              <a:rPr lang="en-IN" dirty="0" err="1" smtClean="0">
-                <a:latin typeface="Calibri" panose="020F0502020204030204" pitchFamily="34" charset="0"/>
-                <a:cs typeface="Calibri" panose="020F0502020204030204" pitchFamily="34" charset="0"/>
-                <a:sym typeface="+mn-ea"/>
-              </a:rPr>
-              <a:t>Preprocessing</a:t>
-            </a:r>
-            <a:r>
-              <a:rPr lang="en-IN" dirty="0" smtClean="0">
-                <a:latin typeface="Calibri" panose="020F0502020204030204" pitchFamily="34" charset="0"/>
-                <a:cs typeface="Calibri" panose="020F0502020204030204" pitchFamily="34" charset="0"/>
-                <a:sym typeface="+mn-ea"/>
-              </a:rPr>
-              <a:t>, </a:t>
-            </a:r>
-            <a:r>
-              <a:rPr lang="en-IN" dirty="0">
-                <a:latin typeface="Calibri" panose="020F0502020204030204" pitchFamily="34" charset="0"/>
-                <a:cs typeface="Calibri" panose="020F0502020204030204" pitchFamily="34" charset="0"/>
-                <a:sym typeface="+mn-ea"/>
-              </a:rPr>
-              <a:t>Visualization, Machine </a:t>
-            </a:r>
-            <a:r>
-              <a:rPr lang="en-IN" dirty="0" smtClean="0">
-                <a:latin typeface="Calibri" panose="020F0502020204030204" pitchFamily="34" charset="0"/>
-                <a:cs typeface="Calibri" panose="020F0502020204030204" pitchFamily="34" charset="0"/>
-                <a:sym typeface="+mn-ea"/>
-              </a:rPr>
-              <a:t>learning and Deep learning, Cloud Computing.</a:t>
-            </a:r>
-            <a:endParaRPr lang="en-IN" dirty="0"/>
-          </a:p>
-          <a:p>
-            <a:r>
-              <a:rPr lang="en-IN" b="1" dirty="0"/>
-              <a:t>Mobile Development </a:t>
-            </a:r>
-            <a:r>
-              <a:rPr lang="en-IN" dirty="0"/>
-              <a:t>:-Android Studio, Android SDK and Jellybean version and above.</a:t>
-            </a:r>
-            <a:endParaRPr lang="en-IN" dirty="0"/>
-          </a:p>
-          <a:p>
-            <a:r>
-              <a:rPr lang="en-IN" b="1" dirty="0">
-                <a:effectLst>
-                  <a:outerShdw blurRad="38100" dist="19050" dir="2700000" algn="tl" rotWithShape="0">
-                    <a:schemeClr val="dk1">
-                      <a:alpha val="40000"/>
-                    </a:schemeClr>
-                  </a:outerShdw>
-                </a:effectLst>
-                <a:sym typeface="+mn-ea"/>
-              </a:rPr>
-              <a:t>Web Technology </a:t>
-            </a:r>
-            <a:r>
-              <a:rPr lang="en-IN" dirty="0">
-                <a:ln w="12700">
-                  <a:solidFill>
-                    <a:schemeClr val="accent3">
-                      <a:lumMod val="50000"/>
-                    </a:schemeClr>
-                  </a:solidFill>
-                  <a:prstDash val="solid"/>
-                </a:ln>
-                <a:pattFill prst="narHorz">
-                  <a:fgClr>
-                    <a:schemeClr val="accent3"/>
-                  </a:fgClr>
-                  <a:bgClr>
-                    <a:schemeClr val="accent3">
-                      <a:lumMod val="40000"/>
-                      <a:lumOff val="60000"/>
-                    </a:schemeClr>
-                  </a:bgClr>
-                </a:pattFill>
-                <a:effectLst>
-                  <a:innerShdw blurRad="177800">
-                    <a:schemeClr val="accent3">
-                      <a:lumMod val="50000"/>
-                    </a:schemeClr>
-                  </a:innerShdw>
-                </a:effectLst>
-                <a:sym typeface="+mn-ea"/>
-              </a:rPr>
-              <a:t>:</a:t>
-            </a:r>
-            <a:r>
-              <a:rPr lang="en-IN" dirty="0">
-                <a:sym typeface="+mn-ea"/>
-              </a:rPr>
-              <a:t> - HTML, CSS, JavaScript, AJAX, Bootstrap , </a:t>
-            </a:r>
-            <a:r>
-              <a:rPr lang="en-IN" dirty="0" err="1">
-                <a:sym typeface="+mn-ea"/>
-              </a:rPr>
-              <a:t>Django</a:t>
-            </a:r>
-            <a:r>
-              <a:rPr lang="en-IN" dirty="0">
-                <a:sym typeface="+mn-ea"/>
-              </a:rPr>
-              <a:t> and </a:t>
-            </a:r>
-            <a:r>
-              <a:rPr lang="en-IN" dirty="0" err="1">
-                <a:sym typeface="+mn-ea"/>
-              </a:rPr>
-              <a:t>nodeJS</a:t>
-            </a:r>
-            <a:r>
-              <a:rPr lang="en-IN" dirty="0">
-                <a:sym typeface="+mn-ea"/>
-              </a:rPr>
-              <a:t>  .</a:t>
-            </a:r>
-            <a:endParaRPr lang="en-IN" dirty="0">
-              <a:sym typeface="+mn-ea"/>
-            </a:endParaRPr>
-          </a:p>
-          <a:p>
-            <a:r>
-              <a:rPr lang="en-IN" b="1" dirty="0">
-                <a:latin typeface="Calibri" panose="020F0502020204030204" pitchFamily="34" charset="0"/>
-                <a:cs typeface="Calibri" panose="020F0502020204030204" pitchFamily="34" charset="0"/>
-              </a:rPr>
-              <a:t>Backend Development</a:t>
-            </a:r>
-            <a:r>
-              <a:rPr lang="en-IN" dirty="0">
-                <a:latin typeface="Calibri" panose="020F0502020204030204" pitchFamily="34" charset="0"/>
-                <a:cs typeface="Calibri" panose="020F0502020204030204" pitchFamily="34" charset="0"/>
-              </a:rPr>
-              <a:t> </a:t>
-            </a:r>
-            <a:r>
-              <a:rPr lang="en-IN" dirty="0" smtClean="0">
-                <a:latin typeface="Calibri" panose="020F0502020204030204" pitchFamily="34" charset="0"/>
-                <a:cs typeface="Calibri" panose="020F0502020204030204" pitchFamily="34" charset="0"/>
-              </a:rPr>
-              <a:t>:- </a:t>
-            </a:r>
-            <a:r>
-              <a:rPr lang="en-IN" dirty="0" err="1" smtClean="0">
-                <a:latin typeface="Calibri" panose="020F0502020204030204" pitchFamily="34" charset="0"/>
-                <a:cs typeface="Calibri" panose="020F0502020204030204" pitchFamily="34" charset="0"/>
-              </a:rPr>
-              <a:t>Firestore</a:t>
-            </a:r>
-            <a:r>
-              <a:rPr lang="en-IN" dirty="0" smtClean="0">
-                <a:latin typeface="Calibri" panose="020F0502020204030204" pitchFamily="34" charset="0"/>
-                <a:cs typeface="Calibri" panose="020F0502020204030204" pitchFamily="34" charset="0"/>
-              </a:rPr>
-              <a:t> </a:t>
-            </a:r>
-            <a:r>
-              <a:rPr lang="en-IN" dirty="0">
-                <a:latin typeface="Calibri" panose="020F0502020204030204" pitchFamily="34" charset="0"/>
-                <a:cs typeface="Calibri" panose="020F0502020204030204" pitchFamily="34" charset="0"/>
-              </a:rPr>
-              <a:t>and Firebase.</a:t>
-            </a:r>
-            <a:endParaRPr lang="en-IN" dirty="0">
-              <a:latin typeface="Calibri" panose="020F0502020204030204" pitchFamily="34" charset="0"/>
-              <a:cs typeface="Calibri" panose="020F0502020204030204" pitchFamily="34" charset="0"/>
-            </a:endParaRPr>
-          </a:p>
-          <a:p>
-            <a:r>
-              <a:rPr lang="en-IN" b="1" dirty="0" smtClean="0">
-                <a:effectLst>
-                  <a:outerShdw blurRad="38100" dist="19050" dir="2700000" algn="tl" rotWithShape="0">
-                    <a:schemeClr val="dk1">
-                      <a:alpha val="40000"/>
-                    </a:schemeClr>
-                  </a:outerShdw>
-                </a:effectLst>
-                <a:sym typeface="+mn-ea"/>
-              </a:rPr>
-              <a:t>Hardware Components </a:t>
-            </a:r>
-            <a:r>
-              <a:rPr lang="en-IN" dirty="0" smtClean="0">
-                <a:effectLst>
-                  <a:outerShdw blurRad="38100" dist="19050" dir="2700000" algn="tl" rotWithShape="0">
-                    <a:schemeClr val="dk1">
-                      <a:alpha val="40000"/>
-                    </a:schemeClr>
-                  </a:outerShdw>
-                </a:effectLst>
-                <a:sym typeface="+mn-ea"/>
-              </a:rPr>
-              <a:t>:- </a:t>
-            </a:r>
-            <a:r>
-              <a:rPr lang="en-IN" b="1" dirty="0" smtClean="0">
-                <a:effectLst>
-                  <a:outerShdw blurRad="38100" dist="19050" dir="2700000" algn="tl" rotWithShape="0">
-                    <a:schemeClr val="dk1">
-                      <a:alpha val="40000"/>
-                    </a:schemeClr>
-                  </a:outerShdw>
-                </a:effectLst>
-                <a:sym typeface="+mn-ea"/>
-              </a:rPr>
-              <a:t> </a:t>
-            </a:r>
-            <a:r>
-              <a:rPr lang="en-IN" dirty="0" smtClean="0">
-                <a:effectLst>
-                  <a:outerShdw blurRad="38100" dist="19050" dir="2700000" algn="tl" rotWithShape="0">
-                    <a:schemeClr val="dk1">
-                      <a:alpha val="40000"/>
-                    </a:schemeClr>
-                  </a:outerShdw>
-                </a:effectLst>
-                <a:sym typeface="+mn-ea"/>
-              </a:rPr>
-              <a:t>Raspberry pi 4,RFID,Sensors,Servo motors , Camera , LCD , BULB ,</a:t>
-            </a:r>
-            <a:r>
-              <a:rPr lang="en-IN" dirty="0" err="1" smtClean="0">
-                <a:effectLst>
-                  <a:outerShdw blurRad="38100" dist="19050" dir="2700000" algn="tl" rotWithShape="0">
-                    <a:schemeClr val="dk1">
-                      <a:alpha val="40000"/>
-                    </a:schemeClr>
-                  </a:outerShdw>
-                </a:effectLst>
-                <a:sym typeface="+mn-ea"/>
-              </a:rPr>
-              <a:t>etc</a:t>
-            </a:r>
-            <a:r>
-              <a:rPr lang="en-IN" dirty="0" smtClean="0">
-                <a:effectLst>
-                  <a:outerShdw blurRad="38100" dist="19050" dir="2700000" algn="tl" rotWithShape="0">
-                    <a:schemeClr val="dk1">
-                      <a:alpha val="40000"/>
-                    </a:schemeClr>
-                  </a:outerShdw>
-                </a:effectLst>
-                <a:sym typeface="+mn-ea"/>
-              </a:rPr>
-              <a:t> . </a:t>
-            </a:r>
-            <a:endParaRPr lang="en-IN" u="sng" dirty="0"/>
-          </a:p>
-          <a:p>
-            <a:endParaRPr lang="en-US" dirty="0"/>
-          </a:p>
-        </p:txBody>
-      </p:sp>
-      <p:sp>
-        <p:nvSpPr>
-          <p:cNvPr id="11" name="TextBox 10"/>
-          <p:cNvSpPr txBox="1"/>
-          <p:nvPr/>
-        </p:nvSpPr>
-        <p:spPr>
-          <a:xfrm>
-            <a:off x="6857999" y="498764"/>
-            <a:ext cx="4807527" cy="2308324"/>
-          </a:xfrm>
-          <a:prstGeom prst="rect">
-            <a:avLst/>
-          </a:prstGeom>
-          <a:noFill/>
-        </p:spPr>
-        <p:txBody>
-          <a:bodyPr wrap="square" rtlCol="0">
-            <a:spAutoFit/>
-          </a:bodyPr>
-          <a:lstStyle/>
-          <a:p>
-            <a:pPr algn="ctr"/>
-            <a:r>
-              <a:rPr lang="en-US" dirty="0" smtClean="0"/>
-              <a:t>Dependencies</a:t>
-            </a:r>
-            <a:endParaRPr lang="en-US" dirty="0" smtClean="0"/>
-          </a:p>
-          <a:p>
-            <a:pPr marL="285750" indent="-285750">
-              <a:buFont typeface="Wingdings" panose="05000000000000000000" charset="0"/>
-              <a:buChar char="§"/>
-            </a:pPr>
-            <a:r>
-              <a:rPr lang="en-IN" dirty="0">
-                <a:sym typeface="+mn-ea"/>
-              </a:rPr>
-              <a:t>This application can be installed in all devices having </a:t>
-            </a:r>
-            <a:r>
-              <a:rPr lang="en-IN" b="1" dirty="0">
-                <a:sym typeface="+mn-ea"/>
-              </a:rPr>
-              <a:t>Android version Jellybean and higher</a:t>
-            </a:r>
-            <a:r>
-              <a:rPr lang="en-IN" dirty="0">
-                <a:sym typeface="+mn-ea"/>
-              </a:rPr>
-              <a:t>.</a:t>
-            </a:r>
-            <a:endParaRPr lang="en-IN" dirty="0"/>
-          </a:p>
-          <a:p>
-            <a:pPr marL="285750" indent="-285750">
-              <a:buFont typeface="Wingdings" panose="05000000000000000000" charset="0"/>
-              <a:buChar char="§"/>
-            </a:pPr>
-            <a:r>
-              <a:rPr lang="en-IN" dirty="0">
-                <a:sym typeface="+mn-ea"/>
-              </a:rPr>
-              <a:t>An </a:t>
-            </a:r>
-            <a:r>
-              <a:rPr lang="en-IN" b="1" dirty="0">
-                <a:sym typeface="+mn-ea"/>
-              </a:rPr>
-              <a:t>online portal</a:t>
-            </a:r>
-            <a:r>
-              <a:rPr lang="en-IN" dirty="0">
-                <a:sym typeface="+mn-ea"/>
-              </a:rPr>
-              <a:t> generated shall require IE v9 or higher, Google Chrome, Mozilla Firefox, or any other </a:t>
-            </a:r>
-            <a:r>
-              <a:rPr lang="en-IN" b="1" dirty="0">
-                <a:sym typeface="+mn-ea"/>
-              </a:rPr>
-              <a:t>web </a:t>
-            </a:r>
-            <a:r>
-              <a:rPr lang="en-IN" b="1" dirty="0" smtClean="0">
-                <a:sym typeface="+mn-ea"/>
-              </a:rPr>
-              <a:t>browser</a:t>
-            </a:r>
-            <a:endParaRPr lang="en-IN" b="1" dirty="0" smtClean="0">
-              <a:sym typeface="+mn-ea"/>
-            </a:endParaRPr>
-          </a:p>
-          <a:p>
-            <a:pPr marL="285750" indent="-285750">
-              <a:buFont typeface="Wingdings" panose="05000000000000000000" charset="0"/>
-              <a:buChar char="§"/>
-            </a:pPr>
-            <a:r>
-              <a:rPr lang="en-IN" b="1" dirty="0" smtClean="0">
-                <a:sym typeface="+mn-ea"/>
-              </a:rPr>
-              <a:t>Hardware components and their installation and power supply. </a:t>
-            </a:r>
-            <a:endParaRPr lang="en-US" dirty="0"/>
-          </a:p>
-        </p:txBody>
-      </p:sp>
-      <p:sp>
-        <p:nvSpPr>
-          <p:cNvPr id="12" name="TextBox 11"/>
-          <p:cNvSpPr txBox="1"/>
-          <p:nvPr/>
-        </p:nvSpPr>
-        <p:spPr>
-          <a:xfrm>
-            <a:off x="7162800" y="3186545"/>
-            <a:ext cx="4156364" cy="369332"/>
-          </a:xfrm>
-          <a:prstGeom prst="rect">
-            <a:avLst/>
-          </a:prstGeom>
-          <a:noFill/>
-        </p:spPr>
-        <p:txBody>
-          <a:bodyPr wrap="square" rtlCol="0">
-            <a:spAutoFit/>
-          </a:bodyPr>
-          <a:lstStyle/>
-          <a:p>
-            <a:pPr algn="ctr"/>
-            <a:r>
-              <a:rPr lang="en-US" dirty="0" smtClean="0"/>
-              <a:t>Conventional v/s S-Park</a:t>
-            </a:r>
-            <a:endParaRPr lang="en-US" dirty="0"/>
-          </a:p>
-        </p:txBody>
-      </p:sp>
-    </p:spTree>
-  </p:cSld>
-  <p:clrMapOvr>
-    <a:masterClrMapping/>
-  </p:clrMapOvr>
-  <p:timing>
-    <p:tnLst>
-      <p:par>
-        <p:cTn id="1" dur="indefinite" restart="never" nodeType="tmRoot"/>
-      </p:par>
-    </p:tnLst>
-  </p:timing>
-</p:sld>
-</file>
-
-<file path=ppt/slides/slide5.xml><?xml version="1.0" encoding="utf-8"?>
-<p:sld xmlns:a="http://schemas.openxmlformats.org/drawingml/2006/main" xmlns:r="http://schemas.openxmlformats.org/officeDocument/2006/relationships" xmlns:p="http://schemas.openxmlformats.org/presentationml/2006/main">
-  <p:cSld>
-    <p:spTree>
-      <p:nvGrpSpPr>
-        <p:cNvPr id="1" name=""/>
-        <p:cNvGrpSpPr/>
-        <p:nvPr/>
-      </p:nvGrpSpPr>
-      <p:grpSpPr>
-        <a:xfrm>
-          <a:off x="0" y="0"/>
-          <a:ext cx="0" cy="0"/>
-          <a:chOff x="0" y="0"/>
-          <a:chExt cx="0" cy="0"/>
-        </a:xfrm>
-      </p:grpSpPr>
-      <p:sp>
-        <p:nvSpPr>
-          <p:cNvPr id="4" name="TextBox 3"/>
-          <p:cNvSpPr txBox="1"/>
-          <p:nvPr/>
-        </p:nvSpPr>
-        <p:spPr>
-          <a:xfrm>
-            <a:off x="0" y="109182"/>
-            <a:ext cx="6182436" cy="1477328"/>
-          </a:xfrm>
-          <a:prstGeom prst="rect">
-            <a:avLst/>
-          </a:prstGeom>
-          <a:noFill/>
-        </p:spPr>
-        <p:txBody>
-          <a:bodyPr wrap="square" rtlCol="0">
-            <a:spAutoFit/>
-          </a:bodyPr>
-          <a:lstStyle/>
-          <a:p>
-            <a:pPr algn="ctr"/>
-            <a:r>
-              <a:rPr lang="en-US" b="1" dirty="0" smtClean="0"/>
-              <a:t>DATA COLLECTION</a:t>
-            </a:r>
-            <a:endParaRPr lang="en-US" b="1" dirty="0" smtClean="0"/>
-          </a:p>
-          <a:p>
-            <a:pPr marL="285750" indent="-285750">
-              <a:buFont typeface="Wingdings" panose="05000000000000000000" pitchFamily="2" charset="2"/>
-              <a:buChar char="q"/>
-            </a:pPr>
-            <a:r>
-              <a:rPr lang="en-US" dirty="0" smtClean="0"/>
-              <a:t>At </a:t>
-            </a:r>
-            <a:r>
-              <a:rPr lang="en-US" dirty="0"/>
-              <a:t>the gate, the number plate and the entry-exit time is saved to the database using camera module. </a:t>
-            </a:r>
-            <a:endParaRPr lang="en-US" dirty="0" smtClean="0"/>
-          </a:p>
-          <a:p>
-            <a:pPr marL="285750" indent="-285750">
-              <a:buFont typeface="Wingdings" panose="05000000000000000000" pitchFamily="2" charset="2"/>
-              <a:buChar char="q"/>
-            </a:pPr>
-            <a:r>
-              <a:rPr lang="en-US" dirty="0" smtClean="0"/>
-              <a:t>At </a:t>
-            </a:r>
-            <a:r>
-              <a:rPr lang="en-US" dirty="0"/>
-              <a:t>the parking area</a:t>
-            </a:r>
-            <a:r>
-              <a:rPr lang="en-US" dirty="0" smtClean="0"/>
-              <a:t>, </a:t>
-            </a:r>
-            <a:r>
-              <a:rPr lang="en-US" dirty="0"/>
-              <a:t>which car(number plate)  is parked in which slot is also saved to the database.  </a:t>
-            </a:r>
-            <a:endParaRPr lang="en-US" dirty="0"/>
-          </a:p>
-        </p:txBody>
-      </p:sp>
-      <p:sp>
-        <p:nvSpPr>
-          <p:cNvPr id="5" name="TextBox 4"/>
-          <p:cNvSpPr txBox="1"/>
-          <p:nvPr/>
-        </p:nvSpPr>
-        <p:spPr>
-          <a:xfrm>
-            <a:off x="0" y="1467723"/>
-            <a:ext cx="6182436" cy="1477328"/>
-          </a:xfrm>
-          <a:prstGeom prst="rect">
-            <a:avLst/>
-          </a:prstGeom>
-          <a:noFill/>
-        </p:spPr>
-        <p:txBody>
-          <a:bodyPr wrap="square" rtlCol="0">
-            <a:spAutoFit/>
-          </a:bodyPr>
-          <a:lstStyle/>
-          <a:p>
-            <a:pPr algn="ctr"/>
-            <a:r>
-              <a:rPr lang="en-US" b="1" dirty="0" smtClean="0"/>
-              <a:t>DATA LOCAL STORAGE</a:t>
-            </a:r>
-            <a:endParaRPr lang="en-US" b="1" dirty="0" smtClean="0"/>
-          </a:p>
-          <a:p>
-            <a:pPr marL="285750" indent="-285750">
-              <a:buFont typeface="Wingdings" panose="05000000000000000000" pitchFamily="2" charset="2"/>
-              <a:buChar char="q"/>
-            </a:pPr>
-            <a:r>
-              <a:rPr lang="en-US" dirty="0" smtClean="0"/>
-              <a:t>The images taken by the camera will be locally stored in the raspberry pi. </a:t>
-            </a:r>
-            <a:endParaRPr lang="en-US" dirty="0" smtClean="0"/>
-          </a:p>
-          <a:p>
-            <a:pPr marL="285750" indent="-285750">
-              <a:buFont typeface="Wingdings" panose="05000000000000000000" pitchFamily="2" charset="2"/>
-              <a:buChar char="q"/>
-            </a:pPr>
-            <a:r>
-              <a:rPr lang="en-US" dirty="0" smtClean="0"/>
-              <a:t>Once the data is processed, the raspberry will automatically free the data.</a:t>
-            </a:r>
-            <a:endParaRPr lang="en-US" dirty="0"/>
-          </a:p>
-        </p:txBody>
-      </p:sp>
-      <p:sp>
-        <p:nvSpPr>
-          <p:cNvPr id="6" name="TextBox 5"/>
-          <p:cNvSpPr txBox="1"/>
-          <p:nvPr/>
-        </p:nvSpPr>
-        <p:spPr>
-          <a:xfrm>
-            <a:off x="-13648" y="2806548"/>
-            <a:ext cx="6196084" cy="1200329"/>
-          </a:xfrm>
-          <a:prstGeom prst="rect">
-            <a:avLst/>
-          </a:prstGeom>
-          <a:noFill/>
-        </p:spPr>
-        <p:txBody>
-          <a:bodyPr wrap="square" rtlCol="0">
-            <a:spAutoFit/>
-          </a:bodyPr>
-          <a:lstStyle/>
-          <a:p>
-            <a:pPr algn="ctr"/>
-            <a:r>
-              <a:rPr lang="en-US" b="1" dirty="0" smtClean="0"/>
-              <a:t>DATA PROCESSING</a:t>
-            </a:r>
-            <a:endParaRPr lang="en-US" b="1" dirty="0" smtClean="0"/>
-          </a:p>
-          <a:p>
-            <a:pPr marL="285750" indent="-285750">
-              <a:buFont typeface="Wingdings" panose="05000000000000000000" pitchFamily="2" charset="2"/>
-              <a:buChar char="q"/>
-            </a:pPr>
-            <a:r>
-              <a:rPr lang="en-US" dirty="0" smtClean="0"/>
-              <a:t>The number plate detection, motion detection, entry-exit time detection will take place. </a:t>
-            </a:r>
-            <a:endParaRPr lang="en-US" dirty="0" smtClean="0"/>
-          </a:p>
-          <a:p>
-            <a:pPr marL="285750" indent="-285750">
-              <a:buFont typeface="Wingdings" panose="05000000000000000000" pitchFamily="2" charset="2"/>
-              <a:buChar char="q"/>
-            </a:pPr>
-            <a:r>
-              <a:rPr lang="en-US" dirty="0" smtClean="0"/>
-              <a:t>The output of the processed data will be stored in the cloud. </a:t>
-            </a:r>
-            <a:endParaRPr lang="en-US" dirty="0"/>
-          </a:p>
-        </p:txBody>
-      </p:sp>
-      <p:sp>
-        <p:nvSpPr>
-          <p:cNvPr id="7" name="TextBox 6"/>
-          <p:cNvSpPr txBox="1"/>
-          <p:nvPr/>
-        </p:nvSpPr>
-        <p:spPr>
-          <a:xfrm>
-            <a:off x="0" y="4103253"/>
-            <a:ext cx="6182436" cy="1200329"/>
-          </a:xfrm>
-          <a:prstGeom prst="rect">
-            <a:avLst/>
-          </a:prstGeom>
-          <a:noFill/>
-        </p:spPr>
-        <p:txBody>
-          <a:bodyPr wrap="square" rtlCol="0">
-            <a:spAutoFit/>
-          </a:bodyPr>
-          <a:lstStyle/>
-          <a:p>
-            <a:pPr algn="ctr"/>
-            <a:r>
-              <a:rPr lang="en-US" b="1" dirty="0" smtClean="0"/>
-              <a:t>DATA CLOUD STORAGE</a:t>
-            </a:r>
-            <a:endParaRPr lang="en-US" b="1" dirty="0" smtClean="0"/>
-          </a:p>
-          <a:p>
-            <a:pPr marL="285750" indent="-285750">
-              <a:buFont typeface="Wingdings" panose="05000000000000000000" pitchFamily="2" charset="2"/>
-              <a:buChar char="q"/>
-            </a:pPr>
-            <a:r>
-              <a:rPr lang="en-US" dirty="0" smtClean="0"/>
-              <a:t>The filtered output will be stored in the cloud. The data required for the android app and the website that has to be shown to the user, will be retrieved from the cloud.</a:t>
-            </a:r>
-            <a:endParaRPr lang="en-US" dirty="0"/>
-          </a:p>
-        </p:txBody>
-      </p:sp>
-      <p:sp>
-        <p:nvSpPr>
-          <p:cNvPr id="8" name="TextBox 7"/>
-          <p:cNvSpPr txBox="1"/>
-          <p:nvPr/>
-        </p:nvSpPr>
-        <p:spPr>
-          <a:xfrm>
-            <a:off x="0" y="5271895"/>
-            <a:ext cx="6182436" cy="1477328"/>
-          </a:xfrm>
-          <a:prstGeom prst="rect">
-            <a:avLst/>
-          </a:prstGeom>
-          <a:noFill/>
-        </p:spPr>
-        <p:txBody>
-          <a:bodyPr wrap="square" rtlCol="0">
-            <a:spAutoFit/>
-          </a:bodyPr>
-          <a:lstStyle/>
-          <a:p>
-            <a:pPr algn="ctr"/>
-            <a:r>
-              <a:rPr lang="en-US" b="1" dirty="0" smtClean="0"/>
-              <a:t>DATA VISUALIZATION</a:t>
-            </a:r>
-            <a:endParaRPr lang="en-US" b="1" dirty="0" smtClean="0"/>
-          </a:p>
-          <a:p>
-            <a:pPr marL="285750" indent="-285750">
-              <a:buFont typeface="Wingdings" panose="05000000000000000000" pitchFamily="2" charset="2"/>
-              <a:buChar char="q"/>
-            </a:pPr>
-            <a:r>
-              <a:rPr lang="en-US" dirty="0" smtClean="0"/>
-              <a:t>The information which concerns the user will be shown in the android app and the website. </a:t>
-            </a:r>
-            <a:endParaRPr lang="en-US" dirty="0" smtClean="0"/>
-          </a:p>
-          <a:p>
-            <a:pPr marL="285750" indent="-285750">
-              <a:buFont typeface="Wingdings" panose="05000000000000000000" pitchFamily="2" charset="2"/>
-              <a:buChar char="q"/>
-            </a:pPr>
-            <a:r>
-              <a:rPr lang="en-US" dirty="0" smtClean="0"/>
-              <a:t>This information includes the map guidance, the number of available slots, etc.</a:t>
-            </a:r>
-            <a:endParaRPr lang="en-US" dirty="0"/>
-          </a:p>
-        </p:txBody>
-      </p:sp>
-      <p:pic>
-        <p:nvPicPr>
-          <p:cNvPr id="9" name="Picture 8"/>
-          <p:cNvPicPr>
-            <a:picLocks noChangeAspect="1"/>
-          </p:cNvPicPr>
-          <p:nvPr/>
-        </p:nvPicPr>
-        <p:blipFill>
-          <a:blip r:embed="rId1" cstate="print">
-            <a:extLst>
-              <a:ext uri="{28A0092B-C50C-407E-A947-70E740481C1C}">
-                <a14:useLocalDpi xmlns:a14="http://schemas.microsoft.com/office/drawing/2010/main" val="0"/>
-              </a:ext>
-            </a:extLst>
-          </a:blip>
-          <a:stretch>
-            <a:fillRect/>
-          </a:stretch>
-        </p:blipFill>
-        <p:spPr>
-          <a:xfrm>
-            <a:off x="6182436" y="0"/>
-            <a:ext cx="4107976" cy="3507475"/>
-          </a:xfrm>
-          <a:prstGeom prst="rect">
-            <a:avLst/>
-          </a:prstGeom>
-        </p:spPr>
-      </p:pic>
-    </p:spTree>
-  </p:cSld>
-  <p:clrMapOvr>
-    <a:masterClrMapping/>
-  </p:clrMapOvr>
-</p:sld>
-</file>
-
-<file path=ppt/slides/slide6.xml><?xml version="1.0" encoding="utf-8"?>
-<p:sld xmlns:a="http://schemas.openxmlformats.org/drawingml/2006/main" xmlns:r="http://schemas.openxmlformats.org/officeDocument/2006/relationships" xmlns:p="http://schemas.openxmlformats.org/presentationml/2006/main">
-  <p:cSld>
-    <p:spTree>
-      <p:nvGrpSpPr>
-        <p:cNvPr id="1" name=""/>
-        <p:cNvGrpSpPr/>
-        <p:nvPr/>
-      </p:nvGrpSpPr>
-      <p:grpSpPr>
-        <a:xfrm>
-          <a:off x="0" y="0"/>
-          <a:ext cx="0" cy="0"/>
-          <a:chOff x="0" y="0"/>
-          <a:chExt cx="0" cy="0"/>
-        </a:xfrm>
-      </p:grpSpPr>
-      <p:sp>
-        <p:nvSpPr>
-          <p:cNvPr id="4" name="Chevron 3"/>
-          <p:cNvSpPr/>
-          <p:nvPr/>
-        </p:nvSpPr>
-        <p:spPr>
-          <a:xfrm>
-            <a:off x="-1" y="0"/>
-            <a:ext cx="5786652" cy="2511188"/>
-          </a:xfrm>
-          <a:prstGeom prst="chevron">
-            <a:avLst/>
-          </a:prstGeom>
-          <a:solidFill>
-            <a:schemeClr val="accent2"/>
-          </a:solidFill>
-        </p:spPr>
-        <p:style>
-          <a:lnRef idx="2">
-            <a:schemeClr val="accent1">
-              <a:shade val="50000"/>
-            </a:schemeClr>
-          </a:lnRef>
-          <a:fillRef idx="1">
-            <a:schemeClr val="accent1"/>
-          </a:fillRef>
-          <a:effectRef idx="0">
-            <a:schemeClr val="accent1"/>
-          </a:effectRef>
-          <a:fontRef idx="minor">
-            <a:schemeClr val="lt1"/>
-          </a:fontRef>
-        </p:style>
-        <p:txBody>
-          <a:bodyPr rtlCol="0" anchor="ctr"/>
-          <a:lstStyle/>
-          <a:p>
-            <a:pPr algn="ctr"/>
-            <a:r>
-              <a:rPr lang="en-US" b="1" dirty="0"/>
-              <a:t>DATA COLLECTION</a:t>
-            </a:r>
-            <a:endParaRPr lang="en-US" b="1" dirty="0"/>
-          </a:p>
-          <a:p>
-            <a:pPr marL="285750" indent="-285750">
-              <a:buFont typeface="Wingdings" panose="05000000000000000000" pitchFamily="2" charset="2"/>
-              <a:buChar char="q"/>
-            </a:pPr>
-            <a:r>
-              <a:rPr lang="en-US" dirty="0"/>
-              <a:t>At the gate, the number plate and the entry-exit time is saved to the database using camera module. </a:t>
-            </a:r>
-            <a:endParaRPr lang="en-US" dirty="0"/>
-          </a:p>
-          <a:p>
-            <a:pPr marL="285750" indent="-285750">
-              <a:buFont typeface="Wingdings" panose="05000000000000000000" pitchFamily="2" charset="2"/>
-              <a:buChar char="q"/>
-            </a:pPr>
-            <a:r>
-              <a:rPr lang="en-US" dirty="0"/>
-              <a:t>At the parking area, which car(number plate)  is parked in which slot is also saved to the database.  </a:t>
-            </a:r>
-            <a:endParaRPr lang="en-US" dirty="0"/>
-          </a:p>
-        </p:txBody>
-      </p:sp>
-      <p:sp>
-        <p:nvSpPr>
-          <p:cNvPr id="5" name="Chevron 4"/>
-          <p:cNvSpPr/>
-          <p:nvPr/>
-        </p:nvSpPr>
-        <p:spPr>
-          <a:xfrm>
-            <a:off x="6252948" y="-13648"/>
-            <a:ext cx="5388591" cy="2511188"/>
-          </a:xfrm>
-          <a:prstGeom prst="chevron">
-            <a:avLst/>
-          </a:prstGeom>
-          <a:solidFill>
-            <a:schemeClr val="accent5"/>
-          </a:solidFill>
-        </p:spPr>
-        <p:style>
-          <a:lnRef idx="2">
-            <a:schemeClr val="accent1">
-              <a:shade val="50000"/>
-            </a:schemeClr>
-          </a:lnRef>
-          <a:fillRef idx="1">
-            <a:schemeClr val="accent1"/>
-          </a:fillRef>
-          <a:effectRef idx="0">
-            <a:schemeClr val="accent1"/>
-          </a:effectRef>
-          <a:fontRef idx="minor">
-            <a:schemeClr val="lt1"/>
-          </a:fontRef>
-        </p:style>
-        <p:txBody>
-          <a:bodyPr rtlCol="0" anchor="ctr"/>
-          <a:lstStyle/>
-          <a:p>
-            <a:pPr algn="ctr"/>
-            <a:r>
-              <a:rPr lang="en-US" b="1" dirty="0"/>
-              <a:t>DATA LOCAL STORAGE</a:t>
-            </a:r>
-            <a:endParaRPr lang="en-US" b="1" dirty="0"/>
-          </a:p>
-          <a:p>
-            <a:pPr marL="285750" indent="-285750">
-              <a:buFont typeface="Wingdings" panose="05000000000000000000" pitchFamily="2" charset="2"/>
-              <a:buChar char="q"/>
-            </a:pPr>
-            <a:r>
-              <a:rPr lang="en-US" dirty="0"/>
-              <a:t>The images taken by the camera will be locally stored in the raspberry pi. </a:t>
-            </a:r>
-            <a:endParaRPr lang="en-US" dirty="0"/>
-          </a:p>
-          <a:p>
-            <a:pPr marL="285750" indent="-285750">
-              <a:buFont typeface="Wingdings" panose="05000000000000000000" pitchFamily="2" charset="2"/>
-              <a:buChar char="q"/>
-            </a:pPr>
-            <a:r>
-              <a:rPr lang="en-US" dirty="0"/>
-              <a:t>Once the data is processed, the raspberry will automatically free the data.</a:t>
-            </a:r>
-            <a:endParaRPr lang="en-US" dirty="0"/>
-          </a:p>
-        </p:txBody>
-      </p:sp>
-      <p:sp>
-        <p:nvSpPr>
-          <p:cNvPr id="9" name="Chevron 8"/>
-          <p:cNvSpPr/>
-          <p:nvPr/>
-        </p:nvSpPr>
-        <p:spPr>
-          <a:xfrm>
-            <a:off x="-1" y="2511188"/>
-            <a:ext cx="5786652" cy="2169994"/>
-          </a:xfrm>
-          <a:prstGeom prst="chevron">
-            <a:avLst/>
-          </a:prstGeom>
-          <a:solidFill>
-            <a:srgbClr val="C00000"/>
-          </a:solidFill>
-        </p:spPr>
-        <p:style>
-          <a:lnRef idx="2">
-            <a:schemeClr val="accent1">
-              <a:shade val="50000"/>
-            </a:schemeClr>
-          </a:lnRef>
-          <a:fillRef idx="1">
-            <a:schemeClr val="accent1"/>
-          </a:fillRef>
-          <a:effectRef idx="0">
-            <a:schemeClr val="accent1"/>
-          </a:effectRef>
-          <a:fontRef idx="minor">
-            <a:schemeClr val="lt1"/>
-          </a:fontRef>
-        </p:style>
-        <p:txBody>
-          <a:bodyPr rtlCol="0" anchor="ctr"/>
-          <a:lstStyle/>
-          <a:p>
-            <a:pPr algn="ctr"/>
-            <a:r>
-              <a:rPr lang="en-US" b="1" dirty="0"/>
-              <a:t>DATA PROCESSING</a:t>
-            </a:r>
-            <a:endParaRPr lang="en-US" b="1" dirty="0"/>
-          </a:p>
-          <a:p>
-            <a:pPr marL="285750" indent="-285750">
-              <a:buFont typeface="Wingdings" panose="05000000000000000000" pitchFamily="2" charset="2"/>
-              <a:buChar char="q"/>
-            </a:pPr>
-            <a:r>
-              <a:rPr lang="en-US" dirty="0"/>
-              <a:t>The number plate detection, motion detection, entry-exit time detection will take place. </a:t>
-            </a:r>
-            <a:endParaRPr lang="en-US" dirty="0"/>
-          </a:p>
-          <a:p>
-            <a:pPr marL="285750" indent="-285750">
-              <a:buFont typeface="Wingdings" panose="05000000000000000000" pitchFamily="2" charset="2"/>
-              <a:buChar char="q"/>
-            </a:pPr>
-            <a:r>
-              <a:rPr lang="en-US" dirty="0"/>
-              <a:t>The output of the processed data will be stored in the cloud. </a:t>
-            </a:r>
-            <a:endParaRPr lang="en-US" dirty="0"/>
-          </a:p>
-        </p:txBody>
-      </p:sp>
-      <p:sp>
-        <p:nvSpPr>
-          <p:cNvPr id="11" name="Chevron 10"/>
-          <p:cNvSpPr/>
-          <p:nvPr/>
-        </p:nvSpPr>
-        <p:spPr>
-          <a:xfrm>
-            <a:off x="6252947" y="2511188"/>
-            <a:ext cx="5320355" cy="2169994"/>
-          </a:xfrm>
-          <a:prstGeom prst="chevron">
-            <a:avLst/>
-          </a:prstGeom>
-          <a:solidFill>
-            <a:srgbClr val="00B050"/>
-          </a:solidFill>
-        </p:spPr>
-        <p:style>
-          <a:lnRef idx="2">
-            <a:schemeClr val="accent1">
-              <a:shade val="50000"/>
-            </a:schemeClr>
-          </a:lnRef>
-          <a:fillRef idx="1">
-            <a:schemeClr val="accent1"/>
-          </a:fillRef>
-          <a:effectRef idx="0">
-            <a:schemeClr val="accent1"/>
-          </a:effectRef>
-          <a:fontRef idx="minor">
-            <a:schemeClr val="lt1"/>
-          </a:fontRef>
-        </p:style>
-        <p:txBody>
-          <a:bodyPr rtlCol="0" anchor="ctr"/>
-          <a:lstStyle/>
-          <a:p>
-            <a:pPr algn="ctr"/>
-            <a:r>
-              <a:rPr lang="en-US" b="1" dirty="0"/>
-              <a:t>DATA PROCESSING</a:t>
-            </a:r>
-            <a:endParaRPr lang="en-US" b="1" dirty="0"/>
-          </a:p>
-          <a:p>
-            <a:pPr marL="285750" indent="-285750">
-              <a:buFont typeface="Wingdings" panose="05000000000000000000" pitchFamily="2" charset="2"/>
-              <a:buChar char="q"/>
-            </a:pPr>
-            <a:r>
-              <a:rPr lang="en-US" dirty="0"/>
-              <a:t>The number plate detection, motion detection, entry-exit time detection will take place. </a:t>
-            </a:r>
-            <a:endParaRPr lang="en-US" dirty="0"/>
-          </a:p>
-          <a:p>
-            <a:pPr marL="285750" indent="-285750">
-              <a:buFont typeface="Wingdings" panose="05000000000000000000" pitchFamily="2" charset="2"/>
-              <a:buChar char="q"/>
-            </a:pPr>
-            <a:r>
-              <a:rPr lang="en-US" dirty="0"/>
-              <a:t>The output of the processed data will be stored in the cloud. </a:t>
-            </a:r>
-            <a:endParaRPr lang="en-US" dirty="0"/>
-          </a:p>
-        </p:txBody>
-      </p:sp>
-      <p:sp>
-        <p:nvSpPr>
-          <p:cNvPr id="12" name="Chevron 11"/>
-          <p:cNvSpPr/>
-          <p:nvPr/>
-        </p:nvSpPr>
-        <p:spPr>
-          <a:xfrm>
-            <a:off x="3160591" y="4692555"/>
-            <a:ext cx="5786652" cy="2165445"/>
-          </a:xfrm>
-          <a:prstGeom prst="chevron">
-            <a:avLst/>
-          </a:prstGeom>
-          <a:solidFill>
-            <a:srgbClr val="B3880D"/>
-          </a:solidFill>
-        </p:spPr>
-        <p:style>
-          <a:lnRef idx="2">
-            <a:schemeClr val="accent1">
-              <a:shade val="50000"/>
-            </a:schemeClr>
-          </a:lnRef>
-          <a:fillRef idx="1">
-            <a:schemeClr val="accent1"/>
-          </a:fillRef>
-          <a:effectRef idx="0">
-            <a:schemeClr val="accent1"/>
-          </a:effectRef>
-          <a:fontRef idx="minor">
-            <a:schemeClr val="lt1"/>
-          </a:fontRef>
-        </p:style>
-        <p:txBody>
-          <a:bodyPr rtlCol="0" anchor="ctr"/>
-          <a:lstStyle/>
-          <a:p>
-            <a:pPr algn="ctr"/>
-            <a:r>
-              <a:rPr lang="en-US" b="1" dirty="0"/>
-              <a:t>DATA VISUALIZATION</a:t>
-            </a:r>
-            <a:endParaRPr lang="en-US" b="1" dirty="0"/>
-          </a:p>
-          <a:p>
-            <a:pPr marL="285750" indent="-285750">
-              <a:buFont typeface="Wingdings" panose="05000000000000000000" pitchFamily="2" charset="2"/>
-              <a:buChar char="q"/>
-            </a:pPr>
-            <a:r>
-              <a:rPr lang="en-US" dirty="0"/>
-              <a:t>The information which concerns the user will be shown in the android app and the website. </a:t>
-            </a:r>
-            <a:endParaRPr lang="en-US" dirty="0"/>
-          </a:p>
-          <a:p>
-            <a:pPr marL="285750" indent="-285750">
-              <a:buFont typeface="Wingdings" panose="05000000000000000000" pitchFamily="2" charset="2"/>
-              <a:buChar char="q"/>
-            </a:pPr>
-            <a:r>
-              <a:rPr lang="en-US" dirty="0"/>
-              <a:t>This information includes the map guidance, the number of available slots, etc.</a:t>
-            </a:r>
-            <a:endParaRPr lang="en-US" dirty="0"/>
-          </a:p>
-        </p:txBody>
-      </p:sp>
-    </p:spTree>
-  </p:cSld>
-  <p:clrMapOvr>
-    <a:masterClrMapping/>
-  </p:clrMapOvr>
 </p:sld>
 </file>
 
